--- a/Dokumentumok/Miklo_Jozsef_Peter_prezentacio.pptx
+++ b/Dokumentumok/Miklo_Jozsef_Peter_prezentacio.pptx
@@ -4,21 +4,26 @@
   <p:sldMasterIdLst>
     <p:sldMasterId id="2147484456" r:id="rId1"/>
   </p:sldMasterIdLst>
+  <p:notesMasterIdLst>
+    <p:notesMasterId r:id="rId18"/>
+  </p:notesMasterIdLst>
   <p:sldIdLst>
     <p:sldId id="258" r:id="rId2"/>
     <p:sldId id="257" r:id="rId3"/>
     <p:sldId id="259" r:id="rId4"/>
     <p:sldId id="260" r:id="rId5"/>
-    <p:sldId id="261" r:id="rId6"/>
-    <p:sldId id="262" r:id="rId7"/>
-    <p:sldId id="265" r:id="rId8"/>
-    <p:sldId id="272" r:id="rId9"/>
-    <p:sldId id="263" r:id="rId10"/>
-    <p:sldId id="266" r:id="rId11"/>
-    <p:sldId id="268" r:id="rId12"/>
-    <p:sldId id="269" r:id="rId13"/>
-    <p:sldId id="270" r:id="rId14"/>
-    <p:sldId id="273" r:id="rId15"/>
+    <p:sldId id="274" r:id="rId6"/>
+    <p:sldId id="275" r:id="rId7"/>
+    <p:sldId id="261" r:id="rId8"/>
+    <p:sldId id="262" r:id="rId9"/>
+    <p:sldId id="265" r:id="rId10"/>
+    <p:sldId id="272" r:id="rId11"/>
+    <p:sldId id="263" r:id="rId12"/>
+    <p:sldId id="266" r:id="rId13"/>
+    <p:sldId id="268" r:id="rId14"/>
+    <p:sldId id="269" r:id="rId15"/>
+    <p:sldId id="270" r:id="rId16"/>
+    <p:sldId id="273" r:id="rId17"/>
   </p:sldIdLst>
   <p:sldSz cx="12192000" cy="6858000"/>
   <p:notesSz cx="6858000" cy="9144000"/>
@@ -119,7 +124,7 @@
   </p:defaultTextStyle>
   <p:extLst>
     <p:ext uri="{EFAFB233-063F-42B5-8137-9DF3F51BA10A}">
-      <p15:sldGuideLst xmlns:p15="http://schemas.microsoft.com/office/powerpoint/2012/main"/>
+      <p15:sldGuideLst xmlns:p15="http://schemas.microsoft.com/office/powerpoint/2012/main" xmlns=""/>
     </p:ext>
   </p:extLst>
 </p:presentation>
@@ -128,13 +133,359 @@
 <file path=ppt/revisionInfo.xml><?xml version="1.0" encoding="utf-8"?>
 <p1510:revInfo xmlns:a="http://schemas.openxmlformats.org/drawingml/2006/main" xmlns:r="http://schemas.openxmlformats.org/officeDocument/2006/relationships" xmlns:p1510="http://schemas.microsoft.com/office/powerpoint/2015/10/main">
   <p1510:revLst>
-    <p1510:client id="{530C080B-2E26-46C7-8251-90EEB4503B09}" v="1541" dt="2024-07-02T17:51:15.608"/>
-    <p1510:client id="{6E0B1053-88E7-4CB1-A9A8-64D022B9F714}" v="643" dt="2024-07-02T09:20:59.157"/>
-    <p1510:client id="{85C2EB2E-35DD-401C-973F-F39C2DF3FBA4}" v="254" dt="2024-07-01T20:54:11.298"/>
-    <p1510:client id="{993D9C5A-8653-4296-8BE7-59FA6E802A77}" v="44" dt="2024-07-02T07:17:03.521"/>
-    <p1510:client id="{FE194831-4BC9-4D05-895D-9B4037A63DF6}" v="4" dt="2024-07-02T18:51:05.340"/>
+    <p1510:client id="{E0BBE877-A756-47BC-83DE-36AE5A45A732}" v="1174" dt="2024-07-06T21:25:08.970"/>
   </p1510:revLst>
 </p1510:revInfo>
+</file>
+
+<file path=ppt/notesMasters/notesMaster1.xml><?xml version="1.0" encoding="utf-8"?>
+<p:notesMaster xmlns:a="http://schemas.openxmlformats.org/drawingml/2006/main" xmlns:r="http://schemas.openxmlformats.org/officeDocument/2006/relationships" xmlns:p="http://schemas.openxmlformats.org/presentationml/2006/main">
+  <p:cSld>
+    <p:bg>
+      <p:bgRef idx="1001">
+        <a:schemeClr val="bg1"/>
+      </p:bgRef>
+    </p:bg>
+    <p:spTree>
+      <p:nvGrpSpPr>
+        <p:cNvPr id="1" name=""/>
+        <p:cNvGrpSpPr/>
+        <p:nvPr/>
+      </p:nvGrpSpPr>
+      <p:grpSpPr>
+        <a:xfrm>
+          <a:off x="0" y="0"/>
+          <a:ext cx="0" cy="0"/>
+          <a:chOff x="0" y="0"/>
+          <a:chExt cx="0" cy="0"/>
+        </a:xfrm>
+      </p:grpSpPr>
+      <p:sp>
+        <p:nvSpPr>
+          <p:cNvPr id="2" name="Header Placeholder 1"/>
+          <p:cNvSpPr>
+            <a:spLocks noGrp="1"/>
+          </p:cNvSpPr>
+          <p:nvPr>
+            <p:ph type="hdr" sz="quarter"/>
+          </p:nvPr>
+        </p:nvSpPr>
+        <p:spPr>
+          <a:xfrm>
+            <a:off x="0" y="0"/>
+            <a:ext cx="2971800" cy="457200"/>
+          </a:xfrm>
+          <a:prstGeom prst="rect">
+            <a:avLst/>
+          </a:prstGeom>
+        </p:spPr>
+        <p:txBody>
+          <a:bodyPr vert="horz" lIns="91440" tIns="45720" rIns="91440" bIns="45720" rtlCol="0"/>
+          <a:lstStyle>
+            <a:lvl1pPr algn="l">
+              <a:defRPr sz="1200"/>
+            </a:lvl1pPr>
+          </a:lstStyle>
+          <a:p>
+            <a:endParaRPr lang="en-US"/>
+          </a:p>
+        </p:txBody>
+      </p:sp>
+      <p:sp>
+        <p:nvSpPr>
+          <p:cNvPr id="3" name="Date Placeholder 2"/>
+          <p:cNvSpPr>
+            <a:spLocks noGrp="1"/>
+          </p:cNvSpPr>
+          <p:nvPr>
+            <p:ph type="dt" idx="1"/>
+          </p:nvPr>
+        </p:nvSpPr>
+        <p:spPr>
+          <a:xfrm>
+            <a:off x="3884613" y="0"/>
+            <a:ext cx="2971800" cy="457200"/>
+          </a:xfrm>
+          <a:prstGeom prst="rect">
+            <a:avLst/>
+          </a:prstGeom>
+        </p:spPr>
+        <p:txBody>
+          <a:bodyPr vert="horz" lIns="91440" tIns="45720" rIns="91440" bIns="45720" rtlCol="0"/>
+          <a:lstStyle>
+            <a:lvl1pPr algn="r">
+              <a:defRPr sz="1200"/>
+            </a:lvl1pPr>
+          </a:lstStyle>
+          <a:p>
+            <a:fld id="{0315D542-078F-4D30-B8FA-0A799EF4CFC9}" type="datetimeFigureOut">
+              <a:rPr lang="en-US" smtClean="0"/>
+              <a:t>7/7/2024</a:t>
+            </a:fld>
+            <a:endParaRPr lang="en-US"/>
+          </a:p>
+        </p:txBody>
+      </p:sp>
+      <p:sp>
+        <p:nvSpPr>
+          <p:cNvPr id="4" name="Slide Image Placeholder 3"/>
+          <p:cNvSpPr>
+            <a:spLocks noGrp="1" noRot="1" noChangeAspect="1"/>
+          </p:cNvSpPr>
+          <p:nvPr>
+            <p:ph type="sldImg" idx="2"/>
+          </p:nvPr>
+        </p:nvSpPr>
+        <p:spPr>
+          <a:xfrm>
+            <a:off x="381000" y="685800"/>
+            <a:ext cx="6096000" cy="3429000"/>
+          </a:xfrm>
+          <a:prstGeom prst="rect">
+            <a:avLst/>
+          </a:prstGeom>
+          <a:noFill/>
+          <a:ln w="12700">
+            <a:solidFill>
+              <a:prstClr val="black"/>
+            </a:solidFill>
+          </a:ln>
+        </p:spPr>
+        <p:txBody>
+          <a:bodyPr vert="horz" lIns="91440" tIns="45720" rIns="91440" bIns="45720" rtlCol="0" anchor="ctr"/>
+          <a:lstStyle/>
+          <a:p>
+            <a:endParaRPr lang="en-US"/>
+          </a:p>
+        </p:txBody>
+      </p:sp>
+      <p:sp>
+        <p:nvSpPr>
+          <p:cNvPr id="5" name="Notes Placeholder 4"/>
+          <p:cNvSpPr>
+            <a:spLocks noGrp="1"/>
+          </p:cNvSpPr>
+          <p:nvPr>
+            <p:ph type="body" sz="quarter" idx="3"/>
+          </p:nvPr>
+        </p:nvSpPr>
+        <p:spPr>
+          <a:xfrm>
+            <a:off x="685800" y="4343400"/>
+            <a:ext cx="5486400" cy="4114800"/>
+          </a:xfrm>
+          <a:prstGeom prst="rect">
+            <a:avLst/>
+          </a:prstGeom>
+        </p:spPr>
+        <p:txBody>
+          <a:bodyPr vert="horz" lIns="91440" tIns="45720" rIns="91440" bIns="45720" rtlCol="0"/>
+          <a:lstStyle/>
+          <a:p>
+            <a:pPr lvl="0"/>
+            <a:r>
+              <a:rPr lang="en-US" smtClean="0"/>
+              <a:t>Click to edit Master text styles</a:t>
+            </a:r>
+          </a:p>
+          <a:p>
+            <a:pPr lvl="1"/>
+            <a:r>
+              <a:rPr lang="en-US" smtClean="0"/>
+              <a:t>Second level</a:t>
+            </a:r>
+          </a:p>
+          <a:p>
+            <a:pPr lvl="2"/>
+            <a:r>
+              <a:rPr lang="en-US" smtClean="0"/>
+              <a:t>Third level</a:t>
+            </a:r>
+          </a:p>
+          <a:p>
+            <a:pPr lvl="3"/>
+            <a:r>
+              <a:rPr lang="en-US" smtClean="0"/>
+              <a:t>Fourth level</a:t>
+            </a:r>
+          </a:p>
+          <a:p>
+            <a:pPr lvl="4"/>
+            <a:r>
+              <a:rPr lang="en-US" smtClean="0"/>
+              <a:t>Fifth level</a:t>
+            </a:r>
+            <a:endParaRPr lang="en-US"/>
+          </a:p>
+        </p:txBody>
+      </p:sp>
+      <p:sp>
+        <p:nvSpPr>
+          <p:cNvPr id="6" name="Footer Placeholder 5"/>
+          <p:cNvSpPr>
+            <a:spLocks noGrp="1"/>
+          </p:cNvSpPr>
+          <p:nvPr>
+            <p:ph type="ftr" sz="quarter" idx="4"/>
+          </p:nvPr>
+        </p:nvSpPr>
+        <p:spPr>
+          <a:xfrm>
+            <a:off x="0" y="8685213"/>
+            <a:ext cx="2971800" cy="457200"/>
+          </a:xfrm>
+          <a:prstGeom prst="rect">
+            <a:avLst/>
+          </a:prstGeom>
+        </p:spPr>
+        <p:txBody>
+          <a:bodyPr vert="horz" lIns="91440" tIns="45720" rIns="91440" bIns="45720" rtlCol="0" anchor="b"/>
+          <a:lstStyle>
+            <a:lvl1pPr algn="l">
+              <a:defRPr sz="1200"/>
+            </a:lvl1pPr>
+          </a:lstStyle>
+          <a:p>
+            <a:endParaRPr lang="en-US"/>
+          </a:p>
+        </p:txBody>
+      </p:sp>
+      <p:sp>
+        <p:nvSpPr>
+          <p:cNvPr id="7" name="Slide Number Placeholder 6"/>
+          <p:cNvSpPr>
+            <a:spLocks noGrp="1"/>
+          </p:cNvSpPr>
+          <p:nvPr>
+            <p:ph type="sldNum" sz="quarter" idx="5"/>
+          </p:nvPr>
+        </p:nvSpPr>
+        <p:spPr>
+          <a:xfrm>
+            <a:off x="3884613" y="8685213"/>
+            <a:ext cx="2971800" cy="457200"/>
+          </a:xfrm>
+          <a:prstGeom prst="rect">
+            <a:avLst/>
+          </a:prstGeom>
+        </p:spPr>
+        <p:txBody>
+          <a:bodyPr vert="horz" lIns="91440" tIns="45720" rIns="91440" bIns="45720" rtlCol="0" anchor="b"/>
+          <a:lstStyle>
+            <a:lvl1pPr algn="r">
+              <a:defRPr sz="1200"/>
+            </a:lvl1pPr>
+          </a:lstStyle>
+          <a:p>
+            <a:fld id="{81076D5A-7550-4CD6-9D5F-6DD623A4DBEE}" type="slidenum">
+              <a:rPr lang="en-US" smtClean="0"/>
+              <a:t>‹#›</a:t>
+            </a:fld>
+            <a:endParaRPr lang="en-US"/>
+          </a:p>
+        </p:txBody>
+      </p:sp>
+    </p:spTree>
+    <p:extLst>
+      <p:ext uri="{BB962C8B-B14F-4D97-AF65-F5344CB8AC3E}">
+        <p14:creationId xmlns:p14="http://schemas.microsoft.com/office/powerpoint/2010/main" val="3433241721"/>
+      </p:ext>
+    </p:extLst>
+  </p:cSld>
+  <p:clrMap bg1="lt1" tx1="dk1" bg2="lt2" tx2="dk2" accent1="accent1" accent2="accent2" accent3="accent3" accent4="accent4" accent5="accent5" accent6="accent6" hlink="hlink" folHlink="folHlink"/>
+  <p:notesStyle>
+    <a:lvl1pPr marL="0" algn="l" defTabSz="914400" rtl="0" eaLnBrk="1" latinLnBrk="0" hangingPunct="1">
+      <a:defRPr sz="1200" kern="1200">
+        <a:solidFill>
+          <a:schemeClr val="tx1"/>
+        </a:solidFill>
+        <a:latin typeface="+mn-lt"/>
+        <a:ea typeface="+mn-ea"/>
+        <a:cs typeface="+mn-cs"/>
+      </a:defRPr>
+    </a:lvl1pPr>
+    <a:lvl2pPr marL="457200" algn="l" defTabSz="914400" rtl="0" eaLnBrk="1" latinLnBrk="0" hangingPunct="1">
+      <a:defRPr sz="1200" kern="1200">
+        <a:solidFill>
+          <a:schemeClr val="tx1"/>
+        </a:solidFill>
+        <a:latin typeface="+mn-lt"/>
+        <a:ea typeface="+mn-ea"/>
+        <a:cs typeface="+mn-cs"/>
+      </a:defRPr>
+    </a:lvl2pPr>
+    <a:lvl3pPr marL="914400" algn="l" defTabSz="914400" rtl="0" eaLnBrk="1" latinLnBrk="0" hangingPunct="1">
+      <a:defRPr sz="1200" kern="1200">
+        <a:solidFill>
+          <a:schemeClr val="tx1"/>
+        </a:solidFill>
+        <a:latin typeface="+mn-lt"/>
+        <a:ea typeface="+mn-ea"/>
+        <a:cs typeface="+mn-cs"/>
+      </a:defRPr>
+    </a:lvl3pPr>
+    <a:lvl4pPr marL="1371600" algn="l" defTabSz="914400" rtl="0" eaLnBrk="1" latinLnBrk="0" hangingPunct="1">
+      <a:defRPr sz="1200" kern="1200">
+        <a:solidFill>
+          <a:schemeClr val="tx1"/>
+        </a:solidFill>
+        <a:latin typeface="+mn-lt"/>
+        <a:ea typeface="+mn-ea"/>
+        <a:cs typeface="+mn-cs"/>
+      </a:defRPr>
+    </a:lvl4pPr>
+    <a:lvl5pPr marL="1828800" algn="l" defTabSz="914400" rtl="0" eaLnBrk="1" latinLnBrk="0" hangingPunct="1">
+      <a:defRPr sz="1200" kern="1200">
+        <a:solidFill>
+          <a:schemeClr val="tx1"/>
+        </a:solidFill>
+        <a:latin typeface="+mn-lt"/>
+        <a:ea typeface="+mn-ea"/>
+        <a:cs typeface="+mn-cs"/>
+      </a:defRPr>
+    </a:lvl5pPr>
+    <a:lvl6pPr marL="2286000" algn="l" defTabSz="914400" rtl="0" eaLnBrk="1" latinLnBrk="0" hangingPunct="1">
+      <a:defRPr sz="1200" kern="1200">
+        <a:solidFill>
+          <a:schemeClr val="tx1"/>
+        </a:solidFill>
+        <a:latin typeface="+mn-lt"/>
+        <a:ea typeface="+mn-ea"/>
+        <a:cs typeface="+mn-cs"/>
+      </a:defRPr>
+    </a:lvl6pPr>
+    <a:lvl7pPr marL="2743200" algn="l" defTabSz="914400" rtl="0" eaLnBrk="1" latinLnBrk="0" hangingPunct="1">
+      <a:defRPr sz="1200" kern="1200">
+        <a:solidFill>
+          <a:schemeClr val="tx1"/>
+        </a:solidFill>
+        <a:latin typeface="+mn-lt"/>
+        <a:ea typeface="+mn-ea"/>
+        <a:cs typeface="+mn-cs"/>
+      </a:defRPr>
+    </a:lvl7pPr>
+    <a:lvl8pPr marL="3200400" algn="l" defTabSz="914400" rtl="0" eaLnBrk="1" latinLnBrk="0" hangingPunct="1">
+      <a:defRPr sz="1200" kern="1200">
+        <a:solidFill>
+          <a:schemeClr val="tx1"/>
+        </a:solidFill>
+        <a:latin typeface="+mn-lt"/>
+        <a:ea typeface="+mn-ea"/>
+        <a:cs typeface="+mn-cs"/>
+      </a:defRPr>
+    </a:lvl8pPr>
+    <a:lvl9pPr marL="3657600" algn="l" defTabSz="914400" rtl="0" eaLnBrk="1" latinLnBrk="0" hangingPunct="1">
+      <a:defRPr sz="1200" kern="1200">
+        <a:solidFill>
+          <a:schemeClr val="tx1"/>
+        </a:solidFill>
+        <a:latin typeface="+mn-lt"/>
+        <a:ea typeface="+mn-ea"/>
+        <a:cs typeface="+mn-cs"/>
+      </a:defRPr>
+    </a:lvl9pPr>
+  </p:notesStyle>
+</p:notesMaster>
 </file>
 
 <file path=ppt/slideLayouts/slideLayout1.xml><?xml version="1.0" encoding="utf-8"?>
@@ -159,7 +510,7 @@
           <p:cNvPr id="2" name="Title 1">
             <a:extLst>
               <a:ext uri="{FF2B5EF4-FFF2-40B4-BE49-F238E27FC236}">
-                <a16:creationId xmlns:a16="http://schemas.microsoft.com/office/drawing/2014/main" id="{E4336E9A-8E96-CD8C-7598-F87632CD81CF}"/>
+                <a16:creationId xmlns:a16="http://schemas.microsoft.com/office/drawing/2014/main" xmlns="" id="{E4336E9A-8E96-CD8C-7598-F87632CD81CF}"/>
               </a:ext>
             </a:extLst>
           </p:cNvPr>
@@ -187,7 +538,7 @@
           </a:lstStyle>
           <a:p>
             <a:r>
-              <a:rPr lang="en-US" dirty="0"/>
+              <a:rPr lang="en-US"/>
               <a:t>Click to edit Master title style</a:t>
             </a:r>
           </a:p>
@@ -198,7 +549,7 @@
           <p:cNvPr id="3" name="Subtitle 2">
             <a:extLst>
               <a:ext uri="{FF2B5EF4-FFF2-40B4-BE49-F238E27FC236}">
-                <a16:creationId xmlns:a16="http://schemas.microsoft.com/office/drawing/2014/main" id="{2BDC76B8-60F6-62D3-9F73-E81662203017}"/>
+                <a16:creationId xmlns:a16="http://schemas.microsoft.com/office/drawing/2014/main" xmlns="" id="{2BDC76B8-60F6-62D3-9F73-E81662203017}"/>
               </a:ext>
             </a:extLst>
           </p:cNvPr>
@@ -259,7 +610,7 @@
           </a:lstStyle>
           <a:p>
             <a:r>
-              <a:rPr lang="en-US" dirty="0"/>
+              <a:rPr lang="en-US"/>
               <a:t>Click to edit Master subtitle style</a:t>
             </a:r>
           </a:p>
@@ -270,7 +621,7 @@
           <p:cNvPr id="4" name="Date Placeholder 3">
             <a:extLst>
               <a:ext uri="{FF2B5EF4-FFF2-40B4-BE49-F238E27FC236}">
-                <a16:creationId xmlns:a16="http://schemas.microsoft.com/office/drawing/2014/main" id="{EAE2DAFA-435E-AAF9-8B67-495E5AFDCD91}"/>
+                <a16:creationId xmlns:a16="http://schemas.microsoft.com/office/drawing/2014/main" xmlns="" id="{EAE2DAFA-435E-AAF9-8B67-495E5AFDCD91}"/>
               </a:ext>
             </a:extLst>
           </p:cNvPr>
@@ -286,11 +637,11 @@
           <a:bodyPr/>
           <a:lstStyle/>
           <a:p>
-            <a:fld id="{77CA0979-F579-4E9B-A675-1F5ABBFF00DB}" type="datetimeFigureOut">
-              <a:rPr lang="en-US" dirty="0"/>
-              <a:t>7/2/2024</a:t>
+            <a:fld id="{A8013E4E-A242-4BC0-A337-9242EBE0D543}" type="datetime1">
+              <a:rPr lang="en-US" smtClean="0"/>
+              <a:t>7/7/2024</a:t>
             </a:fld>
-            <a:endParaRPr lang="en-US" dirty="0"/>
+            <a:endParaRPr lang="en-US"/>
           </a:p>
         </p:txBody>
       </p:sp>
@@ -299,7 +650,7 @@
           <p:cNvPr id="5" name="Footer Placeholder 4">
             <a:extLst>
               <a:ext uri="{FF2B5EF4-FFF2-40B4-BE49-F238E27FC236}">
-                <a16:creationId xmlns:a16="http://schemas.microsoft.com/office/drawing/2014/main" id="{5B407A58-3351-E479-1A0C-2FF49FA42707}"/>
+                <a16:creationId xmlns:a16="http://schemas.microsoft.com/office/drawing/2014/main" xmlns="" id="{5B407A58-3351-E479-1A0C-2FF49FA42707}"/>
               </a:ext>
             </a:extLst>
           </p:cNvPr>
@@ -316,7 +667,7 @@
           <a:lstStyle/>
           <a:p>
             <a:r>
-              <a:rPr lang="en-US" dirty="0"/>
+              <a:rPr lang="en-US"/>
               <a:t>
               </a:t>
             </a:r>
@@ -328,7 +679,7 @@
           <p:cNvPr id="6" name="Slide Number Placeholder 5">
             <a:extLst>
               <a:ext uri="{FF2B5EF4-FFF2-40B4-BE49-F238E27FC236}">
-                <a16:creationId xmlns:a16="http://schemas.microsoft.com/office/drawing/2014/main" id="{81789E10-2433-2ECB-9C92-571B583A4CF1}"/>
+                <a16:creationId xmlns:a16="http://schemas.microsoft.com/office/drawing/2014/main" xmlns="" id="{81789E10-2433-2ECB-9C92-571B583A4CF1}"/>
               </a:ext>
             </a:extLst>
           </p:cNvPr>
@@ -348,7 +699,7 @@
               <a:rPr lang="en-US" dirty="0"/>
               <a:t>‹#›</a:t>
             </a:fld>
-            <a:endParaRPr lang="en-US" dirty="0"/>
+            <a:endParaRPr lang="en-US"/>
           </a:p>
         </p:txBody>
       </p:sp>
@@ -362,10 +713,9 @@
   <p:clrMapOvr>
     <a:masterClrMapping/>
   </p:clrMapOvr>
-  <p:hf sldNum="0" hdr="0" ftr="0" dt="0"/>
-  <p:extLst>
+  <p:extLst mod="1">
     <p:ext uri="{DCECCB84-F9BA-43D5-87BE-67443E8EF086}">
-      <p15:sldGuideLst xmlns:p15="http://schemas.microsoft.com/office/powerpoint/2012/main">
+      <p15:sldGuideLst xmlns:p15="http://schemas.microsoft.com/office/powerpoint/2012/main" xmlns="">
         <p15:guide id="5" orient="horz" pos="2160">
           <p15:clr>
             <a:srgbClr val="FBAE40"/>
@@ -404,7 +754,7 @@
           <p:cNvPr id="2" name="Title 1">
             <a:extLst>
               <a:ext uri="{FF2B5EF4-FFF2-40B4-BE49-F238E27FC236}">
-                <a16:creationId xmlns:a16="http://schemas.microsoft.com/office/drawing/2014/main" id="{354E956D-CB73-C986-F100-46487310D11E}"/>
+                <a16:creationId xmlns:a16="http://schemas.microsoft.com/office/drawing/2014/main" xmlns="" id="{354E956D-CB73-C986-F100-46487310D11E}"/>
               </a:ext>
             </a:extLst>
           </p:cNvPr>
@@ -426,7 +776,7 @@
           <a:lstStyle/>
           <a:p>
             <a:r>
-              <a:rPr lang="en-US" dirty="0"/>
+              <a:rPr lang="en-US"/>
               <a:t>Click to edit Master title style</a:t>
             </a:r>
           </a:p>
@@ -437,7 +787,7 @@
           <p:cNvPr id="3" name="Vertical Text Placeholder 2">
             <a:extLst>
               <a:ext uri="{FF2B5EF4-FFF2-40B4-BE49-F238E27FC236}">
-                <a16:creationId xmlns:a16="http://schemas.microsoft.com/office/drawing/2014/main" id="{FE423E6A-A07C-BF0D-EA30-9A8A854E48F1}"/>
+                <a16:creationId xmlns:a16="http://schemas.microsoft.com/office/drawing/2014/main" xmlns="" id="{FE423E6A-A07C-BF0D-EA30-9A8A854E48F1}"/>
               </a:ext>
             </a:extLst>
           </p:cNvPr>
@@ -460,35 +810,35 @@
           <a:p>
             <a:pPr lvl="0"/>
             <a:r>
-              <a:rPr lang="en-US" dirty="0"/>
+              <a:rPr lang="en-US"/>
               <a:t>Click to edit Master text styles</a:t>
             </a:r>
           </a:p>
           <a:p>
             <a:pPr lvl="1"/>
             <a:r>
-              <a:rPr lang="en-US" dirty="0"/>
+              <a:rPr lang="en-US"/>
               <a:t>Second level</a:t>
             </a:r>
           </a:p>
           <a:p>
             <a:pPr lvl="2"/>
             <a:r>
-              <a:rPr lang="en-US" dirty="0"/>
+              <a:rPr lang="en-US"/>
               <a:t>Third level</a:t>
             </a:r>
           </a:p>
           <a:p>
             <a:pPr lvl="3"/>
             <a:r>
-              <a:rPr lang="en-US" dirty="0"/>
+              <a:rPr lang="en-US"/>
               <a:t>Fourth level</a:t>
             </a:r>
           </a:p>
           <a:p>
             <a:pPr lvl="4"/>
             <a:r>
-              <a:rPr lang="en-US" dirty="0"/>
+              <a:rPr lang="en-US"/>
               <a:t>Fifth level</a:t>
             </a:r>
           </a:p>
@@ -499,7 +849,7 @@
           <p:cNvPr id="4" name="Date Placeholder 3">
             <a:extLst>
               <a:ext uri="{FF2B5EF4-FFF2-40B4-BE49-F238E27FC236}">
-                <a16:creationId xmlns:a16="http://schemas.microsoft.com/office/drawing/2014/main" id="{EEDC9908-8F95-8DFC-72CC-158552B56735}"/>
+                <a16:creationId xmlns:a16="http://schemas.microsoft.com/office/drawing/2014/main" xmlns="" id="{EEDC9908-8F95-8DFC-72CC-158552B56735}"/>
               </a:ext>
             </a:extLst>
           </p:cNvPr>
@@ -515,11 +865,11 @@
           <a:bodyPr/>
           <a:lstStyle/>
           <a:p>
-            <a:fld id="{F7E76D0F-5A12-4D0A-80B0-1A6122B61E7B}" type="datetimeFigureOut">
-              <a:rPr lang="en-US" dirty="0"/>
-              <a:t>7/2/2024</a:t>
+            <a:fld id="{3ECE2F58-8543-455E-B9A2-10BB2C72A4A3}" type="datetime1">
+              <a:rPr lang="en-US" smtClean="0"/>
+              <a:t>7/7/2024</a:t>
             </a:fld>
-            <a:endParaRPr lang="en-US" dirty="0"/>
+            <a:endParaRPr lang="en-US"/>
           </a:p>
         </p:txBody>
       </p:sp>
@@ -528,7 +878,7 @@
           <p:cNvPr id="5" name="Footer Placeholder 4">
             <a:extLst>
               <a:ext uri="{FF2B5EF4-FFF2-40B4-BE49-F238E27FC236}">
-                <a16:creationId xmlns:a16="http://schemas.microsoft.com/office/drawing/2014/main" id="{2C26C9BE-9060-50CB-2BB7-07307FF89A7A}"/>
+                <a16:creationId xmlns:a16="http://schemas.microsoft.com/office/drawing/2014/main" xmlns="" id="{2C26C9BE-9060-50CB-2BB7-07307FF89A7A}"/>
               </a:ext>
             </a:extLst>
           </p:cNvPr>
@@ -545,7 +895,7 @@
           <a:lstStyle/>
           <a:p>
             <a:r>
-              <a:rPr lang="en-US" dirty="0"/>
+              <a:rPr lang="en-US"/>
               <a:t>
               </a:t>
             </a:r>
@@ -557,7 +907,7 @@
           <p:cNvPr id="6" name="Slide Number Placeholder 5">
             <a:extLst>
               <a:ext uri="{FF2B5EF4-FFF2-40B4-BE49-F238E27FC236}">
-                <a16:creationId xmlns:a16="http://schemas.microsoft.com/office/drawing/2014/main" id="{A84A835B-97D3-BC22-F0B8-4986D4636271}"/>
+                <a16:creationId xmlns:a16="http://schemas.microsoft.com/office/drawing/2014/main" xmlns="" id="{A84A835B-97D3-BC22-F0B8-4986D4636271}"/>
               </a:ext>
             </a:extLst>
           </p:cNvPr>
@@ -577,7 +927,7 @@
               <a:rPr lang="en-US" dirty="0"/>
               <a:t>‹#›</a:t>
             </a:fld>
-            <a:endParaRPr lang="en-US" dirty="0"/>
+            <a:endParaRPr lang="en-US"/>
           </a:p>
         </p:txBody>
       </p:sp>
@@ -591,7 +941,6 @@
   <p:clrMapOvr>
     <a:masterClrMapping/>
   </p:clrMapOvr>
-  <p:hf sldNum="0" hdr="0" ftr="0"/>
 </p:sldLayout>
 </file>
 
@@ -617,7 +966,7 @@
           <p:cNvPr id="2" name="Vertical Title 1">
             <a:extLst>
               <a:ext uri="{FF2B5EF4-FFF2-40B4-BE49-F238E27FC236}">
-                <a16:creationId xmlns:a16="http://schemas.microsoft.com/office/drawing/2014/main" id="{485B0252-346C-F6F4-3642-19F571550D45}"/>
+                <a16:creationId xmlns:a16="http://schemas.microsoft.com/office/drawing/2014/main" xmlns="" id="{485B0252-346C-F6F4-3642-19F571550D45}"/>
               </a:ext>
             </a:extLst>
           </p:cNvPr>
@@ -639,7 +988,7 @@
           <a:lstStyle/>
           <a:p>
             <a:r>
-              <a:rPr lang="en-US" dirty="0"/>
+              <a:rPr lang="en-US"/>
               <a:t>Click to edit Master title style</a:t>
             </a:r>
           </a:p>
@@ -650,7 +999,7 @@
           <p:cNvPr id="3" name="Vertical Text Placeholder 2">
             <a:extLst>
               <a:ext uri="{FF2B5EF4-FFF2-40B4-BE49-F238E27FC236}">
-                <a16:creationId xmlns:a16="http://schemas.microsoft.com/office/drawing/2014/main" id="{F798DA36-7351-9D6A-518B-678AB8A507D3}"/>
+                <a16:creationId xmlns:a16="http://schemas.microsoft.com/office/drawing/2014/main" xmlns="" id="{F798DA36-7351-9D6A-518B-678AB8A507D3}"/>
               </a:ext>
             </a:extLst>
           </p:cNvPr>
@@ -673,35 +1022,35 @@
           <a:p>
             <a:pPr lvl="0"/>
             <a:r>
-              <a:rPr lang="en-US" dirty="0"/>
+              <a:rPr lang="en-US"/>
               <a:t>Click to edit Master text styles</a:t>
             </a:r>
           </a:p>
           <a:p>
             <a:pPr lvl="1"/>
             <a:r>
-              <a:rPr lang="en-US" dirty="0"/>
+              <a:rPr lang="en-US"/>
               <a:t>Second level</a:t>
             </a:r>
           </a:p>
           <a:p>
             <a:pPr lvl="2"/>
             <a:r>
-              <a:rPr lang="en-US" dirty="0"/>
+              <a:rPr lang="en-US"/>
               <a:t>Third level</a:t>
             </a:r>
           </a:p>
           <a:p>
             <a:pPr lvl="3"/>
             <a:r>
-              <a:rPr lang="en-US" dirty="0"/>
+              <a:rPr lang="en-US"/>
               <a:t>Fourth level</a:t>
             </a:r>
           </a:p>
           <a:p>
             <a:pPr lvl="4"/>
             <a:r>
-              <a:rPr lang="en-US" dirty="0"/>
+              <a:rPr lang="en-US"/>
               <a:t>Fifth level</a:t>
             </a:r>
           </a:p>
@@ -712,7 +1061,7 @@
           <p:cNvPr id="4" name="Date Placeholder 3">
             <a:extLst>
               <a:ext uri="{FF2B5EF4-FFF2-40B4-BE49-F238E27FC236}">
-                <a16:creationId xmlns:a16="http://schemas.microsoft.com/office/drawing/2014/main" id="{8846BDFF-D746-836C-04B8-CA89AD5D1466}"/>
+                <a16:creationId xmlns:a16="http://schemas.microsoft.com/office/drawing/2014/main" xmlns="" id="{8846BDFF-D746-836C-04B8-CA89AD5D1466}"/>
               </a:ext>
             </a:extLst>
           </p:cNvPr>
@@ -728,11 +1077,11 @@
           <a:bodyPr/>
           <a:lstStyle/>
           <a:p>
-            <a:fld id="{8B9E8C84-89CA-44AB-B0BE-5C91BAF75478}" type="datetimeFigureOut">
-              <a:rPr lang="en-US" dirty="0"/>
-              <a:t>7/2/2024</a:t>
+            <a:fld id="{395E0CFC-E924-4DEA-86A7-C35B066F5A44}" type="datetime1">
+              <a:rPr lang="en-US" smtClean="0"/>
+              <a:t>7/7/2024</a:t>
             </a:fld>
-            <a:endParaRPr lang="en-US" dirty="0"/>
+            <a:endParaRPr lang="en-US"/>
           </a:p>
         </p:txBody>
       </p:sp>
@@ -741,7 +1090,7 @@
           <p:cNvPr id="5" name="Footer Placeholder 4">
             <a:extLst>
               <a:ext uri="{FF2B5EF4-FFF2-40B4-BE49-F238E27FC236}">
-                <a16:creationId xmlns:a16="http://schemas.microsoft.com/office/drawing/2014/main" id="{919AA929-A9E6-FF9C-0C59-177F892D6A69}"/>
+                <a16:creationId xmlns:a16="http://schemas.microsoft.com/office/drawing/2014/main" xmlns="" id="{919AA929-A9E6-FF9C-0C59-177F892D6A69}"/>
               </a:ext>
             </a:extLst>
           </p:cNvPr>
@@ -758,7 +1107,7 @@
           <a:lstStyle/>
           <a:p>
             <a:r>
-              <a:rPr lang="en-US" dirty="0"/>
+              <a:rPr lang="en-US"/>
               <a:t>
               </a:t>
             </a:r>
@@ -770,7 +1119,7 @@
           <p:cNvPr id="6" name="Slide Number Placeholder 5">
             <a:extLst>
               <a:ext uri="{FF2B5EF4-FFF2-40B4-BE49-F238E27FC236}">
-                <a16:creationId xmlns:a16="http://schemas.microsoft.com/office/drawing/2014/main" id="{9316D893-7E81-90DC-4139-7687B39C3AC8}"/>
+                <a16:creationId xmlns:a16="http://schemas.microsoft.com/office/drawing/2014/main" xmlns="" id="{9316D893-7E81-90DC-4139-7687B39C3AC8}"/>
               </a:ext>
             </a:extLst>
           </p:cNvPr>
@@ -790,7 +1139,7 @@
               <a:rPr lang="en-US" dirty="0"/>
               <a:t>‹#›</a:t>
             </a:fld>
-            <a:endParaRPr lang="en-US" dirty="0"/>
+            <a:endParaRPr lang="en-US"/>
           </a:p>
         </p:txBody>
       </p:sp>
@@ -804,7 +1153,6 @@
   <p:clrMapOvr>
     <a:masterClrMapping/>
   </p:clrMapOvr>
-  <p:hf sldNum="0" hdr="0" ftr="0"/>
 </p:sldLayout>
 </file>
 
@@ -830,7 +1178,7 @@
           <p:cNvPr id="2" name="Title 1">
             <a:extLst>
               <a:ext uri="{FF2B5EF4-FFF2-40B4-BE49-F238E27FC236}">
-                <a16:creationId xmlns:a16="http://schemas.microsoft.com/office/drawing/2014/main" id="{BC7433D9-FD02-59E2-0F81-A0B7201D2DA0}"/>
+                <a16:creationId xmlns:a16="http://schemas.microsoft.com/office/drawing/2014/main" xmlns="" id="{BC7433D9-FD02-59E2-0F81-A0B7201D2DA0}"/>
               </a:ext>
             </a:extLst>
           </p:cNvPr>
@@ -847,7 +1195,7 @@
           <a:lstStyle/>
           <a:p>
             <a:r>
-              <a:rPr lang="en-US" dirty="0"/>
+              <a:rPr lang="en-US"/>
               <a:t>Click to edit Master title style</a:t>
             </a:r>
           </a:p>
@@ -858,7 +1206,7 @@
           <p:cNvPr id="3" name="Content Placeholder 2">
             <a:extLst>
               <a:ext uri="{FF2B5EF4-FFF2-40B4-BE49-F238E27FC236}">
-                <a16:creationId xmlns:a16="http://schemas.microsoft.com/office/drawing/2014/main" id="{6C2DD052-3E45-E789-01F8-33250024ECBD}"/>
+                <a16:creationId xmlns:a16="http://schemas.microsoft.com/office/drawing/2014/main" xmlns="" id="{6C2DD052-3E45-E789-01F8-33250024ECBD}"/>
               </a:ext>
             </a:extLst>
           </p:cNvPr>
@@ -876,35 +1224,35 @@
           <a:p>
             <a:pPr lvl="0"/>
             <a:r>
-              <a:rPr lang="en-US" dirty="0"/>
+              <a:rPr lang="en-US"/>
               <a:t>Click to edit Master text styles</a:t>
             </a:r>
           </a:p>
           <a:p>
             <a:pPr lvl="1"/>
             <a:r>
-              <a:rPr lang="en-US" dirty="0"/>
+              <a:rPr lang="en-US"/>
               <a:t>Second level</a:t>
             </a:r>
           </a:p>
           <a:p>
             <a:pPr lvl="2"/>
             <a:r>
-              <a:rPr lang="en-US" dirty="0"/>
+              <a:rPr lang="en-US"/>
               <a:t>Third level</a:t>
             </a:r>
           </a:p>
           <a:p>
             <a:pPr lvl="3"/>
             <a:r>
-              <a:rPr lang="en-US" dirty="0"/>
+              <a:rPr lang="en-US"/>
               <a:t>Fourth level</a:t>
             </a:r>
           </a:p>
           <a:p>
             <a:pPr lvl="4"/>
             <a:r>
-              <a:rPr lang="en-US" dirty="0"/>
+              <a:rPr lang="en-US"/>
               <a:t>Fifth level</a:t>
             </a:r>
           </a:p>
@@ -915,7 +1263,7 @@
           <p:cNvPr id="4" name="Date Placeholder 3">
             <a:extLst>
               <a:ext uri="{FF2B5EF4-FFF2-40B4-BE49-F238E27FC236}">
-                <a16:creationId xmlns:a16="http://schemas.microsoft.com/office/drawing/2014/main" id="{0B9485D1-E172-8F0A-A425-3097B3ABCFB4}"/>
+                <a16:creationId xmlns:a16="http://schemas.microsoft.com/office/drawing/2014/main" xmlns="" id="{0B9485D1-E172-8F0A-A425-3097B3ABCFB4}"/>
               </a:ext>
             </a:extLst>
           </p:cNvPr>
@@ -931,11 +1279,11 @@
           <a:bodyPr/>
           <a:lstStyle/>
           <a:p>
-            <a:fld id="{73E7156E-175E-4DBA-9D21-B772C320F342}" type="datetimeFigureOut">
-              <a:rPr lang="en-US" dirty="0"/>
-              <a:t>7/2/2024</a:t>
+            <a:fld id="{25654C85-D26E-40A3-9371-2ECF5AF6941C}" type="datetime1">
+              <a:rPr lang="en-US" smtClean="0"/>
+              <a:t>7/7/2024</a:t>
             </a:fld>
-            <a:endParaRPr lang="en-US" dirty="0"/>
+            <a:endParaRPr lang="en-US"/>
           </a:p>
         </p:txBody>
       </p:sp>
@@ -944,7 +1292,7 @@
           <p:cNvPr id="5" name="Footer Placeholder 4">
             <a:extLst>
               <a:ext uri="{FF2B5EF4-FFF2-40B4-BE49-F238E27FC236}">
-                <a16:creationId xmlns:a16="http://schemas.microsoft.com/office/drawing/2014/main" id="{B17E6B5E-6174-FD5C-41E8-FFC44C650D7E}"/>
+                <a16:creationId xmlns:a16="http://schemas.microsoft.com/office/drawing/2014/main" xmlns="" id="{B17E6B5E-6174-FD5C-41E8-FFC44C650D7E}"/>
               </a:ext>
             </a:extLst>
           </p:cNvPr>
@@ -961,7 +1309,7 @@
           <a:lstStyle/>
           <a:p>
             <a:r>
-              <a:rPr lang="en-US" dirty="0"/>
+              <a:rPr lang="en-US"/>
               <a:t>
               </a:t>
             </a:r>
@@ -973,7 +1321,7 @@
           <p:cNvPr id="6" name="Slide Number Placeholder 5">
             <a:extLst>
               <a:ext uri="{FF2B5EF4-FFF2-40B4-BE49-F238E27FC236}">
-                <a16:creationId xmlns:a16="http://schemas.microsoft.com/office/drawing/2014/main" id="{4BF72154-F85B-E301-DA57-E314D7315916}"/>
+                <a16:creationId xmlns:a16="http://schemas.microsoft.com/office/drawing/2014/main" xmlns="" id="{4BF72154-F85B-E301-DA57-E314D7315916}"/>
               </a:ext>
             </a:extLst>
           </p:cNvPr>
@@ -993,7 +1341,7 @@
               <a:rPr lang="en-US" dirty="0"/>
               <a:t>‹#›</a:t>
             </a:fld>
-            <a:endParaRPr lang="en-US" dirty="0"/>
+            <a:endParaRPr lang="en-US"/>
           </a:p>
         </p:txBody>
       </p:sp>
@@ -1007,7 +1355,6 @@
   <p:clrMapOvr>
     <a:masterClrMapping/>
   </p:clrMapOvr>
-  <p:hf sldNum="0" hdr="0" ftr="0"/>
 </p:sldLayout>
 </file>
 
@@ -1033,7 +1380,7 @@
           <p:cNvPr id="2" name="Title 1">
             <a:extLst>
               <a:ext uri="{FF2B5EF4-FFF2-40B4-BE49-F238E27FC236}">
-                <a16:creationId xmlns:a16="http://schemas.microsoft.com/office/drawing/2014/main" id="{951D06AF-EF87-8489-2C82-DEB90B7EFE0C}"/>
+                <a16:creationId xmlns:a16="http://schemas.microsoft.com/office/drawing/2014/main" xmlns="" id="{951D06AF-EF87-8489-2C82-DEB90B7EFE0C}"/>
               </a:ext>
             </a:extLst>
           </p:cNvPr>
@@ -1061,7 +1408,7 @@
           </a:lstStyle>
           <a:p>
             <a:r>
-              <a:rPr lang="en-US" dirty="0"/>
+              <a:rPr lang="en-US"/>
               <a:t>Click to edit Master title style</a:t>
             </a:r>
           </a:p>
@@ -1072,7 +1419,7 @@
           <p:cNvPr id="3" name="Text Placeholder 2">
             <a:extLst>
               <a:ext uri="{FF2B5EF4-FFF2-40B4-BE49-F238E27FC236}">
-                <a16:creationId xmlns:a16="http://schemas.microsoft.com/office/drawing/2014/main" id="{308E5678-CA38-1318-9EA2-5E0A4F9A59BA}"/>
+                <a16:creationId xmlns:a16="http://schemas.microsoft.com/office/drawing/2014/main" xmlns="" id="{308E5678-CA38-1318-9EA2-5E0A4F9A59BA}"/>
               </a:ext>
             </a:extLst>
           </p:cNvPr>
@@ -1186,7 +1533,7 @@
           <a:p>
             <a:pPr lvl="0"/>
             <a:r>
-              <a:rPr lang="en-US" dirty="0"/>
+              <a:rPr lang="en-US"/>
               <a:t>Click to edit Master text styles</a:t>
             </a:r>
           </a:p>
@@ -1197,7 +1544,7 @@
           <p:cNvPr id="4" name="Date Placeholder 3">
             <a:extLst>
               <a:ext uri="{FF2B5EF4-FFF2-40B4-BE49-F238E27FC236}">
-                <a16:creationId xmlns:a16="http://schemas.microsoft.com/office/drawing/2014/main" id="{44E99186-7E5A-60AF-DE69-5C7DA71611AB}"/>
+                <a16:creationId xmlns:a16="http://schemas.microsoft.com/office/drawing/2014/main" xmlns="" id="{44E99186-7E5A-60AF-DE69-5C7DA71611AB}"/>
               </a:ext>
             </a:extLst>
           </p:cNvPr>
@@ -1213,11 +1560,11 @@
           <a:bodyPr/>
           <a:lstStyle/>
           <a:p>
-            <a:fld id="{04895F6E-3D02-4292-95D1-C62B3126321B}" type="datetimeFigureOut">
-              <a:rPr lang="en-US" dirty="0"/>
-              <a:t>7/2/2024</a:t>
+            <a:fld id="{5B6ADB5E-BF4A-425D-8BCA-2DBDBA932E89}" type="datetime1">
+              <a:rPr lang="en-US" smtClean="0"/>
+              <a:t>7/7/2024</a:t>
             </a:fld>
-            <a:endParaRPr lang="en-US" dirty="0"/>
+            <a:endParaRPr lang="en-US"/>
           </a:p>
         </p:txBody>
       </p:sp>
@@ -1226,7 +1573,7 @@
           <p:cNvPr id="5" name="Footer Placeholder 4">
             <a:extLst>
               <a:ext uri="{FF2B5EF4-FFF2-40B4-BE49-F238E27FC236}">
-                <a16:creationId xmlns:a16="http://schemas.microsoft.com/office/drawing/2014/main" id="{82FA13D1-1FBA-E820-323B-77B41F1A665D}"/>
+                <a16:creationId xmlns:a16="http://schemas.microsoft.com/office/drawing/2014/main" xmlns="" id="{82FA13D1-1FBA-E820-323B-77B41F1A665D}"/>
               </a:ext>
             </a:extLst>
           </p:cNvPr>
@@ -1243,7 +1590,7 @@
           <a:lstStyle/>
           <a:p>
             <a:r>
-              <a:rPr lang="en-US" dirty="0"/>
+              <a:rPr lang="en-US"/>
               <a:t>
               </a:t>
             </a:r>
@@ -1255,7 +1602,7 @@
           <p:cNvPr id="6" name="Slide Number Placeholder 5">
             <a:extLst>
               <a:ext uri="{FF2B5EF4-FFF2-40B4-BE49-F238E27FC236}">
-                <a16:creationId xmlns:a16="http://schemas.microsoft.com/office/drawing/2014/main" id="{FB39BE85-85F6-4636-C651-D87CC969A49E}"/>
+                <a16:creationId xmlns:a16="http://schemas.microsoft.com/office/drawing/2014/main" xmlns="" id="{FB39BE85-85F6-4636-C651-D87CC969A49E}"/>
               </a:ext>
             </a:extLst>
           </p:cNvPr>
@@ -1275,7 +1622,7 @@
               <a:rPr lang="en-US" dirty="0"/>
               <a:t>‹#›</a:t>
             </a:fld>
-            <a:endParaRPr lang="en-US" dirty="0"/>
+            <a:endParaRPr lang="en-US"/>
           </a:p>
         </p:txBody>
       </p:sp>
@@ -1289,7 +1636,6 @@
   <p:clrMapOvr>
     <a:masterClrMapping/>
   </p:clrMapOvr>
-  <p:hf sldNum="0" hdr="0" ftr="0"/>
 </p:sldLayout>
 </file>
 
@@ -1315,7 +1661,7 @@
           <p:cNvPr id="2" name="Title 1">
             <a:extLst>
               <a:ext uri="{FF2B5EF4-FFF2-40B4-BE49-F238E27FC236}">
-                <a16:creationId xmlns:a16="http://schemas.microsoft.com/office/drawing/2014/main" id="{FAF3BB49-A328-F121-7F27-DEB7C3CC2B0F}"/>
+                <a16:creationId xmlns:a16="http://schemas.microsoft.com/office/drawing/2014/main" xmlns="" id="{FAF3BB49-A328-F121-7F27-DEB7C3CC2B0F}"/>
               </a:ext>
             </a:extLst>
           </p:cNvPr>
@@ -1337,7 +1683,7 @@
           <a:lstStyle/>
           <a:p>
             <a:r>
-              <a:rPr lang="en-US" dirty="0"/>
+              <a:rPr lang="en-US"/>
               <a:t>Click to edit Master title style</a:t>
             </a:r>
           </a:p>
@@ -1348,7 +1694,7 @@
           <p:cNvPr id="3" name="Content Placeholder 2">
             <a:extLst>
               <a:ext uri="{FF2B5EF4-FFF2-40B4-BE49-F238E27FC236}">
-                <a16:creationId xmlns:a16="http://schemas.microsoft.com/office/drawing/2014/main" id="{572E861E-DFBA-B4AA-9356-CDE3D3F57C04}"/>
+                <a16:creationId xmlns:a16="http://schemas.microsoft.com/office/drawing/2014/main" xmlns="" id="{572E861E-DFBA-B4AA-9356-CDE3D3F57C04}"/>
               </a:ext>
             </a:extLst>
           </p:cNvPr>
@@ -1371,35 +1717,35 @@
           <a:p>
             <a:pPr lvl="0"/>
             <a:r>
-              <a:rPr lang="en-US" dirty="0"/>
+              <a:rPr lang="en-US"/>
               <a:t>Click to edit Master text styles</a:t>
             </a:r>
           </a:p>
           <a:p>
             <a:pPr lvl="1"/>
             <a:r>
-              <a:rPr lang="en-US" dirty="0"/>
+              <a:rPr lang="en-US"/>
               <a:t>Second level</a:t>
             </a:r>
           </a:p>
           <a:p>
             <a:pPr lvl="2"/>
             <a:r>
-              <a:rPr lang="en-US" dirty="0"/>
+              <a:rPr lang="en-US"/>
               <a:t>Third level</a:t>
             </a:r>
           </a:p>
           <a:p>
             <a:pPr lvl="3"/>
             <a:r>
-              <a:rPr lang="en-US" dirty="0"/>
+              <a:rPr lang="en-US"/>
               <a:t>Fourth level</a:t>
             </a:r>
           </a:p>
           <a:p>
             <a:pPr lvl="4"/>
             <a:r>
-              <a:rPr lang="en-US" dirty="0"/>
+              <a:rPr lang="en-US"/>
               <a:t>Fifth level</a:t>
             </a:r>
           </a:p>
@@ -1410,7 +1756,7 @@
           <p:cNvPr id="4" name="Content Placeholder 3">
             <a:extLst>
               <a:ext uri="{FF2B5EF4-FFF2-40B4-BE49-F238E27FC236}">
-                <a16:creationId xmlns:a16="http://schemas.microsoft.com/office/drawing/2014/main" id="{451D7538-EC5A-3EE7-176F-A58920C50797}"/>
+                <a16:creationId xmlns:a16="http://schemas.microsoft.com/office/drawing/2014/main" xmlns="" id="{451D7538-EC5A-3EE7-176F-A58920C50797}"/>
               </a:ext>
             </a:extLst>
           </p:cNvPr>
@@ -1433,35 +1779,35 @@
           <a:p>
             <a:pPr lvl="0"/>
             <a:r>
-              <a:rPr lang="en-US" dirty="0"/>
+              <a:rPr lang="en-US"/>
               <a:t>Click to edit Master text styles</a:t>
             </a:r>
           </a:p>
           <a:p>
             <a:pPr lvl="1"/>
             <a:r>
-              <a:rPr lang="en-US" dirty="0"/>
+              <a:rPr lang="en-US"/>
               <a:t>Second level</a:t>
             </a:r>
           </a:p>
           <a:p>
             <a:pPr lvl="2"/>
             <a:r>
-              <a:rPr lang="en-US" dirty="0"/>
+              <a:rPr lang="en-US"/>
               <a:t>Third level</a:t>
             </a:r>
           </a:p>
           <a:p>
             <a:pPr lvl="3"/>
             <a:r>
-              <a:rPr lang="en-US" dirty="0"/>
+              <a:rPr lang="en-US"/>
               <a:t>Fourth level</a:t>
             </a:r>
           </a:p>
           <a:p>
             <a:pPr lvl="4"/>
             <a:r>
-              <a:rPr lang="en-US" dirty="0"/>
+              <a:rPr lang="en-US"/>
               <a:t>Fifth level</a:t>
             </a:r>
           </a:p>
@@ -1472,7 +1818,7 @@
           <p:cNvPr id="5" name="Date Placeholder 4">
             <a:extLst>
               <a:ext uri="{FF2B5EF4-FFF2-40B4-BE49-F238E27FC236}">
-                <a16:creationId xmlns:a16="http://schemas.microsoft.com/office/drawing/2014/main" id="{897D0B7E-1A60-DA52-6965-92412B1C2F9F}"/>
+                <a16:creationId xmlns:a16="http://schemas.microsoft.com/office/drawing/2014/main" xmlns="" id="{897D0B7E-1A60-DA52-6965-92412B1C2F9F}"/>
               </a:ext>
             </a:extLst>
           </p:cNvPr>
@@ -1488,11 +1834,11 @@
           <a:bodyPr/>
           <a:lstStyle/>
           <a:p>
-            <a:fld id="{EDCB5ACB-D10C-44A8-9570-124370F4CB38}" type="datetimeFigureOut">
-              <a:rPr lang="en-US" dirty="0"/>
-              <a:t>7/2/2024</a:t>
+            <a:fld id="{A4054266-4798-43BD-A08B-64C2B467C75C}" type="datetime1">
+              <a:rPr lang="en-US" smtClean="0"/>
+              <a:t>7/7/2024</a:t>
             </a:fld>
-            <a:endParaRPr lang="en-US" dirty="0"/>
+            <a:endParaRPr lang="en-US"/>
           </a:p>
         </p:txBody>
       </p:sp>
@@ -1501,7 +1847,7 @@
           <p:cNvPr id="6" name="Footer Placeholder 5">
             <a:extLst>
               <a:ext uri="{FF2B5EF4-FFF2-40B4-BE49-F238E27FC236}">
-                <a16:creationId xmlns:a16="http://schemas.microsoft.com/office/drawing/2014/main" id="{C2BDD5A2-CE3E-3215-6DAA-F75C0D1229DA}"/>
+                <a16:creationId xmlns:a16="http://schemas.microsoft.com/office/drawing/2014/main" xmlns="" id="{C2BDD5A2-CE3E-3215-6DAA-F75C0D1229DA}"/>
               </a:ext>
             </a:extLst>
           </p:cNvPr>
@@ -1518,7 +1864,7 @@
           <a:lstStyle/>
           <a:p>
             <a:r>
-              <a:rPr lang="en-US" dirty="0"/>
+              <a:rPr lang="en-US"/>
               <a:t>
               </a:t>
             </a:r>
@@ -1530,7 +1876,7 @@
           <p:cNvPr id="7" name="Slide Number Placeholder 6">
             <a:extLst>
               <a:ext uri="{FF2B5EF4-FFF2-40B4-BE49-F238E27FC236}">
-                <a16:creationId xmlns:a16="http://schemas.microsoft.com/office/drawing/2014/main" id="{B1B822F1-284A-1786-FAF2-72129E2FE64D}"/>
+                <a16:creationId xmlns:a16="http://schemas.microsoft.com/office/drawing/2014/main" xmlns="" id="{B1B822F1-284A-1786-FAF2-72129E2FE64D}"/>
               </a:ext>
             </a:extLst>
           </p:cNvPr>
@@ -1550,7 +1896,7 @@
               <a:rPr lang="en-US" dirty="0"/>
               <a:t>‹#›</a:t>
             </a:fld>
-            <a:endParaRPr lang="en-US" dirty="0"/>
+            <a:endParaRPr lang="en-US"/>
           </a:p>
         </p:txBody>
       </p:sp>
@@ -1564,7 +1910,6 @@
   <p:clrMapOvr>
     <a:masterClrMapping/>
   </p:clrMapOvr>
-  <p:hf sldNum="0" hdr="0" ftr="0"/>
 </p:sldLayout>
 </file>
 
@@ -1590,7 +1935,7 @@
           <p:cNvPr id="2" name="Title 1">
             <a:extLst>
               <a:ext uri="{FF2B5EF4-FFF2-40B4-BE49-F238E27FC236}">
-                <a16:creationId xmlns:a16="http://schemas.microsoft.com/office/drawing/2014/main" id="{41FEE969-634D-6E32-D227-18E9282C6F9E}"/>
+                <a16:creationId xmlns:a16="http://schemas.microsoft.com/office/drawing/2014/main" xmlns="" id="{41FEE969-634D-6E32-D227-18E9282C6F9E}"/>
               </a:ext>
             </a:extLst>
           </p:cNvPr>
@@ -1612,7 +1957,7 @@
           <a:lstStyle/>
           <a:p>
             <a:r>
-              <a:rPr lang="en-US" dirty="0"/>
+              <a:rPr lang="en-US"/>
               <a:t>Click to edit Master title style</a:t>
             </a:r>
           </a:p>
@@ -1623,7 +1968,7 @@
           <p:cNvPr id="3" name="Text Placeholder 2">
             <a:extLst>
               <a:ext uri="{FF2B5EF4-FFF2-40B4-BE49-F238E27FC236}">
-                <a16:creationId xmlns:a16="http://schemas.microsoft.com/office/drawing/2014/main" id="{61CD26D4-290A-F0ED-7D62-41EDA6FEC2B9}"/>
+                <a16:creationId xmlns:a16="http://schemas.microsoft.com/office/drawing/2014/main" xmlns="" id="{61CD26D4-290A-F0ED-7D62-41EDA6FEC2B9}"/>
               </a:ext>
             </a:extLst>
           </p:cNvPr>
@@ -1688,7 +2033,7 @@
           <a:p>
             <a:pPr lvl="0"/>
             <a:r>
-              <a:rPr lang="en-US" dirty="0"/>
+              <a:rPr lang="en-US"/>
               <a:t>Click to edit Master text styles</a:t>
             </a:r>
           </a:p>
@@ -1699,7 +2044,7 @@
           <p:cNvPr id="4" name="Content Placeholder 3">
             <a:extLst>
               <a:ext uri="{FF2B5EF4-FFF2-40B4-BE49-F238E27FC236}">
-                <a16:creationId xmlns:a16="http://schemas.microsoft.com/office/drawing/2014/main" id="{94DA52B0-7419-A946-4523-6D34BCAD26D1}"/>
+                <a16:creationId xmlns:a16="http://schemas.microsoft.com/office/drawing/2014/main" xmlns="" id="{94DA52B0-7419-A946-4523-6D34BCAD26D1}"/>
               </a:ext>
             </a:extLst>
           </p:cNvPr>
@@ -1722,35 +2067,35 @@
           <a:p>
             <a:pPr lvl="0"/>
             <a:r>
-              <a:rPr lang="en-US" dirty="0"/>
+              <a:rPr lang="en-US"/>
               <a:t>Click to edit Master text styles</a:t>
             </a:r>
           </a:p>
           <a:p>
             <a:pPr lvl="1"/>
             <a:r>
-              <a:rPr lang="en-US" dirty="0"/>
+              <a:rPr lang="en-US"/>
               <a:t>Second level</a:t>
             </a:r>
           </a:p>
           <a:p>
             <a:pPr lvl="2"/>
             <a:r>
-              <a:rPr lang="en-US" dirty="0"/>
+              <a:rPr lang="en-US"/>
               <a:t>Third level</a:t>
             </a:r>
           </a:p>
           <a:p>
             <a:pPr lvl="3"/>
             <a:r>
-              <a:rPr lang="en-US" dirty="0"/>
+              <a:rPr lang="en-US"/>
               <a:t>Fourth level</a:t>
             </a:r>
           </a:p>
           <a:p>
             <a:pPr lvl="4"/>
             <a:r>
-              <a:rPr lang="en-US" dirty="0"/>
+              <a:rPr lang="en-US"/>
               <a:t>Fifth level</a:t>
             </a:r>
           </a:p>
@@ -1761,7 +2106,7 @@
           <p:cNvPr id="5" name="Text Placeholder 4">
             <a:extLst>
               <a:ext uri="{FF2B5EF4-FFF2-40B4-BE49-F238E27FC236}">
-                <a16:creationId xmlns:a16="http://schemas.microsoft.com/office/drawing/2014/main" id="{06536620-C4F3-EEC3-DBF1-05196B1CBB55}"/>
+                <a16:creationId xmlns:a16="http://schemas.microsoft.com/office/drawing/2014/main" xmlns="" id="{06536620-C4F3-EEC3-DBF1-05196B1CBB55}"/>
               </a:ext>
             </a:extLst>
           </p:cNvPr>
@@ -1826,7 +2171,7 @@
           <a:p>
             <a:pPr lvl="0"/>
             <a:r>
-              <a:rPr lang="en-US" dirty="0"/>
+              <a:rPr lang="en-US"/>
               <a:t>Click to edit Master text styles</a:t>
             </a:r>
           </a:p>
@@ -1837,7 +2182,7 @@
           <p:cNvPr id="6" name="Content Placeholder 5">
             <a:extLst>
               <a:ext uri="{FF2B5EF4-FFF2-40B4-BE49-F238E27FC236}">
-                <a16:creationId xmlns:a16="http://schemas.microsoft.com/office/drawing/2014/main" id="{33BAE980-E611-98B5-04E9-DE4584B0E33F}"/>
+                <a16:creationId xmlns:a16="http://schemas.microsoft.com/office/drawing/2014/main" xmlns="" id="{33BAE980-E611-98B5-04E9-DE4584B0E33F}"/>
               </a:ext>
             </a:extLst>
           </p:cNvPr>
@@ -1860,35 +2205,35 @@
           <a:p>
             <a:pPr lvl="0"/>
             <a:r>
-              <a:rPr lang="en-US" dirty="0"/>
+              <a:rPr lang="en-US"/>
               <a:t>Click to edit Master text styles</a:t>
             </a:r>
           </a:p>
           <a:p>
             <a:pPr lvl="1"/>
             <a:r>
-              <a:rPr lang="en-US" dirty="0"/>
+              <a:rPr lang="en-US"/>
               <a:t>Second level</a:t>
             </a:r>
           </a:p>
           <a:p>
             <a:pPr lvl="2"/>
             <a:r>
-              <a:rPr lang="en-US" dirty="0"/>
+              <a:rPr lang="en-US"/>
               <a:t>Third level</a:t>
             </a:r>
           </a:p>
           <a:p>
             <a:pPr lvl="3"/>
             <a:r>
-              <a:rPr lang="en-US" dirty="0"/>
+              <a:rPr lang="en-US"/>
               <a:t>Fourth level</a:t>
             </a:r>
           </a:p>
           <a:p>
             <a:pPr lvl="4"/>
             <a:r>
-              <a:rPr lang="en-US" dirty="0"/>
+              <a:rPr lang="en-US"/>
               <a:t>Fifth level</a:t>
             </a:r>
           </a:p>
@@ -1899,7 +2244,7 @@
           <p:cNvPr id="7" name="Date Placeholder 6">
             <a:extLst>
               <a:ext uri="{FF2B5EF4-FFF2-40B4-BE49-F238E27FC236}">
-                <a16:creationId xmlns:a16="http://schemas.microsoft.com/office/drawing/2014/main" id="{4E3B3581-658A-8487-F9CB-E79F2BFF27E4}"/>
+                <a16:creationId xmlns:a16="http://schemas.microsoft.com/office/drawing/2014/main" xmlns="" id="{4E3B3581-658A-8487-F9CB-E79F2BFF27E4}"/>
               </a:ext>
             </a:extLst>
           </p:cNvPr>
@@ -1915,11 +2260,11 @@
           <a:bodyPr/>
           <a:lstStyle/>
           <a:p>
-            <a:fld id="{AB8D84F4-0E7A-4BDE-98C6-AE68FB974645}" type="datetimeFigureOut">
-              <a:rPr lang="en-US" dirty="0"/>
-              <a:t>7/2/2024</a:t>
+            <a:fld id="{848FA98F-D4C7-461E-9D82-14D2465A603C}" type="datetime1">
+              <a:rPr lang="en-US" smtClean="0"/>
+              <a:t>7/7/2024</a:t>
             </a:fld>
-            <a:endParaRPr lang="en-US" dirty="0"/>
+            <a:endParaRPr lang="en-US"/>
           </a:p>
         </p:txBody>
       </p:sp>
@@ -1928,7 +2273,7 @@
           <p:cNvPr id="8" name="Footer Placeholder 7">
             <a:extLst>
               <a:ext uri="{FF2B5EF4-FFF2-40B4-BE49-F238E27FC236}">
-                <a16:creationId xmlns:a16="http://schemas.microsoft.com/office/drawing/2014/main" id="{949D76D8-9033-26CF-BF4C-AECCC685C177}"/>
+                <a16:creationId xmlns:a16="http://schemas.microsoft.com/office/drawing/2014/main" xmlns="" id="{949D76D8-9033-26CF-BF4C-AECCC685C177}"/>
               </a:ext>
             </a:extLst>
           </p:cNvPr>
@@ -1945,7 +2290,7 @@
           <a:lstStyle/>
           <a:p>
             <a:r>
-              <a:rPr lang="en-US" dirty="0"/>
+              <a:rPr lang="en-US"/>
               <a:t>
               </a:t>
             </a:r>
@@ -1957,7 +2302,7 @@
           <p:cNvPr id="9" name="Slide Number Placeholder 8">
             <a:extLst>
               <a:ext uri="{FF2B5EF4-FFF2-40B4-BE49-F238E27FC236}">
-                <a16:creationId xmlns:a16="http://schemas.microsoft.com/office/drawing/2014/main" id="{E02A06B8-CC1D-542F-D8EB-7625046B91D2}"/>
+                <a16:creationId xmlns:a16="http://schemas.microsoft.com/office/drawing/2014/main" xmlns="" id="{E02A06B8-CC1D-542F-D8EB-7625046B91D2}"/>
               </a:ext>
             </a:extLst>
           </p:cNvPr>
@@ -1977,7 +2322,7 @@
               <a:rPr lang="en-US" dirty="0"/>
               <a:t>‹#›</a:t>
             </a:fld>
-            <a:endParaRPr lang="en-US" dirty="0"/>
+            <a:endParaRPr lang="en-US"/>
           </a:p>
         </p:txBody>
       </p:sp>
@@ -1991,7 +2336,6 @@
   <p:clrMapOvr>
     <a:masterClrMapping/>
   </p:clrMapOvr>
-  <p:hf sldNum="0" hdr="0" ftr="0"/>
 </p:sldLayout>
 </file>
 
@@ -2017,7 +2361,7 @@
           <p:cNvPr id="2" name="Title 1">
             <a:extLst>
               <a:ext uri="{FF2B5EF4-FFF2-40B4-BE49-F238E27FC236}">
-                <a16:creationId xmlns:a16="http://schemas.microsoft.com/office/drawing/2014/main" id="{666A9F42-7FF7-F803-C075-BC4968D35E34}"/>
+                <a16:creationId xmlns:a16="http://schemas.microsoft.com/office/drawing/2014/main" xmlns="" id="{666A9F42-7FF7-F803-C075-BC4968D35E34}"/>
               </a:ext>
             </a:extLst>
           </p:cNvPr>
@@ -2034,7 +2378,7 @@
           <a:lstStyle/>
           <a:p>
             <a:r>
-              <a:rPr lang="en-US" dirty="0"/>
+              <a:rPr lang="en-US"/>
               <a:t>Click to edit Master title style</a:t>
             </a:r>
           </a:p>
@@ -2045,7 +2389,7 @@
           <p:cNvPr id="3" name="Date Placeholder 2">
             <a:extLst>
               <a:ext uri="{FF2B5EF4-FFF2-40B4-BE49-F238E27FC236}">
-                <a16:creationId xmlns:a16="http://schemas.microsoft.com/office/drawing/2014/main" id="{E89E8268-7232-2944-F1BD-399F9419B563}"/>
+                <a16:creationId xmlns:a16="http://schemas.microsoft.com/office/drawing/2014/main" xmlns="" id="{E89E8268-7232-2944-F1BD-399F9419B563}"/>
               </a:ext>
             </a:extLst>
           </p:cNvPr>
@@ -2061,11 +2405,11 @@
           <a:bodyPr/>
           <a:lstStyle/>
           <a:p>
-            <a:fld id="{CBEFF1D8-9801-4C4B-92F3-66C9A863BD74}" type="datetimeFigureOut">
-              <a:rPr lang="en-US" dirty="0"/>
-              <a:t>7/2/2024</a:t>
+            <a:fld id="{C28BC35A-8D45-4BDC-A0C5-AFD9754807A8}" type="datetime1">
+              <a:rPr lang="en-US" smtClean="0"/>
+              <a:t>7/7/2024</a:t>
             </a:fld>
-            <a:endParaRPr lang="en-US" dirty="0"/>
+            <a:endParaRPr lang="en-US"/>
           </a:p>
         </p:txBody>
       </p:sp>
@@ -2074,7 +2418,7 @@
           <p:cNvPr id="4" name="Footer Placeholder 3">
             <a:extLst>
               <a:ext uri="{FF2B5EF4-FFF2-40B4-BE49-F238E27FC236}">
-                <a16:creationId xmlns:a16="http://schemas.microsoft.com/office/drawing/2014/main" id="{6B968DDD-323F-89A1-84E3-DDBA626D9386}"/>
+                <a16:creationId xmlns:a16="http://schemas.microsoft.com/office/drawing/2014/main" xmlns="" id="{6B968DDD-323F-89A1-84E3-DDBA626D9386}"/>
               </a:ext>
             </a:extLst>
           </p:cNvPr>
@@ -2091,7 +2435,7 @@
           <a:lstStyle/>
           <a:p>
             <a:r>
-              <a:rPr lang="en-US" dirty="0"/>
+              <a:rPr lang="en-US"/>
               <a:t>
               </a:t>
             </a:r>
@@ -2103,7 +2447,7 @@
           <p:cNvPr id="5" name="Slide Number Placeholder 4">
             <a:extLst>
               <a:ext uri="{FF2B5EF4-FFF2-40B4-BE49-F238E27FC236}">
-                <a16:creationId xmlns:a16="http://schemas.microsoft.com/office/drawing/2014/main" id="{98FBDC76-671D-1671-DCE2-D5658BD40E29}"/>
+                <a16:creationId xmlns:a16="http://schemas.microsoft.com/office/drawing/2014/main" xmlns="" id="{98FBDC76-671D-1671-DCE2-D5658BD40E29}"/>
               </a:ext>
             </a:extLst>
           </p:cNvPr>
@@ -2123,7 +2467,7 @@
               <a:rPr lang="en-US" dirty="0"/>
               <a:t>‹#›</a:t>
             </a:fld>
-            <a:endParaRPr lang="en-US" dirty="0"/>
+            <a:endParaRPr lang="en-US"/>
           </a:p>
         </p:txBody>
       </p:sp>
@@ -2137,7 +2481,6 @@
   <p:clrMapOvr>
     <a:masterClrMapping/>
   </p:clrMapOvr>
-  <p:hf sldNum="0" hdr="0" ftr="0"/>
 </p:sldLayout>
 </file>
 
@@ -2163,7 +2506,7 @@
           <p:cNvPr id="2" name="Date Placeholder 1">
             <a:extLst>
               <a:ext uri="{FF2B5EF4-FFF2-40B4-BE49-F238E27FC236}">
-                <a16:creationId xmlns:a16="http://schemas.microsoft.com/office/drawing/2014/main" id="{49BC4D82-0182-501C-9231-46767680476E}"/>
+                <a16:creationId xmlns:a16="http://schemas.microsoft.com/office/drawing/2014/main" xmlns="" id="{49BC4D82-0182-501C-9231-46767680476E}"/>
               </a:ext>
             </a:extLst>
           </p:cNvPr>
@@ -2179,11 +2522,11 @@
           <a:bodyPr/>
           <a:lstStyle/>
           <a:p>
-            <a:fld id="{961FE8FD-B23E-4E1A-83EF-0847EBEA0105}" type="datetimeFigureOut">
-              <a:rPr lang="en-US" dirty="0"/>
-              <a:t>7/2/2024</a:t>
+            <a:fld id="{0A635164-A040-476C-B219-0FF6B74232DA}" type="datetime1">
+              <a:rPr lang="en-US" smtClean="0"/>
+              <a:t>7/7/2024</a:t>
             </a:fld>
-            <a:endParaRPr lang="en-US" dirty="0"/>
+            <a:endParaRPr lang="en-US"/>
           </a:p>
         </p:txBody>
       </p:sp>
@@ -2192,7 +2535,7 @@
           <p:cNvPr id="3" name="Footer Placeholder 2">
             <a:extLst>
               <a:ext uri="{FF2B5EF4-FFF2-40B4-BE49-F238E27FC236}">
-                <a16:creationId xmlns:a16="http://schemas.microsoft.com/office/drawing/2014/main" id="{10EAA6C9-A7F3-19F1-D17C-A1D83FAF553F}"/>
+                <a16:creationId xmlns:a16="http://schemas.microsoft.com/office/drawing/2014/main" xmlns="" id="{10EAA6C9-A7F3-19F1-D17C-A1D83FAF553F}"/>
               </a:ext>
             </a:extLst>
           </p:cNvPr>
@@ -2209,7 +2552,7 @@
           <a:lstStyle/>
           <a:p>
             <a:r>
-              <a:rPr lang="en-US" dirty="0"/>
+              <a:rPr lang="en-US"/>
               <a:t>
               </a:t>
             </a:r>
@@ -2221,7 +2564,7 @@
           <p:cNvPr id="4" name="Slide Number Placeholder 3">
             <a:extLst>
               <a:ext uri="{FF2B5EF4-FFF2-40B4-BE49-F238E27FC236}">
-                <a16:creationId xmlns:a16="http://schemas.microsoft.com/office/drawing/2014/main" id="{34EBB816-1B94-116F-92D4-6043AE9E0C6B}"/>
+                <a16:creationId xmlns:a16="http://schemas.microsoft.com/office/drawing/2014/main" xmlns="" id="{34EBB816-1B94-116F-92D4-6043AE9E0C6B}"/>
               </a:ext>
             </a:extLst>
           </p:cNvPr>
@@ -2241,7 +2584,7 @@
               <a:rPr lang="en-US" dirty="0"/>
               <a:t>‹#›</a:t>
             </a:fld>
-            <a:endParaRPr lang="en-US" dirty="0"/>
+            <a:endParaRPr lang="en-US"/>
           </a:p>
         </p:txBody>
       </p:sp>
@@ -2255,7 +2598,6 @@
   <p:clrMapOvr>
     <a:masterClrMapping/>
   </p:clrMapOvr>
-  <p:hf sldNum="0" hdr="0" ftr="0"/>
 </p:sldLayout>
 </file>
 
@@ -2281,7 +2623,7 @@
           <p:cNvPr id="2" name="Title 1">
             <a:extLst>
               <a:ext uri="{FF2B5EF4-FFF2-40B4-BE49-F238E27FC236}">
-                <a16:creationId xmlns:a16="http://schemas.microsoft.com/office/drawing/2014/main" id="{C350C37F-77BE-E128-4248-D001C39E79C6}"/>
+                <a16:creationId xmlns:a16="http://schemas.microsoft.com/office/drawing/2014/main" xmlns="" id="{C350C37F-77BE-E128-4248-D001C39E79C6}"/>
               </a:ext>
             </a:extLst>
           </p:cNvPr>
@@ -2309,7 +2651,7 @@
           </a:lstStyle>
           <a:p>
             <a:r>
-              <a:rPr lang="en-US" dirty="0"/>
+              <a:rPr lang="en-US"/>
               <a:t>Click to edit Master title style</a:t>
             </a:r>
           </a:p>
@@ -2320,7 +2662,7 @@
           <p:cNvPr id="3" name="Content Placeholder 2">
             <a:extLst>
               <a:ext uri="{FF2B5EF4-FFF2-40B4-BE49-F238E27FC236}">
-                <a16:creationId xmlns:a16="http://schemas.microsoft.com/office/drawing/2014/main" id="{2F3B20A8-A604-C977-02C0-083BA8663484}"/>
+                <a16:creationId xmlns:a16="http://schemas.microsoft.com/office/drawing/2014/main" xmlns="" id="{2F3B20A8-A604-C977-02C0-083BA8663484}"/>
               </a:ext>
             </a:extLst>
           </p:cNvPr>
@@ -2373,35 +2715,35 @@
           <a:p>
             <a:pPr lvl="0"/>
             <a:r>
-              <a:rPr lang="en-US" dirty="0"/>
+              <a:rPr lang="en-US"/>
               <a:t>Click to edit Master text styles</a:t>
             </a:r>
           </a:p>
           <a:p>
             <a:pPr lvl="1"/>
             <a:r>
-              <a:rPr lang="en-US" dirty="0"/>
+              <a:rPr lang="en-US"/>
               <a:t>Second level</a:t>
             </a:r>
           </a:p>
           <a:p>
             <a:pPr lvl="2"/>
             <a:r>
-              <a:rPr lang="en-US" dirty="0"/>
+              <a:rPr lang="en-US"/>
               <a:t>Third level</a:t>
             </a:r>
           </a:p>
           <a:p>
             <a:pPr lvl="3"/>
             <a:r>
-              <a:rPr lang="en-US" dirty="0"/>
+              <a:rPr lang="en-US"/>
               <a:t>Fourth level</a:t>
             </a:r>
           </a:p>
           <a:p>
             <a:pPr lvl="4"/>
             <a:r>
-              <a:rPr lang="en-US" dirty="0"/>
+              <a:rPr lang="en-US"/>
               <a:t>Fifth level</a:t>
             </a:r>
           </a:p>
@@ -2412,7 +2754,7 @@
           <p:cNvPr id="4" name="Text Placeholder 3">
             <a:extLst>
               <a:ext uri="{FF2B5EF4-FFF2-40B4-BE49-F238E27FC236}">
-                <a16:creationId xmlns:a16="http://schemas.microsoft.com/office/drawing/2014/main" id="{EC0EEBFB-2026-6A35-33ED-F008376B67A0}"/>
+                <a16:creationId xmlns:a16="http://schemas.microsoft.com/office/drawing/2014/main" xmlns="" id="{EC0EEBFB-2026-6A35-33ED-F008376B67A0}"/>
               </a:ext>
             </a:extLst>
           </p:cNvPr>
@@ -2474,7 +2816,7 @@
           <a:p>
             <a:pPr lvl="0"/>
             <a:r>
-              <a:rPr lang="en-US" dirty="0"/>
+              <a:rPr lang="en-US"/>
               <a:t>Click to edit Master text styles</a:t>
             </a:r>
           </a:p>
@@ -2485,7 +2827,7 @@
           <p:cNvPr id="5" name="Date Placeholder 4">
             <a:extLst>
               <a:ext uri="{FF2B5EF4-FFF2-40B4-BE49-F238E27FC236}">
-                <a16:creationId xmlns:a16="http://schemas.microsoft.com/office/drawing/2014/main" id="{93F05638-7A56-469A-825A-1DFA600254C8}"/>
+                <a16:creationId xmlns:a16="http://schemas.microsoft.com/office/drawing/2014/main" xmlns="" id="{93F05638-7A56-469A-825A-1DFA600254C8}"/>
               </a:ext>
             </a:extLst>
           </p:cNvPr>
@@ -2501,11 +2843,11 @@
           <a:bodyPr/>
           <a:lstStyle/>
           <a:p>
-            <a:fld id="{8DDF891E-A7C2-465C-AD39-8EDCB0F58E3C}" type="datetimeFigureOut">
-              <a:rPr lang="en-US" dirty="0"/>
-              <a:t>7/2/2024</a:t>
+            <a:fld id="{560AF41A-7D28-4D68-8DD4-3F42822CF178}" type="datetime1">
+              <a:rPr lang="en-US" smtClean="0"/>
+              <a:t>7/7/2024</a:t>
             </a:fld>
-            <a:endParaRPr lang="en-US" dirty="0"/>
+            <a:endParaRPr lang="en-US"/>
           </a:p>
         </p:txBody>
       </p:sp>
@@ -2514,7 +2856,7 @@
           <p:cNvPr id="6" name="Footer Placeholder 5">
             <a:extLst>
               <a:ext uri="{FF2B5EF4-FFF2-40B4-BE49-F238E27FC236}">
-                <a16:creationId xmlns:a16="http://schemas.microsoft.com/office/drawing/2014/main" id="{9C85A215-184B-2105-0279-ED02F6445831}"/>
+                <a16:creationId xmlns:a16="http://schemas.microsoft.com/office/drawing/2014/main" xmlns="" id="{9C85A215-184B-2105-0279-ED02F6445831}"/>
               </a:ext>
             </a:extLst>
           </p:cNvPr>
@@ -2531,7 +2873,7 @@
           <a:lstStyle/>
           <a:p>
             <a:r>
-              <a:rPr lang="en-US" dirty="0"/>
+              <a:rPr lang="en-US"/>
               <a:t>
               </a:t>
             </a:r>
@@ -2543,7 +2885,7 @@
           <p:cNvPr id="7" name="Slide Number Placeholder 6">
             <a:extLst>
               <a:ext uri="{FF2B5EF4-FFF2-40B4-BE49-F238E27FC236}">
-                <a16:creationId xmlns:a16="http://schemas.microsoft.com/office/drawing/2014/main" id="{32C7CA46-892B-253A-3A28-7414E17B837B}"/>
+                <a16:creationId xmlns:a16="http://schemas.microsoft.com/office/drawing/2014/main" xmlns="" id="{32C7CA46-892B-253A-3A28-7414E17B837B}"/>
               </a:ext>
             </a:extLst>
           </p:cNvPr>
@@ -2563,7 +2905,7 @@
               <a:rPr lang="en-US" dirty="0"/>
               <a:t>‹#›</a:t>
             </a:fld>
-            <a:endParaRPr lang="en-US" dirty="0"/>
+            <a:endParaRPr lang="en-US"/>
           </a:p>
         </p:txBody>
       </p:sp>
@@ -2577,7 +2919,6 @@
   <p:clrMapOvr>
     <a:masterClrMapping/>
   </p:clrMapOvr>
-  <p:hf sldNum="0" hdr="0" ftr="0"/>
 </p:sldLayout>
 </file>
 
@@ -2603,7 +2944,7 @@
           <p:cNvPr id="2" name="Title 1">
             <a:extLst>
               <a:ext uri="{FF2B5EF4-FFF2-40B4-BE49-F238E27FC236}">
-                <a16:creationId xmlns:a16="http://schemas.microsoft.com/office/drawing/2014/main" id="{EFB06A09-98CF-FAC2-3708-AECC4360C651}"/>
+                <a16:creationId xmlns:a16="http://schemas.microsoft.com/office/drawing/2014/main" xmlns="" id="{EFB06A09-98CF-FAC2-3708-AECC4360C651}"/>
               </a:ext>
             </a:extLst>
           </p:cNvPr>
@@ -2631,7 +2972,7 @@
           </a:lstStyle>
           <a:p>
             <a:r>
-              <a:rPr lang="en-US" dirty="0"/>
+              <a:rPr lang="en-US"/>
               <a:t>Click to edit Master title style</a:t>
             </a:r>
           </a:p>
@@ -2642,7 +2983,7 @@
           <p:cNvPr id="3" name="Picture Placeholder 2">
             <a:extLst>
               <a:ext uri="{FF2B5EF4-FFF2-40B4-BE49-F238E27FC236}">
-                <a16:creationId xmlns:a16="http://schemas.microsoft.com/office/drawing/2014/main" id="{9571C769-CEC8-962A-01E6-15B0E056791E}"/>
+                <a16:creationId xmlns:a16="http://schemas.microsoft.com/office/drawing/2014/main" xmlns="" id="{9571C769-CEC8-962A-01E6-15B0E056791E}"/>
               </a:ext>
             </a:extLst>
           </p:cNvPr>
@@ -2709,7 +3050,7 @@
           <p:cNvPr id="4" name="Text Placeholder 3">
             <a:extLst>
               <a:ext uri="{FF2B5EF4-FFF2-40B4-BE49-F238E27FC236}">
-                <a16:creationId xmlns:a16="http://schemas.microsoft.com/office/drawing/2014/main" id="{F32C4A61-EF2A-C5A5-B150-4448600B3937}"/>
+                <a16:creationId xmlns:a16="http://schemas.microsoft.com/office/drawing/2014/main" xmlns="" id="{F32C4A61-EF2A-C5A5-B150-4448600B3937}"/>
               </a:ext>
             </a:extLst>
           </p:cNvPr>
@@ -2769,7 +3110,7 @@
           <a:p>
             <a:pPr lvl="0"/>
             <a:r>
-              <a:rPr lang="en-US" dirty="0"/>
+              <a:rPr lang="en-US"/>
               <a:t>Click to edit Master text styles</a:t>
             </a:r>
           </a:p>
@@ -2780,7 +3121,7 @@
           <p:cNvPr id="5" name="Date Placeholder 4">
             <a:extLst>
               <a:ext uri="{FF2B5EF4-FFF2-40B4-BE49-F238E27FC236}">
-                <a16:creationId xmlns:a16="http://schemas.microsoft.com/office/drawing/2014/main" id="{920B235E-39C7-4C78-20EF-DB48ECD9CB90}"/>
+                <a16:creationId xmlns:a16="http://schemas.microsoft.com/office/drawing/2014/main" xmlns="" id="{920B235E-39C7-4C78-20EF-DB48ECD9CB90}"/>
               </a:ext>
             </a:extLst>
           </p:cNvPr>
@@ -2796,11 +3137,11 @@
           <a:bodyPr/>
           <a:lstStyle/>
           <a:p>
-            <a:fld id="{F39F93E5-AFB6-485C-8E3C-32F92A07875F}" type="datetimeFigureOut">
-              <a:rPr lang="en-US" dirty="0"/>
-              <a:t>7/2/2024</a:t>
+            <a:fld id="{EE3622C4-EAAD-42E8-9389-38551F8804FF}" type="datetime1">
+              <a:rPr lang="en-US" smtClean="0"/>
+              <a:t>7/7/2024</a:t>
             </a:fld>
-            <a:endParaRPr lang="en-US" dirty="0"/>
+            <a:endParaRPr lang="en-US"/>
           </a:p>
         </p:txBody>
       </p:sp>
@@ -2809,7 +3150,7 @@
           <p:cNvPr id="6" name="Footer Placeholder 5">
             <a:extLst>
               <a:ext uri="{FF2B5EF4-FFF2-40B4-BE49-F238E27FC236}">
-                <a16:creationId xmlns:a16="http://schemas.microsoft.com/office/drawing/2014/main" id="{7FDC75DA-9A78-9AB9-7171-95A08CC51C56}"/>
+                <a16:creationId xmlns:a16="http://schemas.microsoft.com/office/drawing/2014/main" xmlns="" id="{7FDC75DA-9A78-9AB9-7171-95A08CC51C56}"/>
               </a:ext>
             </a:extLst>
           </p:cNvPr>
@@ -2826,7 +3167,7 @@
           <a:lstStyle/>
           <a:p>
             <a:r>
-              <a:rPr lang="en-US" dirty="0"/>
+              <a:rPr lang="en-US"/>
               <a:t>
               </a:t>
             </a:r>
@@ -2838,7 +3179,7 @@
           <p:cNvPr id="7" name="Slide Number Placeholder 6">
             <a:extLst>
               <a:ext uri="{FF2B5EF4-FFF2-40B4-BE49-F238E27FC236}">
-                <a16:creationId xmlns:a16="http://schemas.microsoft.com/office/drawing/2014/main" id="{5EFE1A03-DCCB-53C7-DBFE-2AD55C90591B}"/>
+                <a16:creationId xmlns:a16="http://schemas.microsoft.com/office/drawing/2014/main" xmlns="" id="{5EFE1A03-DCCB-53C7-DBFE-2AD55C90591B}"/>
               </a:ext>
             </a:extLst>
           </p:cNvPr>
@@ -2858,7 +3199,7 @@
               <a:rPr lang="en-US" dirty="0"/>
               <a:t>‹#›</a:t>
             </a:fld>
-            <a:endParaRPr lang="en-US" dirty="0"/>
+            <a:endParaRPr lang="en-US"/>
           </a:p>
         </p:txBody>
       </p:sp>
@@ -2872,7 +3213,6 @@
   <p:clrMapOvr>
     <a:masterClrMapping/>
   </p:clrMapOvr>
-  <p:hf sldNum="0" hdr="0" ftr="0"/>
 </p:sldLayout>
 </file>
 
@@ -2903,7 +3243,7 @@
           <p:cNvPr id="2" name="Title Placeholder 1">
             <a:extLst>
               <a:ext uri="{FF2B5EF4-FFF2-40B4-BE49-F238E27FC236}">
-                <a16:creationId xmlns:a16="http://schemas.microsoft.com/office/drawing/2014/main" id="{475BFB69-9245-EC58-F1DE-FEB625BD336A}"/>
+                <a16:creationId xmlns:a16="http://schemas.microsoft.com/office/drawing/2014/main" xmlns="" id="{475BFB69-9245-EC58-F1DE-FEB625BD336A}"/>
               </a:ext>
             </a:extLst>
           </p:cNvPr>
@@ -2930,7 +3270,7 @@
           <a:lstStyle/>
           <a:p>
             <a:r>
-              <a:rPr lang="en-US" dirty="0"/>
+              <a:rPr lang="en-US"/>
               <a:t>Click to edit Master title style</a:t>
             </a:r>
           </a:p>
@@ -2941,7 +3281,7 @@
           <p:cNvPr id="3" name="Text Placeholder 2">
             <a:extLst>
               <a:ext uri="{FF2B5EF4-FFF2-40B4-BE49-F238E27FC236}">
-                <a16:creationId xmlns:a16="http://schemas.microsoft.com/office/drawing/2014/main" id="{5516AFD5-5144-C460-0CA4-644BC4A93C02}"/>
+                <a16:creationId xmlns:a16="http://schemas.microsoft.com/office/drawing/2014/main" xmlns="" id="{5516AFD5-5144-C460-0CA4-644BC4A93C02}"/>
               </a:ext>
             </a:extLst>
           </p:cNvPr>
@@ -2969,35 +3309,35 @@
           <a:p>
             <a:pPr lvl="0"/>
             <a:r>
-              <a:rPr lang="en-US" dirty="0"/>
+              <a:rPr lang="en-US"/>
               <a:t>Click to edit Master text styles</a:t>
             </a:r>
           </a:p>
           <a:p>
             <a:pPr lvl="1"/>
             <a:r>
-              <a:rPr lang="en-US" dirty="0"/>
+              <a:rPr lang="en-US"/>
               <a:t>Second level</a:t>
             </a:r>
           </a:p>
           <a:p>
             <a:pPr lvl="2"/>
             <a:r>
-              <a:rPr lang="en-US" dirty="0"/>
+              <a:rPr lang="en-US"/>
               <a:t>Third level</a:t>
             </a:r>
           </a:p>
           <a:p>
             <a:pPr lvl="3"/>
             <a:r>
-              <a:rPr lang="en-US" dirty="0"/>
+              <a:rPr lang="en-US"/>
               <a:t>Fourth level</a:t>
             </a:r>
           </a:p>
           <a:p>
             <a:pPr lvl="4"/>
             <a:r>
-              <a:rPr lang="en-US" dirty="0"/>
+              <a:rPr lang="en-US"/>
               <a:t>Fifth level</a:t>
             </a:r>
           </a:p>
@@ -3008,7 +3348,7 @@
           <p:cNvPr id="4" name="Date Placeholder 3">
             <a:extLst>
               <a:ext uri="{FF2B5EF4-FFF2-40B4-BE49-F238E27FC236}">
-                <a16:creationId xmlns:a16="http://schemas.microsoft.com/office/drawing/2014/main" id="{3995753E-AF8A-7E04-8A1A-205B755A0215}"/>
+                <a16:creationId xmlns:a16="http://schemas.microsoft.com/office/drawing/2014/main" xmlns="" id="{3995753E-AF8A-7E04-8A1A-205B755A0215}"/>
               </a:ext>
             </a:extLst>
           </p:cNvPr>
@@ -3040,11 +3380,11 @@
             </a:lvl1pPr>
           </a:lstStyle>
           <a:p>
-            <a:fld id="{3A332BE1-279E-4118-9FE3-7952B079A510}" type="datetimeFigureOut">
-              <a:rPr lang="en-US" dirty="0"/>
-              <a:t>7/2/2024</a:t>
+            <a:fld id="{00440076-C0AD-4CF2-9385-6A90D1E58260}" type="datetime1">
+              <a:rPr lang="en-US" smtClean="0"/>
+              <a:t>7/7/2024</a:t>
             </a:fld>
-            <a:endParaRPr lang="en-US" dirty="0"/>
+            <a:endParaRPr lang="en-US"/>
           </a:p>
         </p:txBody>
       </p:sp>
@@ -3053,7 +3393,7 @@
           <p:cNvPr id="5" name="Footer Placeholder 4">
             <a:extLst>
               <a:ext uri="{FF2B5EF4-FFF2-40B4-BE49-F238E27FC236}">
-                <a16:creationId xmlns:a16="http://schemas.microsoft.com/office/drawing/2014/main" id="{D4E1B7C8-DA74-800B-EE14-A39E9DB32DE4}"/>
+                <a16:creationId xmlns:a16="http://schemas.microsoft.com/office/drawing/2014/main" xmlns="" id="{D4E1B7C8-DA74-800B-EE14-A39E9DB32DE4}"/>
               </a:ext>
             </a:extLst>
           </p:cNvPr>
@@ -3086,7 +3426,7 @@
           </a:lstStyle>
           <a:p>
             <a:r>
-              <a:rPr lang="en-US" dirty="0"/>
+              <a:rPr lang="en-US"/>
               <a:t>
               </a:t>
             </a:r>
@@ -3098,7 +3438,7 @@
           <p:cNvPr id="6" name="Slide Number Placeholder 5">
             <a:extLst>
               <a:ext uri="{FF2B5EF4-FFF2-40B4-BE49-F238E27FC236}">
-                <a16:creationId xmlns:a16="http://schemas.microsoft.com/office/drawing/2014/main" id="{7AC1647D-0DF0-CA1B-F723-EF7B8F508DB7}"/>
+                <a16:creationId xmlns:a16="http://schemas.microsoft.com/office/drawing/2014/main" xmlns="" id="{7AC1647D-0DF0-CA1B-F723-EF7B8F508DB7}"/>
               </a:ext>
             </a:extLst>
           </p:cNvPr>
@@ -3134,7 +3474,7 @@
               <a:rPr lang="en-US" dirty="0"/>
               <a:t>‹#›</a:t>
             </a:fld>
-            <a:endParaRPr lang="en-US" dirty="0"/>
+            <a:endParaRPr lang="en-US"/>
           </a:p>
         </p:txBody>
       </p:sp>
@@ -3159,7 +3499,7 @@
     <p:sldLayoutId id="2147484466" r:id="rId10"/>
     <p:sldLayoutId id="2147484467" r:id="rId11"/>
   </p:sldLayoutIdLst>
-  <p:hf sldNum="0" hdr="0" ftr="0"/>
+  <p:hf sldNum="0" hdr="0" ftr="0" dt="0"/>
   <p:txStyles>
     <p:titleStyle>
       <a:lvl1pPr algn="l" defTabSz="914400" rtl="0" eaLnBrk="1" latinLnBrk="0" hangingPunct="1">
@@ -3440,9 +3780,9 @@
       </a:lvl9pPr>
     </p:otherStyle>
   </p:txStyles>
-  <p:extLst>
+  <p:extLst mod="1">
     <p:ext uri="{27BBF7A9-308A-43DC-89C8-2F10F3537804}">
-      <p15:sldGuideLst xmlns:p15="http://schemas.microsoft.com/office/powerpoint/2012/main">
+      <p15:sldGuideLst xmlns:p15="http://schemas.microsoft.com/office/powerpoint/2012/main" xmlns="">
         <p15:guide id="5" orient="horz" pos="2160">
           <p15:clr>
             <a:srgbClr val="F26B43"/>
@@ -3489,10 +3829,10 @@
           <p:cNvPr id="76" name="Rectangle 75">
             <a:extLst>
               <a:ext uri="{FF2B5EF4-FFF2-40B4-BE49-F238E27FC236}">
-                <a16:creationId xmlns:a16="http://schemas.microsoft.com/office/drawing/2014/main" id="{04812C46-200A-4DEB-A05E-3ED6C68C2387}"/>
+                <a16:creationId xmlns:a16="http://schemas.microsoft.com/office/drawing/2014/main" xmlns="" id="{04812C46-200A-4DEB-A05E-3ED6C68C2387}"/>
               </a:ext>
               <a:ext uri="{C183D7F6-B498-43B3-948B-1728B52AA6E4}">
-                <adec:decorative xmlns:adec="http://schemas.microsoft.com/office/drawing/2017/decorative" val="1"/>
+                <adec:decorative xmlns:adec="http://schemas.microsoft.com/office/drawing/2017/decorative" xmlns="" val="1"/>
               </a:ext>
             </a:extLst>
           </p:cNvPr>
@@ -3502,7 +3842,7 @@
           <p:nvPr>
             <p:extLst>
               <p:ext uri="{386F3935-93C4-4BCD-93E2-E3B085C9AB24}">
-                <p16:designElem xmlns:p16="http://schemas.microsoft.com/office/powerpoint/2015/main" val="1"/>
+                <p16:designElem xmlns:p16="http://schemas.microsoft.com/office/powerpoint/2015/main" xmlns="" val="1"/>
               </p:ext>
             </p:extLst>
           </p:nvPr>
@@ -3549,7 +3889,7 @@
           <p:cNvPr id="7" name="Content Placeholder 6" descr="A close up of cars on a road&#10;&#10;Description automatically generated">
             <a:extLst>
               <a:ext uri="{FF2B5EF4-FFF2-40B4-BE49-F238E27FC236}">
-                <a16:creationId xmlns:a16="http://schemas.microsoft.com/office/drawing/2014/main" id="{B4321DD5-79CF-F405-7E1B-BBDCCCC7BA89}"/>
+                <a16:creationId xmlns:a16="http://schemas.microsoft.com/office/drawing/2014/main" xmlns="" id="{B4321DD5-79CF-F405-7E1B-BBDCCCC7BA89}"/>
               </a:ext>
             </a:extLst>
           </p:cNvPr>
@@ -3578,10 +3918,10 @@
           <p:cNvPr id="78" name="Rectangle 77">
             <a:extLst>
               <a:ext uri="{FF2B5EF4-FFF2-40B4-BE49-F238E27FC236}">
-                <a16:creationId xmlns:a16="http://schemas.microsoft.com/office/drawing/2014/main" id="{D1EA859B-E555-4109-94F3-6700E046E008}"/>
+                <a16:creationId xmlns:a16="http://schemas.microsoft.com/office/drawing/2014/main" xmlns="" id="{D1EA859B-E555-4109-94F3-6700E046E008}"/>
               </a:ext>
               <a:ext uri="{C183D7F6-B498-43B3-948B-1728B52AA6E4}">
-                <adec:decorative xmlns:adec="http://schemas.microsoft.com/office/drawing/2017/decorative" val="1"/>
+                <adec:decorative xmlns:adec="http://schemas.microsoft.com/office/drawing/2017/decorative" xmlns="" val="1"/>
               </a:ext>
             </a:extLst>
           </p:cNvPr>
@@ -3591,7 +3931,7 @@
           <p:nvPr>
             <p:extLst>
               <p:ext uri="{386F3935-93C4-4BCD-93E2-E3B085C9AB24}">
-                <p16:designElem xmlns:p16="http://schemas.microsoft.com/office/powerpoint/2015/main" val="1"/>
+                <p16:designElem xmlns:p16="http://schemas.microsoft.com/office/powerpoint/2015/main" xmlns="" val="1"/>
               </p:ext>
             </p:extLst>
           </p:nvPr>
@@ -3655,7 +3995,7 @@
           <a:lstStyle/>
           <a:p>
             <a:pPr algn="ctr"/>
-            <a:endParaRPr lang="en-US" dirty="0"/>
+            <a:endParaRPr lang="en-US"/>
           </a:p>
         </p:txBody>
       </p:sp>
@@ -3664,7 +4004,7 @@
           <p:cNvPr id="8" name="TextBox 7">
             <a:extLst>
               <a:ext uri="{FF2B5EF4-FFF2-40B4-BE49-F238E27FC236}">
-                <a16:creationId xmlns:a16="http://schemas.microsoft.com/office/drawing/2014/main" id="{AC02D227-026A-1E12-B6BC-DC8D3970A226}"/>
+                <a16:creationId xmlns:a16="http://schemas.microsoft.com/office/drawing/2014/main" xmlns="" id="{AC02D227-026A-1E12-B6BC-DC8D3970A226}"/>
               </a:ext>
             </a:extLst>
           </p:cNvPr>
@@ -3701,7 +4041,7 @@
               </a:spcAft>
             </a:pPr>
             <a:r>
-              <a:rPr lang="en-US" sz="3200" b="1" dirty="0">
+              <a:rPr lang="en-US" sz="3200" b="1">
                 <a:latin typeface="+mj-lt"/>
                 <a:ea typeface="+mj-ea"/>
                 <a:cs typeface="+mj-cs"/>
@@ -3717,7 +4057,7 @@
               <a:t>szabályozással</a:t>
             </a:r>
             <a:r>
-              <a:rPr lang="en-US" sz="3200" b="1" dirty="0">
+              <a:rPr lang="en-US" sz="3200" b="1">
                 <a:latin typeface="+mj-lt"/>
                 <a:ea typeface="+mj-ea"/>
                 <a:cs typeface="+mj-cs"/>
@@ -3733,7 +4073,7 @@
               <a:t>megvalósított</a:t>
             </a:r>
             <a:r>
-              <a:rPr lang="en-US" sz="3200" b="1" dirty="0">
+              <a:rPr lang="en-US" sz="3200" b="1">
                 <a:latin typeface="+mj-lt"/>
                 <a:ea typeface="+mj-ea"/>
                 <a:cs typeface="+mj-cs"/>
@@ -3749,7 +4089,7 @@
               <a:t>városi</a:t>
             </a:r>
             <a:r>
-              <a:rPr lang="en-US" sz="3200" b="1" dirty="0">
+              <a:rPr lang="en-US" sz="3200" b="1">
                 <a:latin typeface="+mj-lt"/>
                 <a:ea typeface="+mj-ea"/>
                 <a:cs typeface="+mj-cs"/>
@@ -3765,7 +4105,7 @@
               <a:t>forgalomirányító</a:t>
             </a:r>
             <a:r>
-              <a:rPr lang="en-US" sz="3200" b="1" dirty="0">
+              <a:rPr lang="en-US" sz="3200" b="1">
                 <a:latin typeface="+mj-lt"/>
                 <a:ea typeface="+mj-ea"/>
                 <a:cs typeface="+mj-cs"/>
@@ -3793,7 +4133,7 @@
           <p:cNvPr id="28" name="Content Placeholder 27">
             <a:extLst>
               <a:ext uri="{FF2B5EF4-FFF2-40B4-BE49-F238E27FC236}">
-                <a16:creationId xmlns:a16="http://schemas.microsoft.com/office/drawing/2014/main" id="{AB28B31E-94B5-1547-FB86-FD9195609C8D}"/>
+                <a16:creationId xmlns:a16="http://schemas.microsoft.com/office/drawing/2014/main" xmlns="" id="{AB28B31E-94B5-1547-FB86-FD9195609C8D}"/>
               </a:ext>
             </a:extLst>
           </p:cNvPr>
@@ -3827,7 +4167,7 @@
               <a:t>Név</a:t>
             </a:r>
             <a:r>
-              <a:rPr lang="en-US" sz="2400" dirty="0">
+              <a:rPr lang="en-US" sz="2400">
                 <a:latin typeface="Calibri"/>
                 <a:cs typeface="Calibri"/>
               </a:rPr>
@@ -3847,7 +4187,7 @@
               <a:t>Szak</a:t>
             </a:r>
             <a:r>
-              <a:rPr lang="en-US" sz="2400" dirty="0">
+              <a:rPr lang="en-US" sz="2400">
                 <a:latin typeface="Calibri"/>
                 <a:cs typeface="Calibri"/>
               </a:rPr>
@@ -3861,7 +4201,7 @@
               <a:t>és</a:t>
             </a:r>
             <a:r>
-              <a:rPr lang="en-US" sz="2400" dirty="0">
+              <a:rPr lang="en-US" sz="2400">
                 <a:latin typeface="Calibri"/>
                 <a:cs typeface="Calibri"/>
               </a:rPr>
@@ -3875,7 +4215,7 @@
               <a:t>alkalmazott</a:t>
             </a:r>
             <a:r>
-              <a:rPr lang="en-US" sz="2400" dirty="0">
+              <a:rPr lang="en-US" sz="2400">
                 <a:latin typeface="Calibri"/>
                 <a:cs typeface="Calibri"/>
               </a:rPr>
@@ -3902,7 +4242,7 @@
               <a:t>Vezető</a:t>
             </a:r>
             <a:r>
-              <a:rPr lang="en-US" sz="2400" dirty="0">
+              <a:rPr lang="en-US" sz="2400">
                 <a:latin typeface="Calibri"/>
                 <a:cs typeface="Calibri"/>
               </a:rPr>
@@ -3916,7 +4256,7 @@
               <a:t>tanárok</a:t>
             </a:r>
             <a:r>
-              <a:rPr lang="en-US" sz="2400" dirty="0">
+              <a:rPr lang="en-US" sz="2400">
                 <a:latin typeface="Calibri"/>
                 <a:cs typeface="Calibri"/>
               </a:rPr>
@@ -3935,13 +4275,13 @@
               <a:t>Év</a:t>
             </a:r>
             <a:r>
-              <a:rPr lang="en-US" sz="2400" dirty="0">
+              <a:rPr lang="en-US" sz="2400">
                 <a:latin typeface="Calibri"/>
                 <a:cs typeface="Calibri"/>
               </a:rPr>
               <a:t>: 2024 </a:t>
             </a:r>
-            <a:endParaRPr lang="en-US" sz="2400" dirty="0"/>
+            <a:endParaRPr lang="en-US" sz="2400"/>
           </a:p>
           <a:p>
             <a:pPr>
@@ -3949,64 +4289,7 @@
                 <a:spcPct val="90000"/>
               </a:lnSpc>
             </a:pPr>
-            <a:endParaRPr lang="en-US" dirty="0"/>
-          </a:p>
-        </p:txBody>
-      </p:sp>
-      <p:sp>
-        <p:nvSpPr>
-          <p:cNvPr id="4" name="Date Placeholder 3">
-            <a:extLst>
-              <a:ext uri="{FF2B5EF4-FFF2-40B4-BE49-F238E27FC236}">
-                <a16:creationId xmlns:a16="http://schemas.microsoft.com/office/drawing/2014/main" id="{0D1399FD-374F-F247-8B72-2B5CB6EA868C}"/>
-              </a:ext>
-            </a:extLst>
-          </p:cNvPr>
-          <p:cNvSpPr>
-            <a:spLocks noGrp="1"/>
-          </p:cNvSpPr>
-          <p:nvPr>
-            <p:ph type="dt" sz="half" idx="10"/>
-          </p:nvPr>
-        </p:nvSpPr>
-        <p:spPr/>
-        <p:txBody>
-          <a:bodyPr vert="horz" lIns="91440" tIns="45720" rIns="91440" bIns="45720" rtlCol="0" anchor="ctr">
-            <a:normAutofit/>
-          </a:bodyPr>
-          <a:lstStyle/>
-          <a:p>
-            <a:pPr>
-              <a:spcAft>
-                <a:spcPts val="600"/>
-              </a:spcAft>
-              <a:defRPr/>
-            </a:pPr>
-            <a:fld id="{49BF7F4A-89B1-4298-A0AA-D4338ABD8457}" type="datetime1">
-              <a:rPr lang="en-US" sz="1200">
-                <a:solidFill>
-                  <a:prstClr val="black">
-                    <a:tint val="75000"/>
-                  </a:prstClr>
-                </a:solidFill>
-                <a:latin typeface="Calibri" panose="020F0502020204030204"/>
-              </a:rPr>
-              <a:pPr>
-                <a:spcAft>
-                  <a:spcPts val="600"/>
-                </a:spcAft>
-                <a:defRPr/>
-              </a:pPr>
-              <a:t>7/2/2024</a:t>
-            </a:fld>
-            <a:endParaRPr lang="en-US" sz="1200">
-              <a:solidFill>
-                <a:prstClr val="black">
-                  <a:tint val="75000"/>
-                </a:prstClr>
-              </a:solidFill>
-              <a:latin typeface="Calibri" panose="020F0502020204030204"/>
-            </a:endParaRPr>
+            <a:endParaRPr lang="en-US"/>
           </a:p>
         </p:txBody>
       </p:sp>
@@ -4020,18 +4303,9 @@
   <p:clrMapOvr>
     <a:masterClrMapping/>
   </p:clrMapOvr>
-  <mc:AlternateContent xmlns:mc="http://schemas.openxmlformats.org/markup-compatibility/2006" xmlns:p15="http://schemas.microsoft.com/office/powerpoint/2012/main">
-    <mc:Choice Requires="p15">
-      <p:transition xmlns:p14="http://schemas.microsoft.com/office/powerpoint/2010/main" spd="slow" p14:dur="6000">
-        <p15:prstTrans prst="curtains"/>
-      </p:transition>
-    </mc:Choice>
-    <mc:Fallback xmlns="">
-      <p:transition spd="slow">
-        <p:fade/>
-      </p:transition>
-    </mc:Fallback>
-  </mc:AlternateContent>
+  <p:transition spd="slow">
+    <p:fade/>
+  </p:transition>
 </p:sld>
 </file>
 
@@ -4057,7 +4331,7 @@
           <p:cNvPr id="2" name="Title 1">
             <a:extLst>
               <a:ext uri="{FF2B5EF4-FFF2-40B4-BE49-F238E27FC236}">
-                <a16:creationId xmlns:a16="http://schemas.microsoft.com/office/drawing/2014/main" id="{72EF7060-8704-A55D-BF9E-3F224E5F7551}"/>
+                <a16:creationId xmlns:a16="http://schemas.microsoft.com/office/drawing/2014/main" xmlns="" id="{9BA11BB9-36CE-1187-B8FE-0C5D908AA1CF}"/>
               </a:ext>
             </a:extLst>
           </p:cNvPr>
@@ -4070,8 +4344,8 @@
         </p:nvSpPr>
         <p:spPr>
           <a:xfrm>
-            <a:off x="1432157" y="491131"/>
-            <a:ext cx="9316484" cy="744069"/>
+            <a:off x="382611" y="778678"/>
+            <a:ext cx="6397878" cy="959729"/>
           </a:xfrm>
         </p:spPr>
         <p:txBody>
@@ -4081,104 +4355,34 @@
           <a:lstStyle/>
           <a:p>
             <a:r>
-              <a:rPr lang="en-US" sz="4400" baseline="0" err="1">
-                <a:latin typeface="Neue Haas Grotesk Text Pro"/>
-                <a:ea typeface="Arial"/>
-                <a:cs typeface="Arial"/>
-              </a:rPr>
-              <a:t>Szomszédos</a:t>
-            </a:r>
-            <a:r>
-              <a:rPr lang="en-US" sz="4400" baseline="0" dirty="0">
-                <a:latin typeface="Neue Haas Grotesk Text Pro"/>
-                <a:ea typeface="Arial"/>
-                <a:cs typeface="Arial"/>
-              </a:rPr>
+              <a:rPr lang="en-US" sz="4400" err="1"/>
+              <a:t>Szimulációs</a:t>
+            </a:r>
+            <a:r>
+              <a:rPr lang="en-US" sz="4400"/>
               <a:t> </a:t>
             </a:r>
             <a:r>
-              <a:rPr lang="en-US" sz="4400" baseline="0" err="1">
-                <a:latin typeface="Neue Haas Grotesk Text Pro"/>
-                <a:ea typeface="Arial"/>
-                <a:cs typeface="Arial"/>
-              </a:rPr>
-              <a:t>kereszteződésben</a:t>
-            </a:r>
-            <a:r>
-              <a:rPr lang="en-US" sz="4400" baseline="0" dirty="0">
-                <a:latin typeface="Neue Haas Grotesk Text Pro"/>
-                <a:ea typeface="Arial"/>
-                <a:cs typeface="Arial"/>
-              </a:rPr>
-              <a:t> </a:t>
-            </a:r>
-            <a:r>
-              <a:rPr lang="en-US" sz="4400" baseline="0" err="1">
-                <a:latin typeface="Neue Haas Grotesk Text Pro"/>
-                <a:ea typeface="Arial"/>
-                <a:cs typeface="Arial"/>
-              </a:rPr>
-              <a:t>lévő</a:t>
-            </a:r>
-            <a:r>
-              <a:rPr lang="en-US" sz="4400" baseline="0" dirty="0">
-                <a:latin typeface="Neue Haas Grotesk Text Pro"/>
-                <a:ea typeface="Arial"/>
-                <a:cs typeface="Arial"/>
-              </a:rPr>
-              <a:t> </a:t>
-            </a:r>
-            <a:r>
-              <a:rPr lang="en-US" sz="4400" baseline="0" err="1">
-                <a:latin typeface="Neue Haas Grotesk Text Pro"/>
-                <a:ea typeface="Arial"/>
-                <a:cs typeface="Arial"/>
-              </a:rPr>
-              <a:t>jelzőlámpák</a:t>
-            </a:r>
-            <a:r>
-              <a:rPr lang="en-US" sz="4400" baseline="0" dirty="0">
-                <a:latin typeface="Neue Haas Grotesk Text Pro"/>
-                <a:ea typeface="Arial"/>
-                <a:cs typeface="Arial"/>
-              </a:rPr>
-              <a:t> </a:t>
-            </a:r>
-            <a:r>
-              <a:rPr lang="en-US" sz="4400" baseline="0" err="1">
-                <a:latin typeface="Neue Haas Grotesk Text Pro"/>
-                <a:ea typeface="Arial"/>
-                <a:cs typeface="Arial"/>
-              </a:rPr>
-              <a:t>összehangolása</a:t>
-            </a:r>
-            <a:r>
-              <a:rPr lang="en-US" sz="4400" dirty="0">
-                <a:latin typeface="Neue Haas Grotesk Text Pro"/>
-                <a:ea typeface="Arial"/>
-                <a:cs typeface="Arial"/>
-              </a:rPr>
-              <a:t>​</a:t>
-            </a:r>
-            <a:endParaRPr lang="en-US" sz="4400" dirty="0"/>
+              <a:rPr lang="en-US" sz="4400" err="1"/>
+              <a:t>környezet</a:t>
+            </a:r>
+            <a:endParaRPr lang="en-US" sz="4400"/>
           </a:p>
         </p:txBody>
       </p:sp>
       <p:pic>
         <p:nvPicPr>
-          <p:cNvPr id="6" name="Content Placeholder 5" descr="A diagram of a traffic intersection&#10;&#10;Description automatically generated">
-            <a:extLst>
-              <a:ext uri="{FF2B5EF4-FFF2-40B4-BE49-F238E27FC236}">
-                <a16:creationId xmlns:a16="http://schemas.microsoft.com/office/drawing/2014/main" id="{93323A2E-3AD9-AD95-9594-630D77C76C41}"/>
+          <p:cNvPr id="7" name="Picture 6" descr="A video game of cars on a road&#10;&#10;Description automatically generated">
+            <a:extLst>
+              <a:ext uri="{FF2B5EF4-FFF2-40B4-BE49-F238E27FC236}">
+                <a16:creationId xmlns:a16="http://schemas.microsoft.com/office/drawing/2014/main" xmlns="" id="{0943F09B-3EA1-451C-3320-515BB4E7B4C1}"/>
               </a:ext>
             </a:extLst>
           </p:cNvPr>
           <p:cNvPicPr>
-            <a:picLocks noGrp="1" noChangeAspect="1"/>
+            <a:picLocks noChangeAspect="1"/>
           </p:cNvPicPr>
-          <p:nvPr>
-            <p:ph idx="1"/>
-          </p:nvPr>
+          <p:nvPr/>
         </p:nvPicPr>
         <p:blipFill>
           <a:blip r:embed="rId2"/>
@@ -4188,17 +4392,260 @@
         </p:blipFill>
         <p:spPr>
           <a:xfrm>
-            <a:off x="1281173" y="1904015"/>
-            <a:ext cx="9460300" cy="4533164"/>
-          </a:xfrm>
+            <a:off x="6784197" y="785407"/>
+            <a:ext cx="4845170" cy="2328327"/>
+          </a:xfrm>
+          <a:prstGeom prst="rect">
+            <a:avLst/>
+          </a:prstGeom>
         </p:spPr>
       </p:pic>
-      <p:sp>
-        <p:nvSpPr>
-          <p:cNvPr id="4" name="Date Placeholder 3">
-            <a:extLst>
-              <a:ext uri="{FF2B5EF4-FFF2-40B4-BE49-F238E27FC236}">
-                <a16:creationId xmlns:a16="http://schemas.microsoft.com/office/drawing/2014/main" id="{D3B69400-F898-7F36-1278-9685F7023EED}"/>
+      <p:pic>
+        <p:nvPicPr>
+          <p:cNvPr id="10" name="Content Placeholder 9" descr="A map of a city&#10;&#10;Description automatically generated">
+            <a:extLst>
+              <a:ext uri="{FF2B5EF4-FFF2-40B4-BE49-F238E27FC236}">
+                <a16:creationId xmlns:a16="http://schemas.microsoft.com/office/drawing/2014/main" xmlns="" id="{027B9BEF-6DC4-9AD6-35BF-D86C8D279952}"/>
+              </a:ext>
+            </a:extLst>
+          </p:cNvPr>
+          <p:cNvPicPr>
+            <a:picLocks noGrp="1" noChangeAspect="1"/>
+          </p:cNvPicPr>
+          <p:nvPr>
+            <p:ph idx="1"/>
+          </p:nvPr>
+        </p:nvPicPr>
+        <p:blipFill>
+          <a:blip r:embed="rId3"/>
+          <a:stretch>
+            <a:fillRect/>
+          </a:stretch>
+        </p:blipFill>
+        <p:spPr>
+          <a:xfrm>
+            <a:off x="217248" y="2605925"/>
+            <a:ext cx="6225396" cy="2439231"/>
+          </a:xfrm>
+        </p:spPr>
+      </p:pic>
+      <p:pic>
+        <p:nvPicPr>
+          <p:cNvPr id="11" name="Picture 10" descr="A black car with green and blue lights&#10;&#10;Description automatically generated">
+            <a:extLst>
+              <a:ext uri="{FF2B5EF4-FFF2-40B4-BE49-F238E27FC236}">
+                <a16:creationId xmlns:a16="http://schemas.microsoft.com/office/drawing/2014/main" xmlns="" id="{191BB9E4-6CD8-CD49-CD72-6FFA14B9A396}"/>
+              </a:ext>
+            </a:extLst>
+          </p:cNvPr>
+          <p:cNvPicPr>
+            <a:picLocks noChangeAspect="1"/>
+          </p:cNvPicPr>
+          <p:nvPr/>
+        </p:nvPicPr>
+        <p:blipFill>
+          <a:blip r:embed="rId4"/>
+          <a:stretch>
+            <a:fillRect/>
+          </a:stretch>
+        </p:blipFill>
+        <p:spPr>
+          <a:xfrm>
+            <a:off x="6783878" y="3628321"/>
+            <a:ext cx="4730150" cy="2584820"/>
+          </a:xfrm>
+          <a:prstGeom prst="rect">
+            <a:avLst/>
+          </a:prstGeom>
+        </p:spPr>
+      </p:pic>
+      <p:sp>
+        <p:nvSpPr>
+          <p:cNvPr id="14" name="TextBox 13">
+            <a:extLst>
+              <a:ext uri="{FF2B5EF4-FFF2-40B4-BE49-F238E27FC236}">
+                <a16:creationId xmlns:a16="http://schemas.microsoft.com/office/drawing/2014/main" xmlns="" id="{6B262BEE-E91D-D03F-01D3-7A871D172BC4}"/>
+              </a:ext>
+            </a:extLst>
+          </p:cNvPr>
+          <p:cNvSpPr txBox="1"/>
+          <p:nvPr/>
+        </p:nvSpPr>
+        <p:spPr>
+          <a:xfrm>
+            <a:off x="1648304" y="5044955"/>
+            <a:ext cx="3048000" cy="369332"/>
+          </a:xfrm>
+          <a:prstGeom prst="rect">
+            <a:avLst/>
+          </a:prstGeom>
+          <a:noFill/>
+        </p:spPr>
+        <p:txBody>
+          <a:bodyPr rot="0" spcFirstLastPara="0" vertOverflow="overflow" horzOverflow="overflow" vert="horz" wrap="square" lIns="91440" tIns="45720" rIns="91440" bIns="45720" numCol="1" spcCol="0" rtlCol="0" fromWordArt="0" anchor="t" anchorCtr="0" forceAA="0" compatLnSpc="1">
+            <a:prstTxWarp prst="textNoShape">
+              <a:avLst/>
+            </a:prstTxWarp>
+            <a:spAutoFit/>
+          </a:bodyPr>
+          <a:lstStyle/>
+          <a:p>
+            <a:r>
+              <a:rPr lang="en-US" b="1" err="1"/>
+              <a:t>Sávterület</a:t>
+            </a:r>
+            <a:r>
+              <a:rPr lang="en-US" b="1"/>
+              <a:t> </a:t>
+            </a:r>
+            <a:r>
+              <a:rPr lang="en-US" b="1" err="1"/>
+              <a:t>detektorok</a:t>
+            </a:r>
+            <a:endParaRPr lang="en-US" b="1"/>
+          </a:p>
+        </p:txBody>
+      </p:sp>
+      <p:sp>
+        <p:nvSpPr>
+          <p:cNvPr id="17" name="TextBox 16">
+            <a:extLst>
+              <a:ext uri="{FF2B5EF4-FFF2-40B4-BE49-F238E27FC236}">
+                <a16:creationId xmlns:a16="http://schemas.microsoft.com/office/drawing/2014/main" xmlns="" id="{CE0A61E4-5699-8C0B-0811-A9DB326DB23F}"/>
+              </a:ext>
+            </a:extLst>
+          </p:cNvPr>
+          <p:cNvSpPr txBox="1"/>
+          <p:nvPr/>
+        </p:nvSpPr>
+        <p:spPr>
+          <a:xfrm>
+            <a:off x="7756884" y="3107605"/>
+            <a:ext cx="3365500" cy="369332"/>
+          </a:xfrm>
+          <a:prstGeom prst="rect">
+            <a:avLst/>
+          </a:prstGeom>
+          <a:noFill/>
+        </p:spPr>
+        <p:txBody>
+          <a:bodyPr rot="0" spcFirstLastPara="0" vertOverflow="overflow" horzOverflow="overflow" vert="horz" wrap="square" lIns="91440" tIns="45720" rIns="91440" bIns="45720" numCol="1" spcCol="0" rtlCol="0" fromWordArt="0" anchor="t" anchorCtr="0" forceAA="0" compatLnSpc="1">
+            <a:prstTxWarp prst="textNoShape">
+              <a:avLst/>
+            </a:prstTxWarp>
+            <a:spAutoFit/>
+          </a:bodyPr>
+          <a:lstStyle/>
+          <a:p>
+            <a:r>
+              <a:rPr lang="en-US" b="1" err="1"/>
+              <a:t>Autók</a:t>
+            </a:r>
+            <a:r>
+              <a:rPr lang="en-US" b="1"/>
+              <a:t> a </a:t>
+            </a:r>
+            <a:r>
+              <a:rPr lang="en-US" b="1" err="1"/>
+              <a:t>szimulációban</a:t>
+            </a:r>
+            <a:endParaRPr lang="en-US" b="1"/>
+          </a:p>
+        </p:txBody>
+      </p:sp>
+      <p:sp>
+        <p:nvSpPr>
+          <p:cNvPr id="23" name="TextBox 22">
+            <a:extLst>
+              <a:ext uri="{FF2B5EF4-FFF2-40B4-BE49-F238E27FC236}">
+                <a16:creationId xmlns:a16="http://schemas.microsoft.com/office/drawing/2014/main" xmlns="" id="{E49055AB-C6AB-3053-2A9B-6D5ACDC3D6DC}"/>
+              </a:ext>
+            </a:extLst>
+          </p:cNvPr>
+          <p:cNvSpPr txBox="1"/>
+          <p:nvPr/>
+        </p:nvSpPr>
+        <p:spPr>
+          <a:xfrm>
+            <a:off x="7326703" y="6219645"/>
+            <a:ext cx="3807123" cy="369332"/>
+          </a:xfrm>
+          <a:prstGeom prst="rect">
+            <a:avLst/>
+          </a:prstGeom>
+          <a:noFill/>
+        </p:spPr>
+        <p:txBody>
+          <a:bodyPr rot="0" spcFirstLastPara="0" vertOverflow="overflow" horzOverflow="overflow" vert="horz" wrap="square" lIns="91440" tIns="45720" rIns="91440" bIns="45720" numCol="1" spcCol="0" rtlCol="0" fromWordArt="0" anchor="t" anchorCtr="0" forceAA="0" compatLnSpc="1">
+            <a:prstTxWarp prst="textNoShape">
+              <a:avLst/>
+            </a:prstTxWarp>
+            <a:spAutoFit/>
+          </a:bodyPr>
+          <a:lstStyle/>
+          <a:p>
+            <a:r>
+              <a:rPr lang="en-US" b="1" err="1"/>
+              <a:t>Kereszteződésben</a:t>
+            </a:r>
+            <a:r>
+              <a:rPr lang="en-US" b="1"/>
+              <a:t> </a:t>
+            </a:r>
+            <a:r>
+              <a:rPr lang="en-US" b="1" err="1"/>
+              <a:t>lévő</a:t>
+            </a:r>
+            <a:r>
+              <a:rPr lang="en-US" b="1"/>
+              <a:t> </a:t>
+            </a:r>
+            <a:r>
+              <a:rPr lang="en-US" b="1" err="1"/>
+              <a:t>irányok</a:t>
+            </a:r>
+          </a:p>
+        </p:txBody>
+      </p:sp>
+    </p:spTree>
+    <p:extLst>
+      <p:ext uri="{BB962C8B-B14F-4D97-AF65-F5344CB8AC3E}">
+        <p14:creationId xmlns:p14="http://schemas.microsoft.com/office/powerpoint/2010/main" val="2816345284"/>
+      </p:ext>
+    </p:extLst>
+  </p:cSld>
+  <p:clrMapOvr>
+    <a:masterClrMapping/>
+  </p:clrMapOvr>
+  <p:transition spd="slow">
+    <p:push dir="u"/>
+  </p:transition>
+</p:sld>
+</file>
+
+<file path=ppt/slides/slide11.xml><?xml version="1.0" encoding="utf-8"?>
+<p:sld xmlns:a="http://schemas.openxmlformats.org/drawingml/2006/main" xmlns:r="http://schemas.openxmlformats.org/officeDocument/2006/relationships" xmlns:p="http://schemas.openxmlformats.org/presentationml/2006/main">
+  <p:cSld>
+    <p:spTree>
+      <p:nvGrpSpPr>
+        <p:cNvPr id="1" name=""/>
+        <p:cNvGrpSpPr/>
+        <p:nvPr/>
+      </p:nvGrpSpPr>
+      <p:grpSpPr>
+        <a:xfrm>
+          <a:off x="0" y="0"/>
+          <a:ext cx="0" cy="0"/>
+          <a:chOff x="0" y="0"/>
+          <a:chExt cx="0" cy="0"/>
+        </a:xfrm>
+      </p:grpSpPr>
+      <p:sp>
+        <p:nvSpPr>
+          <p:cNvPr id="2" name="Title 1">
+            <a:extLst>
+              <a:ext uri="{FF2B5EF4-FFF2-40B4-BE49-F238E27FC236}">
+                <a16:creationId xmlns:a16="http://schemas.microsoft.com/office/drawing/2014/main" xmlns="" id="{B5C73FAC-64ED-EBD6-6ABD-C6466512192A}"/>
               </a:ext>
             </a:extLst>
           </p:cNvPr>
@@ -4206,21 +4653,307 @@
             <a:spLocks noGrp="1"/>
           </p:cNvSpPr>
           <p:nvPr>
-            <p:ph type="dt" sz="half" idx="10"/>
-          </p:nvPr>
-        </p:nvSpPr>
-        <p:spPr/>
-        <p:txBody>
-          <a:bodyPr/>
+            <p:ph type="title"/>
+          </p:nvPr>
+        </p:nvSpPr>
+        <p:spPr>
+          <a:xfrm>
+            <a:off x="468874" y="131697"/>
+            <a:ext cx="11171164" cy="1333539"/>
+          </a:xfrm>
+        </p:spPr>
+        <p:txBody>
+          <a:bodyPr vert="horz" lIns="91440" tIns="45720" rIns="91440" bIns="45720" rtlCol="0" anchor="t">
+            <a:noAutofit/>
+          </a:bodyPr>
           <a:lstStyle/>
           <a:p>
-            <a:fld id="{054B88B1-7EFA-42EB-A321-08DFB63B0DAD}" type="datetime1">
-              <a:t>7/2/2024</a:t>
-            </a:fld>
-            <a:endParaRPr lang="en-US" dirty="0"/>
-          </a:p>
-        </p:txBody>
-      </p:sp>
+            <a:r>
+              <a:rPr lang="en-US" sz="4400"/>
+              <a:t>Fuzzy </a:t>
+            </a:r>
+            <a:r>
+              <a:rPr lang="en-US" sz="4400" err="1"/>
+              <a:t>bemeneti</a:t>
+            </a:r>
+            <a:r>
+              <a:rPr lang="en-US" sz="4400"/>
+              <a:t> </a:t>
+            </a:r>
+            <a:r>
+              <a:rPr lang="en-US" sz="4400" err="1"/>
+              <a:t>és</a:t>
+            </a:r>
+            <a:r>
+              <a:rPr lang="en-US" sz="4400"/>
+              <a:t> </a:t>
+            </a:r>
+            <a:r>
+              <a:rPr lang="en-US" sz="4400" err="1"/>
+              <a:t>kimeneti</a:t>
+            </a:r>
+            <a:r>
+              <a:rPr lang="en-US" sz="4400"/>
+              <a:t> </a:t>
+            </a:r>
+            <a:r>
+              <a:rPr lang="en-US" sz="4400" err="1"/>
+              <a:t>tagsági</a:t>
+            </a:r>
+            <a:r>
+              <a:rPr lang="en-US" sz="4400"/>
+              <a:t> </a:t>
+            </a:r>
+            <a:r>
+              <a:rPr lang="en-US" sz="4400" err="1"/>
+              <a:t>függvények</a:t>
+            </a:r>
+            <a:endParaRPr lang="en-US" sz="4400"/>
+          </a:p>
+        </p:txBody>
+      </p:sp>
+      <p:pic>
+        <p:nvPicPr>
+          <p:cNvPr id="7" name="Content Placeholder 6" descr="A graph of different colored lines&#10;&#10;Description automatically generated">
+            <a:extLst>
+              <a:ext uri="{FF2B5EF4-FFF2-40B4-BE49-F238E27FC236}">
+                <a16:creationId xmlns:a16="http://schemas.microsoft.com/office/drawing/2014/main" xmlns="" id="{4421DC88-5D6D-008B-596D-84B153185E8A}"/>
+              </a:ext>
+            </a:extLst>
+          </p:cNvPr>
+          <p:cNvPicPr>
+            <a:picLocks noGrp="1" noChangeAspect="1"/>
+          </p:cNvPicPr>
+          <p:nvPr>
+            <p:ph idx="1"/>
+          </p:nvPr>
+        </p:nvPicPr>
+        <p:blipFill>
+          <a:blip r:embed="rId2"/>
+          <a:stretch>
+            <a:fillRect/>
+          </a:stretch>
+        </p:blipFill>
+        <p:spPr>
+          <a:xfrm>
+            <a:off x="202871" y="1592496"/>
+            <a:ext cx="6167886" cy="4868653"/>
+          </a:xfrm>
+        </p:spPr>
+      </p:pic>
+      <p:pic>
+        <p:nvPicPr>
+          <p:cNvPr id="8" name="Picture 7" descr="A graph with colored lines&#10;&#10;Description automatically generated">
+            <a:extLst>
+              <a:ext uri="{FF2B5EF4-FFF2-40B4-BE49-F238E27FC236}">
+                <a16:creationId xmlns:a16="http://schemas.microsoft.com/office/drawing/2014/main" xmlns="" id="{194925C4-5D95-8B20-A108-7C4D70958E12}"/>
+              </a:ext>
+            </a:extLst>
+          </p:cNvPr>
+          <p:cNvPicPr>
+            <a:picLocks noChangeAspect="1"/>
+          </p:cNvPicPr>
+          <p:nvPr/>
+        </p:nvPicPr>
+        <p:blipFill>
+          <a:blip r:embed="rId3"/>
+          <a:stretch>
+            <a:fillRect/>
+          </a:stretch>
+        </p:blipFill>
+        <p:spPr>
+          <a:xfrm>
+            <a:off x="6371407" y="2101970"/>
+            <a:ext cx="5822831" cy="3436188"/>
+          </a:xfrm>
+          <a:prstGeom prst="rect">
+            <a:avLst/>
+          </a:prstGeom>
+        </p:spPr>
+      </p:pic>
+    </p:spTree>
+    <p:extLst>
+      <p:ext uri="{BB962C8B-B14F-4D97-AF65-F5344CB8AC3E}">
+        <p14:creationId xmlns:p14="http://schemas.microsoft.com/office/powerpoint/2010/main" val="4086649170"/>
+      </p:ext>
+    </p:extLst>
+  </p:cSld>
+  <p:clrMapOvr>
+    <a:masterClrMapping/>
+  </p:clrMapOvr>
+  <mc:AlternateContent xmlns:mc="http://schemas.openxmlformats.org/markup-compatibility/2006" xmlns:p14="http://schemas.microsoft.com/office/powerpoint/2010/main">
+    <mc:Choice Requires="p14">
+      <p:transition spd="slow" p14:dur="1500">
+        <p:split orient="vert"/>
+      </p:transition>
+    </mc:Choice>
+    <mc:Fallback xmlns="">
+      <p:transition spd="slow">
+        <p:split orient="vert"/>
+      </p:transition>
+    </mc:Fallback>
+  </mc:AlternateContent>
+</p:sld>
+</file>
+
+<file path=ppt/slides/slide12.xml><?xml version="1.0" encoding="utf-8"?>
+<p:sld xmlns:a="http://schemas.openxmlformats.org/drawingml/2006/main" xmlns:r="http://schemas.openxmlformats.org/officeDocument/2006/relationships" xmlns:p="http://schemas.openxmlformats.org/presentationml/2006/main">
+  <p:cSld>
+    <p:spTree>
+      <p:nvGrpSpPr>
+        <p:cNvPr id="1" name=""/>
+        <p:cNvGrpSpPr/>
+        <p:nvPr/>
+      </p:nvGrpSpPr>
+      <p:grpSpPr>
+        <a:xfrm>
+          <a:off x="0" y="0"/>
+          <a:ext cx="0" cy="0"/>
+          <a:chOff x="0" y="0"/>
+          <a:chExt cx="0" cy="0"/>
+        </a:xfrm>
+      </p:grpSpPr>
+      <p:sp>
+        <p:nvSpPr>
+          <p:cNvPr id="2" name="Title 1">
+            <a:extLst>
+              <a:ext uri="{FF2B5EF4-FFF2-40B4-BE49-F238E27FC236}">
+                <a16:creationId xmlns:a16="http://schemas.microsoft.com/office/drawing/2014/main" xmlns="" id="{72EF7060-8704-A55D-BF9E-3F224E5F7551}"/>
+              </a:ext>
+            </a:extLst>
+          </p:cNvPr>
+          <p:cNvSpPr>
+            <a:spLocks noGrp="1"/>
+          </p:cNvSpPr>
+          <p:nvPr>
+            <p:ph type="title"/>
+          </p:nvPr>
+        </p:nvSpPr>
+        <p:spPr>
+          <a:xfrm>
+            <a:off x="1432157" y="491131"/>
+            <a:ext cx="9316484" cy="744069"/>
+          </a:xfrm>
+        </p:spPr>
+        <p:txBody>
+          <a:bodyPr vert="horz" lIns="91440" tIns="45720" rIns="91440" bIns="45720" rtlCol="0" anchor="t">
+            <a:noAutofit/>
+          </a:bodyPr>
+          <a:lstStyle/>
+          <a:p>
+            <a:r>
+              <a:rPr lang="en-US" sz="4400" baseline="0" err="1">
+                <a:latin typeface="Neue Haas Grotesk Text Pro"/>
+                <a:ea typeface="Arial"/>
+                <a:cs typeface="Arial"/>
+              </a:rPr>
+              <a:t>Szomszédos</a:t>
+            </a:r>
+            <a:r>
+              <a:rPr lang="en-US" sz="4400" baseline="0">
+                <a:latin typeface="Neue Haas Grotesk Text Pro"/>
+                <a:ea typeface="Arial"/>
+                <a:cs typeface="Arial"/>
+              </a:rPr>
+              <a:t> </a:t>
+            </a:r>
+            <a:r>
+              <a:rPr lang="en-US" sz="4400" baseline="0" err="1">
+                <a:latin typeface="Neue Haas Grotesk Text Pro"/>
+                <a:ea typeface="Arial"/>
+                <a:cs typeface="Arial"/>
+              </a:rPr>
+              <a:t>kereszteződésben</a:t>
+            </a:r>
+            <a:r>
+              <a:rPr lang="en-US" sz="4400" baseline="0">
+                <a:latin typeface="Neue Haas Grotesk Text Pro"/>
+                <a:ea typeface="Arial"/>
+                <a:cs typeface="Arial"/>
+              </a:rPr>
+              <a:t> </a:t>
+            </a:r>
+            <a:r>
+              <a:rPr lang="en-US" sz="4400" baseline="0" err="1">
+                <a:latin typeface="Neue Haas Grotesk Text Pro"/>
+                <a:ea typeface="Arial"/>
+                <a:cs typeface="Arial"/>
+              </a:rPr>
+              <a:t>lévő</a:t>
+            </a:r>
+            <a:r>
+              <a:rPr lang="en-US" sz="4400" baseline="0">
+                <a:latin typeface="Neue Haas Grotesk Text Pro"/>
+                <a:ea typeface="Arial"/>
+                <a:cs typeface="Arial"/>
+              </a:rPr>
+              <a:t> </a:t>
+            </a:r>
+            <a:r>
+              <a:rPr lang="en-US" sz="4400" baseline="0" err="1">
+                <a:latin typeface="Neue Haas Grotesk Text Pro"/>
+                <a:ea typeface="Arial"/>
+                <a:cs typeface="Arial"/>
+              </a:rPr>
+              <a:t>jelzőlámpák</a:t>
+            </a:r>
+            <a:r>
+              <a:rPr lang="en-US" sz="4400" baseline="0">
+                <a:latin typeface="Neue Haas Grotesk Text Pro"/>
+                <a:ea typeface="Arial"/>
+                <a:cs typeface="Arial"/>
+              </a:rPr>
+              <a:t> </a:t>
+            </a:r>
+            <a:r>
+              <a:rPr lang="en-US" sz="4400" baseline="0" err="1">
+                <a:latin typeface="Neue Haas Grotesk Text Pro"/>
+                <a:ea typeface="Arial"/>
+                <a:cs typeface="Arial"/>
+              </a:rPr>
+              <a:t>összehangolása</a:t>
+            </a:r>
+            <a:r>
+              <a:rPr lang="en-US" sz="4400">
+                <a:latin typeface="Neue Haas Grotesk Text Pro"/>
+                <a:ea typeface="Arial"/>
+                <a:cs typeface="Arial"/>
+              </a:rPr>
+              <a:t>​</a:t>
+            </a:r>
+            <a:endParaRPr lang="en-US" sz="4400"/>
+          </a:p>
+        </p:txBody>
+      </p:sp>
+      <p:pic>
+        <p:nvPicPr>
+          <p:cNvPr id="6" name="Content Placeholder 5" descr="A diagram of a traffic intersection&#10;&#10;Description automatically generated">
+            <a:extLst>
+              <a:ext uri="{FF2B5EF4-FFF2-40B4-BE49-F238E27FC236}">
+                <a16:creationId xmlns:a16="http://schemas.microsoft.com/office/drawing/2014/main" xmlns="" id="{93323A2E-3AD9-AD95-9594-630D77C76C41}"/>
+              </a:ext>
+            </a:extLst>
+          </p:cNvPr>
+          <p:cNvPicPr>
+            <a:picLocks noGrp="1" noChangeAspect="1"/>
+          </p:cNvPicPr>
+          <p:nvPr>
+            <p:ph idx="1"/>
+          </p:nvPr>
+        </p:nvPicPr>
+        <p:blipFill>
+          <a:blip r:embed="rId2"/>
+          <a:stretch>
+            <a:fillRect/>
+          </a:stretch>
+        </p:blipFill>
+        <p:spPr>
+          <a:xfrm>
+            <a:off x="1281173" y="1904015"/>
+            <a:ext cx="9460300" cy="4533164"/>
+          </a:xfrm>
+        </p:spPr>
+      </p:pic>
     </p:spTree>
     <p:extLst>
       <p:ext uri="{BB962C8B-B14F-4D97-AF65-F5344CB8AC3E}">
@@ -4246,7 +4979,7 @@
 </p:sld>
 </file>
 
-<file path=ppt/slides/slide11.xml><?xml version="1.0" encoding="utf-8"?>
+<file path=ppt/slides/slide13.xml><?xml version="1.0" encoding="utf-8"?>
 <p:sld xmlns:a="http://schemas.openxmlformats.org/drawingml/2006/main" xmlns:r="http://schemas.openxmlformats.org/officeDocument/2006/relationships" xmlns:p="http://schemas.openxmlformats.org/presentationml/2006/main">
   <p:cSld>
     <p:spTree>
@@ -4268,7 +5001,7 @@
           <p:cNvPr id="2" name="Title 1">
             <a:extLst>
               <a:ext uri="{FF2B5EF4-FFF2-40B4-BE49-F238E27FC236}">
-                <a16:creationId xmlns:a16="http://schemas.microsoft.com/office/drawing/2014/main" id="{E1D57C40-5B6C-63E3-17CC-A086B119F5A9}"/>
+                <a16:creationId xmlns:a16="http://schemas.microsoft.com/office/drawing/2014/main" xmlns="" id="{E1D57C40-5B6C-63E3-17CC-A086B119F5A9}"/>
               </a:ext>
             </a:extLst>
           </p:cNvPr>
@@ -4279,7 +5012,12 @@
             <p:ph type="title"/>
           </p:nvPr>
         </p:nvSpPr>
-        <p:spPr/>
+        <p:spPr>
+          <a:xfrm>
+            <a:off x="612648" y="261092"/>
+            <a:ext cx="10624824" cy="729692"/>
+          </a:xfrm>
+        </p:spPr>
         <p:txBody>
           <a:bodyPr>
             <a:normAutofit/>
@@ -4296,21 +5034,210 @@
           </a:p>
         </p:txBody>
       </p:sp>
+      <p:sp>
+        <p:nvSpPr>
+          <p:cNvPr id="8" name="TextBox 7">
+            <a:extLst>
+              <a:ext uri="{FF2B5EF4-FFF2-40B4-BE49-F238E27FC236}">
+                <a16:creationId xmlns:a16="http://schemas.microsoft.com/office/drawing/2014/main" xmlns="" id="{709C9530-10D0-9E01-AAB2-29ACD1518914}"/>
+              </a:ext>
+            </a:extLst>
+          </p:cNvPr>
+          <p:cNvSpPr txBox="1"/>
+          <p:nvPr/>
+        </p:nvSpPr>
+        <p:spPr>
+          <a:xfrm>
+            <a:off x="6782818" y="5445122"/>
+            <a:ext cx="5144698" cy="830997"/>
+          </a:xfrm>
+          <a:prstGeom prst="rect">
+            <a:avLst/>
+          </a:prstGeom>
+          <a:noFill/>
+        </p:spPr>
+        <p:txBody>
+          <a:bodyPr rot="0" spcFirstLastPara="0" vertOverflow="overflow" horzOverflow="overflow" vert="horz" wrap="square" lIns="91440" tIns="45720" rIns="91440" bIns="45720" numCol="1" spcCol="0" rtlCol="0" fromWordArt="0" anchor="t" anchorCtr="0" forceAA="0" compatLnSpc="1">
+            <a:prstTxWarp prst="textNoShape">
+              <a:avLst/>
+            </a:prstTxWarp>
+            <a:spAutoFit/>
+          </a:bodyPr>
+          <a:lstStyle/>
+          <a:p>
+            <a:pPr marL="342900" indent="-342900">
+              <a:buFont typeface="Arial"/>
+              <a:buChar char="•"/>
+            </a:pPr>
+            <a:r>
+              <a:rPr lang="hu" sz="2400" dirty="0">
+                <a:latin typeface="Neue Haas Grotesk Text Pro"/>
+                <a:cs typeface="Times New Roman"/>
+              </a:rPr>
+              <a:t>5 percenként áthaladt autók </a:t>
+            </a:r>
+            <a:endParaRPr lang="en-US" sz="2400" dirty="0">
+              <a:latin typeface="Neue Haas Grotesk Text Pro"/>
+              <a:cs typeface="Times New Roman"/>
+            </a:endParaRPr>
+          </a:p>
+          <a:p>
+            <a:r>
+              <a:rPr lang="hu" sz="2400" dirty="0">
+                <a:latin typeface="Neue Haas Grotesk Text Pro"/>
+                <a:cs typeface="Times New Roman"/>
+              </a:rPr>
+              <a:t>2.5 percenként mérve</a:t>
+            </a:r>
+            <a:endParaRPr lang="en-US" sz="2400" dirty="0">
+              <a:latin typeface="Neue Haas Grotesk Text Pro"/>
+            </a:endParaRPr>
+          </a:p>
+        </p:txBody>
+      </p:sp>
+      <p:sp>
+        <p:nvSpPr>
+          <p:cNvPr id="11" name="TextBox 10">
+            <a:extLst>
+              <a:ext uri="{FF2B5EF4-FFF2-40B4-BE49-F238E27FC236}">
+                <a16:creationId xmlns:a16="http://schemas.microsoft.com/office/drawing/2014/main" xmlns="" id="{83827C8C-D3EB-EC47-0859-8511A65B3E6E}"/>
+              </a:ext>
+            </a:extLst>
+          </p:cNvPr>
+          <p:cNvSpPr txBox="1"/>
+          <p:nvPr/>
+        </p:nvSpPr>
+        <p:spPr>
+          <a:xfrm>
+            <a:off x="1187570" y="1216325"/>
+            <a:ext cx="4252821" cy="338554"/>
+          </a:xfrm>
+          <a:prstGeom prst="rect">
+            <a:avLst/>
+          </a:prstGeom>
+          <a:noFill/>
+        </p:spPr>
+        <p:txBody>
+          <a:bodyPr rot="0" spcFirstLastPara="0" vertOverflow="overflow" horzOverflow="overflow" vert="horz" wrap="square" lIns="91440" tIns="45720" rIns="91440" bIns="45720" numCol="1" spcCol="0" rtlCol="0" fromWordArt="0" anchor="t" anchorCtr="0" forceAA="0" compatLnSpc="1">
+            <a:prstTxWarp prst="textNoShape">
+              <a:avLst/>
+            </a:prstTxWarp>
+            <a:spAutoFit/>
+          </a:bodyPr>
+          <a:lstStyle/>
+          <a:p>
+            <a:r>
+              <a:rPr lang="hu" sz="1600" dirty="0">
+                <a:latin typeface="Neue Haas Grotesk Text Pro"/>
+                <a:cs typeface="Times New Roman"/>
+              </a:rPr>
+              <a:t>“</a:t>
+            </a:r>
+            <a:r>
+              <a:rPr lang="hu" sz="1600" err="1">
+                <a:latin typeface="Neue Haas Grotesk Text Pro"/>
+                <a:cs typeface="Times New Roman"/>
+              </a:rPr>
+              <a:t>Ștefan</a:t>
+            </a:r>
+            <a:r>
+              <a:rPr lang="hu" sz="1600" dirty="0">
+                <a:latin typeface="Neue Haas Grotesk Text Pro"/>
+                <a:cs typeface="Times New Roman"/>
+              </a:rPr>
+              <a:t> </a:t>
+            </a:r>
+            <a:r>
+              <a:rPr lang="hu" sz="1600" err="1">
+                <a:latin typeface="Neue Haas Grotesk Text Pro"/>
+                <a:cs typeface="Times New Roman"/>
+              </a:rPr>
+              <a:t>cel</a:t>
+            </a:r>
+            <a:r>
+              <a:rPr lang="hu" sz="1600" dirty="0">
+                <a:latin typeface="Neue Haas Grotesk Text Pro"/>
+                <a:cs typeface="Times New Roman"/>
+              </a:rPr>
+              <a:t> </a:t>
+            </a:r>
+            <a:r>
+              <a:rPr lang="hu" sz="1600" err="1">
+                <a:latin typeface="Neue Haas Grotesk Text Pro"/>
+                <a:cs typeface="Times New Roman"/>
+              </a:rPr>
+              <a:t>Mare</a:t>
+            </a:r>
+            <a:r>
+              <a:rPr lang="hu" sz="1600" dirty="0">
+                <a:latin typeface="Neue Haas Grotesk Text Pro"/>
+                <a:cs typeface="Times New Roman"/>
+              </a:rPr>
+              <a:t>” utcai kereszteződés</a:t>
+            </a:r>
+          </a:p>
+        </p:txBody>
+      </p:sp>
+      <p:sp>
+        <p:nvSpPr>
+          <p:cNvPr id="16" name="TextBox 15">
+            <a:extLst>
+              <a:ext uri="{FF2B5EF4-FFF2-40B4-BE49-F238E27FC236}">
+                <a16:creationId xmlns:a16="http://schemas.microsoft.com/office/drawing/2014/main" xmlns="" id="{1383BE8B-9BC3-A658-4EF2-4BEBF980DBE5}"/>
+              </a:ext>
+            </a:extLst>
+          </p:cNvPr>
+          <p:cNvSpPr txBox="1"/>
+          <p:nvPr/>
+        </p:nvSpPr>
+        <p:spPr>
+          <a:xfrm>
+            <a:off x="7801155" y="1216325"/>
+            <a:ext cx="3059501" cy="369332"/>
+          </a:xfrm>
+          <a:prstGeom prst="rect">
+            <a:avLst/>
+          </a:prstGeom>
+          <a:noFill/>
+        </p:spPr>
+        <p:txBody>
+          <a:bodyPr rot="0" spcFirstLastPara="0" vertOverflow="overflow" horzOverflow="overflow" vert="horz" wrap="square" lIns="91440" tIns="45720" rIns="91440" bIns="45720" numCol="1" spcCol="0" rtlCol="0" fromWordArt="0" anchor="t" anchorCtr="0" forceAA="0" compatLnSpc="1">
+            <a:prstTxWarp prst="textNoShape">
+              <a:avLst/>
+            </a:prstTxWarp>
+            <a:spAutoFit/>
+          </a:bodyPr>
+          <a:lstStyle/>
+          <a:p>
+            <a:r>
+              <a:rPr lang="en-US" dirty="0" err="1"/>
+              <a:t>Központi</a:t>
+            </a:r>
+            <a:r>
+              <a:rPr lang="en-US" dirty="0"/>
+              <a:t> </a:t>
+            </a:r>
+            <a:r>
+              <a:rPr lang="en-US" dirty="0" err="1"/>
+              <a:t>kereszteződés</a:t>
+            </a:r>
+            <a:endParaRPr lang="en-US" dirty="0"/>
+          </a:p>
+        </p:txBody>
+      </p:sp>
       <p:pic>
         <p:nvPicPr>
-          <p:cNvPr id="6" name="Content Placeholder 5" descr="A graph with red and blue lines&#10;&#10;Description automatically generated">
-            <a:extLst>
-              <a:ext uri="{FF2B5EF4-FFF2-40B4-BE49-F238E27FC236}">
-                <a16:creationId xmlns:a16="http://schemas.microsoft.com/office/drawing/2014/main" id="{BE80026D-8E77-7207-DCD2-76934CF4FF6D}"/>
+          <p:cNvPr id="3" name="Picture 2" descr="A graph with a red line&#10;&#10;Description automatically generated">
+            <a:extLst>
+              <a:ext uri="{FF2B5EF4-FFF2-40B4-BE49-F238E27FC236}">
+                <a16:creationId xmlns:a16="http://schemas.microsoft.com/office/drawing/2014/main" xmlns="" id="{E10103B2-FA27-2813-0E3E-D1464BCC7EDE}"/>
               </a:ext>
             </a:extLst>
           </p:cNvPr>
           <p:cNvPicPr>
-            <a:picLocks noGrp="1" noChangeAspect="1"/>
+            <a:picLocks noChangeAspect="1"/>
           </p:cNvPicPr>
-          <p:nvPr>
-            <p:ph idx="1"/>
-          </p:nvPr>
+          <p:nvPr/>
         </p:nvPicPr>
         <p:blipFill>
           <a:blip r:embed="rId2"/>
@@ -4320,53 +5247,29 @@
         </p:blipFill>
         <p:spPr>
           <a:xfrm>
-            <a:off x="5939437" y="2172145"/>
-            <a:ext cx="6397923" cy="3680603"/>
-          </a:xfrm>
+            <a:off x="-157512" y="1547005"/>
+            <a:ext cx="6671094" cy="3680603"/>
+          </a:xfrm>
+          <a:prstGeom prst="rect">
+            <a:avLst/>
+          </a:prstGeom>
         </p:spPr>
       </p:pic>
-      <p:sp>
-        <p:nvSpPr>
-          <p:cNvPr id="4" name="Date Placeholder 3">
-            <a:extLst>
-              <a:ext uri="{FF2B5EF4-FFF2-40B4-BE49-F238E27FC236}">
-                <a16:creationId xmlns:a16="http://schemas.microsoft.com/office/drawing/2014/main" id="{3136C110-6920-1581-0755-5082C2DB9738}"/>
-              </a:ext>
-            </a:extLst>
-          </p:cNvPr>
-          <p:cNvSpPr>
-            <a:spLocks noGrp="1"/>
-          </p:cNvSpPr>
-          <p:nvPr>
-            <p:ph type="dt" sz="half" idx="10"/>
-          </p:nvPr>
-        </p:nvSpPr>
-        <p:spPr/>
-        <p:txBody>
-          <a:bodyPr/>
-          <a:lstStyle/>
-          <a:p>
-            <a:fld id="{441AE853-FFD0-46F6-A4D8-20A99B4C182B}" type="datetime1">
-              <a:rPr lang="en-US"/>
-              <a:t>7/2/2024</a:t>
-            </a:fld>
-            <a:endParaRPr lang="en-US" dirty="0"/>
-          </a:p>
-        </p:txBody>
-      </p:sp>
       <p:pic>
         <p:nvPicPr>
-          <p:cNvPr id="7" name="Picture 6" descr="A graph with red and blue lines&#10;&#10;Description automatically generated">
-            <a:extLst>
-              <a:ext uri="{FF2B5EF4-FFF2-40B4-BE49-F238E27FC236}">
-                <a16:creationId xmlns:a16="http://schemas.microsoft.com/office/drawing/2014/main" id="{DD2CD99B-F355-9DAB-BA85-5077A6AD3237}"/>
+          <p:cNvPr id="10" name="Content Placeholder 9" descr="A graph with a line and a red line&#10;&#10;Description automatically generated">
+            <a:extLst>
+              <a:ext uri="{FF2B5EF4-FFF2-40B4-BE49-F238E27FC236}">
+                <a16:creationId xmlns:a16="http://schemas.microsoft.com/office/drawing/2014/main" xmlns="" id="{4A80E2FD-4969-80F9-1059-33074BD63076}"/>
               </a:ext>
             </a:extLst>
           </p:cNvPr>
           <p:cNvPicPr>
-            <a:picLocks noChangeAspect="1"/>
+            <a:picLocks noGrp="1" noChangeAspect="1"/>
           </p:cNvPicPr>
-          <p:nvPr/>
+          <p:nvPr>
+            <p:ph idx="1"/>
+          </p:nvPr>
         </p:nvPicPr>
         <p:blipFill>
           <a:blip r:embed="rId3"/>
@@ -4376,20 +5279,17 @@
         </p:blipFill>
         <p:spPr>
           <a:xfrm>
-            <a:off x="-318539" y="2169064"/>
-            <a:ext cx="6397924" cy="3680604"/>
-          </a:xfrm>
-          <a:prstGeom prst="rect">
-            <a:avLst/>
-          </a:prstGeom>
+            <a:off x="5939437" y="1582673"/>
+            <a:ext cx="6527320" cy="3680603"/>
+          </a:xfrm>
         </p:spPr>
       </p:pic>
       <p:sp>
         <p:nvSpPr>
-          <p:cNvPr id="8" name="TextBox 7">
-            <a:extLst>
-              <a:ext uri="{FF2B5EF4-FFF2-40B4-BE49-F238E27FC236}">
-                <a16:creationId xmlns:a16="http://schemas.microsoft.com/office/drawing/2014/main" id="{709C9530-10D0-9E01-AAB2-29ACD1518914}"/>
+          <p:cNvPr id="12" name="TextBox 11">
+            <a:extLst>
+              <a:ext uri="{FF2B5EF4-FFF2-40B4-BE49-F238E27FC236}">
+                <a16:creationId xmlns:a16="http://schemas.microsoft.com/office/drawing/2014/main" xmlns="" id="{7FC7D9EF-70B0-78AC-D332-1C513B5EAEE1}"/>
               </a:ext>
             </a:extLst>
           </p:cNvPr>
@@ -4398,8 +5298,8 @@
         </p:nvSpPr>
         <p:spPr>
           <a:xfrm>
-            <a:off x="614932" y="1707010"/>
-            <a:ext cx="7747000" cy="461665"/>
+            <a:off x="698740" y="5443268"/>
+            <a:ext cx="4741652" cy="830997"/>
           </a:xfrm>
           <a:prstGeom prst="rect">
             <a:avLst/>
@@ -4416,107 +5316,16 @@
           <a:lstStyle/>
           <a:p>
             <a:pPr marL="342900" indent="-342900">
-              <a:buFont typeface="Arial"/>
+              <a:buFont typeface="Arial,Sans-Serif"/>
               <a:buChar char="•"/>
             </a:pPr>
             <a:r>
-              <a:rPr lang="hu" sz="2400" dirty="0">
-                <a:latin typeface="Times New Roman"/>
-                <a:cs typeface="Times New Roman"/>
+              <a:rPr lang="hu-HU" sz="2400" dirty="0">
+                <a:cs typeface="Arial"/>
               </a:rPr>
-              <a:t>Percenként áthaladt autók 30 másodpercenként mérve</a:t>
-            </a:r>
-            <a:endParaRPr lang="en-US" sz="2400" dirty="0"/>
-          </a:p>
-        </p:txBody>
-      </p:sp>
-      <p:sp>
-        <p:nvSpPr>
-          <p:cNvPr id="11" name="TextBox 10">
-            <a:extLst>
-              <a:ext uri="{FF2B5EF4-FFF2-40B4-BE49-F238E27FC236}">
-                <a16:creationId xmlns:a16="http://schemas.microsoft.com/office/drawing/2014/main" id="{83827C8C-D3EB-EC47-0859-8511A65B3E6E}"/>
-              </a:ext>
-            </a:extLst>
-          </p:cNvPr>
-          <p:cNvSpPr txBox="1"/>
-          <p:nvPr/>
-        </p:nvSpPr>
-        <p:spPr>
-          <a:xfrm>
-            <a:off x="1676400" y="5845834"/>
-            <a:ext cx="3073879" cy="369332"/>
-          </a:xfrm>
-          <a:prstGeom prst="rect">
-            <a:avLst/>
-          </a:prstGeom>
-          <a:noFill/>
-        </p:spPr>
-        <p:txBody>
-          <a:bodyPr rot="0" spcFirstLastPara="0" vertOverflow="overflow" horzOverflow="overflow" vert="horz" wrap="square" lIns="91440" tIns="45720" rIns="91440" bIns="45720" numCol="1" spcCol="0" rtlCol="0" fromWordArt="0" anchor="t" anchorCtr="0" forceAA="0" compatLnSpc="1">
-            <a:prstTxWarp prst="textNoShape">
-              <a:avLst/>
-            </a:prstTxWarp>
-            <a:spAutoFit/>
-          </a:bodyPr>
-          <a:lstStyle/>
-          <a:p>
-            <a:r>
-              <a:rPr lang="en-US" dirty="0"/>
-              <a:t>Fortuna </a:t>
-            </a:r>
-            <a:r>
-              <a:rPr lang="en-US" err="1"/>
-              <a:t>kereszteződés</a:t>
-            </a:r>
-            <a:endParaRPr lang="en-US"/>
-          </a:p>
-        </p:txBody>
-      </p:sp>
-      <p:sp>
-        <p:nvSpPr>
-          <p:cNvPr id="16" name="TextBox 15">
-            <a:extLst>
-              <a:ext uri="{FF2B5EF4-FFF2-40B4-BE49-F238E27FC236}">
-                <a16:creationId xmlns:a16="http://schemas.microsoft.com/office/drawing/2014/main" id="{1383BE8B-9BC3-A658-4EF2-4BEBF980DBE5}"/>
-              </a:ext>
-            </a:extLst>
-          </p:cNvPr>
-          <p:cNvSpPr txBox="1"/>
-          <p:nvPr/>
-        </p:nvSpPr>
-        <p:spPr>
-          <a:xfrm>
-            <a:off x="7614249" y="5845834"/>
-            <a:ext cx="3059501" cy="369332"/>
-          </a:xfrm>
-          <a:prstGeom prst="rect">
-            <a:avLst/>
-          </a:prstGeom>
-          <a:noFill/>
-        </p:spPr>
-        <p:txBody>
-          <a:bodyPr rot="0" spcFirstLastPara="0" vertOverflow="overflow" horzOverflow="overflow" vert="horz" wrap="square" lIns="91440" tIns="45720" rIns="91440" bIns="45720" numCol="1" spcCol="0" rtlCol="0" fromWordArt="0" anchor="t" anchorCtr="0" forceAA="0" compatLnSpc="1">
-            <a:prstTxWarp prst="textNoShape">
-              <a:avLst/>
-            </a:prstTxWarp>
-            <a:spAutoFit/>
-          </a:bodyPr>
-          <a:lstStyle/>
-          <a:p>
-            <a:r>
-              <a:rPr lang="en-US" err="1"/>
-              <a:t>Központ</a:t>
-            </a:r>
-            <a:r>
-              <a:rPr lang="en-US" dirty="0"/>
-              <a:t> </a:t>
-            </a:r>
-            <a:r>
-              <a:rPr lang="en-US" err="1"/>
-              <a:t>kereszteződés</a:t>
-            </a:r>
-            <a:endParaRPr lang="en-US"/>
+              <a:t>Összesen áthaladt autók a kereszteződésen</a:t>
+            </a:r>
+            <a:endParaRPr lang="en-US" dirty="0"/>
           </a:p>
         </p:txBody>
       </p:sp>
@@ -4545,7 +5354,7 @@
 </p:sld>
 </file>
 
-<file path=ppt/slides/slide12.xml><?xml version="1.0" encoding="utf-8"?>
+<file path=ppt/slides/slide14.xml><?xml version="1.0" encoding="utf-8"?>
 <p:sld xmlns:a="http://schemas.openxmlformats.org/drawingml/2006/main" xmlns:r="http://schemas.openxmlformats.org/officeDocument/2006/relationships" xmlns:p="http://schemas.openxmlformats.org/presentationml/2006/main">
   <p:cSld>
     <p:bg>
@@ -4575,10 +5384,10 @@
           <p:cNvPr id="18" name="Rectangle 17">
             <a:extLst>
               <a:ext uri="{FF2B5EF4-FFF2-40B4-BE49-F238E27FC236}">
-                <a16:creationId xmlns:a16="http://schemas.microsoft.com/office/drawing/2014/main" id="{B6CDA21F-E7AF-4C75-8395-33F58D5B0E45}"/>
+                <a16:creationId xmlns:a16="http://schemas.microsoft.com/office/drawing/2014/main" xmlns="" id="{B6CDA21F-E7AF-4C75-8395-33F58D5B0E45}"/>
               </a:ext>
               <a:ext uri="{C183D7F6-B498-43B3-948B-1728B52AA6E4}">
-                <adec:decorative xmlns:adec="http://schemas.microsoft.com/office/drawing/2017/decorative" val="1"/>
+                <adec:decorative xmlns:adec="http://schemas.microsoft.com/office/drawing/2017/decorative" xmlns="" val="1"/>
               </a:ext>
             </a:extLst>
           </p:cNvPr>
@@ -4588,7 +5397,7 @@
           <p:nvPr>
             <p:extLst>
               <p:ext uri="{386F3935-93C4-4BCD-93E2-E3B085C9AB24}">
-                <p16:designElem xmlns:p16="http://schemas.microsoft.com/office/powerpoint/2015/main" val="1"/>
+                <p16:designElem xmlns:p16="http://schemas.microsoft.com/office/powerpoint/2015/main" xmlns="" val="1"/>
               </p:ext>
             </p:extLst>
           </p:nvPr>
@@ -4635,10 +5444,10 @@
           <p:cNvPr id="20" name="Group 19">
             <a:extLst>
               <a:ext uri="{FF2B5EF4-FFF2-40B4-BE49-F238E27FC236}">
-                <a16:creationId xmlns:a16="http://schemas.microsoft.com/office/drawing/2014/main" id="{AE1C45F0-260A-458C-96ED-C1F6D2151219}"/>
+                <a16:creationId xmlns:a16="http://schemas.microsoft.com/office/drawing/2014/main" xmlns="" id="{AE1C45F0-260A-458C-96ED-C1F6D2151219}"/>
               </a:ext>
               <a:ext uri="{C183D7F6-B498-43B3-948B-1728B52AA6E4}">
-                <adec:decorative xmlns:adec="http://schemas.microsoft.com/office/drawing/2017/decorative" val="1"/>
+                <adec:decorative xmlns:adec="http://schemas.microsoft.com/office/drawing/2017/decorative" xmlns="" val="1"/>
               </a:ext>
             </a:extLst>
           </p:cNvPr>
@@ -4648,7 +5457,7 @@
           <p:nvPr>
             <p:extLst>
               <p:ext uri="{386F3935-93C4-4BCD-93E2-E3B085C9AB24}">
-                <p16:designElem xmlns:p16="http://schemas.microsoft.com/office/powerpoint/2015/main" val="1"/>
+                <p16:designElem xmlns:p16="http://schemas.microsoft.com/office/powerpoint/2015/main" xmlns="" val="1"/>
               </p:ext>
             </p:extLst>
           </p:nvPr>
@@ -4669,10 +5478,10 @@
             <p:cNvPr id="13" name="Rectangle 12">
               <a:extLst>
                 <a:ext uri="{FF2B5EF4-FFF2-40B4-BE49-F238E27FC236}">
-                  <a16:creationId xmlns:a16="http://schemas.microsoft.com/office/drawing/2014/main" id="{A6604B49-AD5C-4590-B051-06C8222ECD99}"/>
+                  <a16:creationId xmlns:a16="http://schemas.microsoft.com/office/drawing/2014/main" xmlns="" id="{A6604B49-AD5C-4590-B051-06C8222ECD99}"/>
                 </a:ext>
                 <a:ext uri="{C183D7F6-B498-43B3-948B-1728B52AA6E4}">
-                  <adec:decorative xmlns:adec="http://schemas.microsoft.com/office/drawing/2017/decorative" val="1"/>
+                  <adec:decorative xmlns:adec="http://schemas.microsoft.com/office/drawing/2017/decorative" xmlns="" val="1"/>
                 </a:ext>
               </a:extLst>
             </p:cNvPr>
@@ -4680,7 +5489,7 @@
             <p:nvPr>
               <p:extLst>
                 <p:ext uri="{386F3935-93C4-4BCD-93E2-E3B085C9AB24}">
-                  <p16:designElem xmlns:p16="http://schemas.microsoft.com/office/powerpoint/2015/main" val="1"/>
+                  <p16:designElem xmlns:p16="http://schemas.microsoft.com/office/powerpoint/2015/main" xmlns="" val="1"/>
                 </p:ext>
               </p:extLst>
             </p:nvPr>
@@ -4728,10 +5537,10 @@
             <p:cNvPr id="14" name="Rectangle 13">
               <a:extLst>
                 <a:ext uri="{FF2B5EF4-FFF2-40B4-BE49-F238E27FC236}">
-                  <a16:creationId xmlns:a16="http://schemas.microsoft.com/office/drawing/2014/main" id="{743ECCAF-29C5-4537-947C-7EA1292463DB}"/>
+                  <a16:creationId xmlns:a16="http://schemas.microsoft.com/office/drawing/2014/main" xmlns="" id="{743ECCAF-29C5-4537-947C-7EA1292463DB}"/>
                 </a:ext>
                 <a:ext uri="{C183D7F6-B498-43B3-948B-1728B52AA6E4}">
-                  <adec:decorative xmlns:adec="http://schemas.microsoft.com/office/drawing/2017/decorative" val="1"/>
+                  <adec:decorative xmlns:adec="http://schemas.microsoft.com/office/drawing/2017/decorative" xmlns="" val="1"/>
                 </a:ext>
               </a:extLst>
             </p:cNvPr>
@@ -4739,7 +5548,7 @@
             <p:nvPr>
               <p:extLst>
                 <p:ext uri="{386F3935-93C4-4BCD-93E2-E3B085C9AB24}">
-                  <p16:designElem xmlns:p16="http://schemas.microsoft.com/office/powerpoint/2015/main" val="1"/>
+                  <p16:designElem xmlns:p16="http://schemas.microsoft.com/office/powerpoint/2015/main" xmlns="" val="1"/>
                 </p:ext>
               </p:extLst>
             </p:nvPr>
@@ -4787,10 +5596,10 @@
             <p:cNvPr id="15" name="Rectangle 14">
               <a:extLst>
                 <a:ext uri="{FF2B5EF4-FFF2-40B4-BE49-F238E27FC236}">
-                  <a16:creationId xmlns:a16="http://schemas.microsoft.com/office/drawing/2014/main" id="{ED49787B-8DE6-4467-AD0A-8DECC6E0C2D6}"/>
+                  <a16:creationId xmlns:a16="http://schemas.microsoft.com/office/drawing/2014/main" xmlns="" id="{ED49787B-8DE6-4467-AD0A-8DECC6E0C2D6}"/>
                 </a:ext>
                 <a:ext uri="{C183D7F6-B498-43B3-948B-1728B52AA6E4}">
-                  <adec:decorative xmlns:adec="http://schemas.microsoft.com/office/drawing/2017/decorative" val="1"/>
+                  <adec:decorative xmlns:adec="http://schemas.microsoft.com/office/drawing/2017/decorative" xmlns="" val="1"/>
                 </a:ext>
               </a:extLst>
             </p:cNvPr>
@@ -4798,7 +5607,7 @@
             <p:nvPr>
               <p:extLst>
                 <p:ext uri="{386F3935-93C4-4BCD-93E2-E3B085C9AB24}">
-                  <p16:designElem xmlns:p16="http://schemas.microsoft.com/office/powerpoint/2015/main" val="1"/>
+                  <p16:designElem xmlns:p16="http://schemas.microsoft.com/office/powerpoint/2015/main" xmlns="" val="1"/>
                 </p:ext>
               </p:extLst>
             </p:nvPr>
@@ -4847,10 +5656,10 @@
           <p:cNvPr id="17" name="Rectangle 16">
             <a:extLst>
               <a:ext uri="{FF2B5EF4-FFF2-40B4-BE49-F238E27FC236}">
-                <a16:creationId xmlns:a16="http://schemas.microsoft.com/office/drawing/2014/main" id="{D5B0017B-2ECA-49AF-B397-DC140825DF8D}"/>
+                <a16:creationId xmlns:a16="http://schemas.microsoft.com/office/drawing/2014/main" xmlns="" id="{D5B0017B-2ECA-49AF-B397-DC140825DF8D}"/>
               </a:ext>
               <a:ext uri="{C183D7F6-B498-43B3-948B-1728B52AA6E4}">
-                <adec:decorative xmlns:adec="http://schemas.microsoft.com/office/drawing/2017/decorative" val="1"/>
+                <adec:decorative xmlns:adec="http://schemas.microsoft.com/office/drawing/2017/decorative" xmlns="" val="1"/>
               </a:ext>
             </a:extLst>
           </p:cNvPr>
@@ -4860,7 +5669,7 @@
           <p:nvPr>
             <p:extLst>
               <p:ext uri="{386F3935-93C4-4BCD-93E2-E3B085C9AB24}">
-                <p16:designElem xmlns:p16="http://schemas.microsoft.com/office/powerpoint/2015/main" val="1"/>
+                <p16:designElem xmlns:p16="http://schemas.microsoft.com/office/powerpoint/2015/main" xmlns="" val="1"/>
               </p:ext>
             </p:extLst>
           </p:nvPr>
@@ -4917,7 +5726,7 @@
           <p:cNvPr id="2" name="Title 1">
             <a:extLst>
               <a:ext uri="{FF2B5EF4-FFF2-40B4-BE49-F238E27FC236}">
-                <a16:creationId xmlns:a16="http://schemas.microsoft.com/office/drawing/2014/main" id="{BD44AC75-38D2-73D1-4729-66030BF5BE88}"/>
+                <a16:creationId xmlns:a16="http://schemas.microsoft.com/office/drawing/2014/main" xmlns="" id="{BD44AC75-38D2-73D1-4729-66030BF5BE88}"/>
               </a:ext>
             </a:extLst>
           </p:cNvPr>
@@ -4941,13 +5750,13 @@
           <a:lstStyle/>
           <a:p>
             <a:r>
-              <a:rPr lang="en-US" sz="4400" err="1">
+              <a:rPr lang="en-US" sz="4400" dirty="0" err="1">
                 <a:ea typeface="+mj-lt"/>
                 <a:cs typeface="+mj-lt"/>
               </a:rPr>
-              <a:t>Következtetés</a:t>
-            </a:r>
-            <a:endParaRPr lang="en-US" sz="4400" err="1"/>
+              <a:t>Következtetések</a:t>
+            </a:r>
+            <a:endParaRPr lang="en-US" sz="4400" dirty="0" err="1"/>
           </a:p>
         </p:txBody>
       </p:sp>
@@ -4956,7 +5765,7 @@
           <p:cNvPr id="3" name="Content Placeholder 2">
             <a:extLst>
               <a:ext uri="{FF2B5EF4-FFF2-40B4-BE49-F238E27FC236}">
-                <a16:creationId xmlns:a16="http://schemas.microsoft.com/office/drawing/2014/main" id="{42A3E08C-6D9B-8E53-F0CD-5CD03E61D858}"/>
+                <a16:creationId xmlns:a16="http://schemas.microsoft.com/office/drawing/2014/main" xmlns="" id="{42A3E08C-6D9B-8E53-F0CD-5CD03E61D858}"/>
               </a:ext>
             </a:extLst>
           </p:cNvPr>
@@ -4969,7 +5778,7 @@
         </p:nvSpPr>
         <p:spPr>
           <a:xfrm>
-            <a:off x="1045028" y="3017522"/>
+            <a:off x="1030651" y="3017522"/>
             <a:ext cx="9941319" cy="3124658"/>
           </a:xfrm>
         </p:spPr>
@@ -4981,8 +5790,8 @@
           <a:p>
             <a:pPr marL="342900" indent="-342900"/>
             <a:r>
-              <a:rPr lang="en-US" sz="2400" dirty="0" err="1"/>
-              <a:t>Felépítettük</a:t>
+              <a:rPr lang="en-US" sz="2400"/>
+              <a:t>Felépítettünk</a:t>
             </a:r>
             <a:r>
               <a:rPr lang="en-US" sz="2400" dirty="0"/>
@@ -5016,133 +5825,134 @@
               <a:rPr lang="en-US" sz="2400" dirty="0" err="1"/>
               <a:t>irányítására</a:t>
             </a:r>
+            <a:endParaRPr lang="en-US" sz="2400" dirty="0"/>
           </a:p>
           <a:p>
             <a:pPr marL="342900" indent="-342900"/>
             <a:r>
-              <a:rPr lang="en-US" sz="2400" dirty="0"/>
+              <a:rPr lang="en-US" sz="2400"/>
               <a:t>A fuzzy </a:t>
             </a:r>
             <a:r>
-              <a:rPr lang="en-US" sz="2400" dirty="0" err="1"/>
+              <a:rPr lang="en-US" sz="2400" err="1"/>
               <a:t>szabályozót</a:t>
             </a:r>
             <a:r>
-              <a:rPr lang="en-US" sz="2400" dirty="0"/>
+              <a:rPr lang="en-US" sz="2400"/>
               <a:t> </a:t>
             </a:r>
             <a:r>
-              <a:rPr lang="en-US" sz="2400" dirty="0" err="1"/>
+              <a:rPr lang="en-US" sz="2400" err="1"/>
               <a:t>sikeresen</a:t>
             </a:r>
             <a:r>
-              <a:rPr lang="en-US" sz="2400" dirty="0"/>
+              <a:rPr lang="en-US" sz="2400"/>
               <a:t> </a:t>
             </a:r>
             <a:r>
-              <a:rPr lang="en-US" sz="2400" dirty="0" err="1"/>
+              <a:rPr lang="en-US" sz="2400" err="1"/>
               <a:t>összekötöttük</a:t>
             </a:r>
             <a:r>
-              <a:rPr lang="en-US" sz="2400" dirty="0"/>
+              <a:rPr lang="en-US" sz="2400"/>
               <a:t> a </a:t>
             </a:r>
             <a:r>
-              <a:rPr lang="en-US" sz="2400" dirty="0" err="1"/>
+              <a:rPr lang="en-US" sz="2400" err="1"/>
               <a:t>szimulációval</a:t>
             </a:r>
-            <a:endParaRPr lang="en-US" sz="2400" dirty="0"/>
+            <a:endParaRPr lang="en-US" sz="2400"/>
           </a:p>
           <a:p>
             <a:pPr marL="342900" indent="-342900"/>
             <a:r>
-              <a:rPr lang="en-US" sz="2400" dirty="0" err="1"/>
+              <a:rPr lang="en-US" sz="2400" err="1"/>
               <a:t>Felépítettünk</a:t>
             </a:r>
             <a:r>
-              <a:rPr lang="en-US" sz="2400" dirty="0"/>
+              <a:rPr lang="en-US" sz="2400"/>
               <a:t> </a:t>
             </a:r>
             <a:r>
-              <a:rPr lang="en-US" sz="2400" dirty="0" err="1"/>
+              <a:rPr lang="en-US" sz="2400" err="1"/>
               <a:t>egy</a:t>
             </a:r>
             <a:r>
-              <a:rPr lang="en-US" sz="2400" dirty="0"/>
+              <a:rPr lang="en-US" sz="2400"/>
               <a:t> fuzzy </a:t>
             </a:r>
             <a:r>
-              <a:rPr lang="en-US" sz="2400" dirty="0" err="1"/>
+              <a:rPr lang="en-US" sz="2400" err="1"/>
               <a:t>szabályozót</a:t>
             </a:r>
             <a:r>
-              <a:rPr lang="en-US" sz="2400" dirty="0"/>
+              <a:rPr lang="en-US" sz="2400"/>
               <a:t> a </a:t>
             </a:r>
             <a:r>
-              <a:rPr lang="en-US" sz="2400" dirty="0" err="1"/>
+              <a:rPr lang="en-US" sz="2400" err="1"/>
               <a:t>szomszédos</a:t>
             </a:r>
             <a:r>
-              <a:rPr lang="en-US" sz="2400" dirty="0"/>
+              <a:rPr lang="en-US" sz="2400"/>
               <a:t> </a:t>
             </a:r>
             <a:r>
-              <a:rPr lang="en-US" sz="2400" dirty="0" err="1"/>
+              <a:rPr lang="en-US" sz="2400" err="1"/>
               <a:t>kereszteződések</a:t>
             </a:r>
             <a:r>
-              <a:rPr lang="en-US" sz="2400" dirty="0"/>
+              <a:rPr lang="en-US" sz="2400"/>
               <a:t> </a:t>
             </a:r>
             <a:r>
-              <a:rPr lang="en-US" sz="2400" dirty="0" err="1"/>
+              <a:rPr lang="en-US" sz="2400" err="1"/>
               <a:t>jelzőlámpáinak</a:t>
             </a:r>
             <a:r>
-              <a:rPr lang="en-US" sz="2400" dirty="0"/>
+              <a:rPr lang="en-US" sz="2400"/>
               <a:t> </a:t>
             </a:r>
             <a:r>
-              <a:rPr lang="en-US" sz="2400" dirty="0" err="1"/>
+              <a:rPr lang="en-US" sz="2400" err="1"/>
               <a:t>összehangolására</a:t>
             </a:r>
           </a:p>
           <a:p>
             <a:pPr marL="342900" indent="-342900"/>
             <a:r>
-              <a:rPr lang="en-US" sz="2400" dirty="0"/>
+              <a:rPr lang="en-US" sz="2400"/>
               <a:t>Az </a:t>
             </a:r>
             <a:r>
-              <a:rPr lang="en-US" sz="2400" dirty="0" err="1"/>
+              <a:rPr lang="en-US" sz="2400" err="1"/>
               <a:t>összehangoló</a:t>
             </a:r>
             <a:r>
-              <a:rPr lang="en-US" sz="2400" dirty="0"/>
+              <a:rPr lang="en-US" sz="2400"/>
               <a:t> fuzzy </a:t>
             </a:r>
             <a:r>
-              <a:rPr lang="en-US" sz="2400" dirty="0" err="1"/>
+              <a:rPr lang="en-US" sz="2400" err="1"/>
               <a:t>szabályozót</a:t>
             </a:r>
             <a:r>
-              <a:rPr lang="en-US" sz="2400" dirty="0"/>
+              <a:rPr lang="en-US" sz="2400"/>
               <a:t> is </a:t>
             </a:r>
             <a:r>
-              <a:rPr lang="en-US" sz="2400" dirty="0" err="1"/>
+              <a:rPr lang="en-US" sz="2400" err="1"/>
               <a:t>beleépítettük</a:t>
             </a:r>
             <a:r>
-              <a:rPr lang="en-US" sz="2400" dirty="0"/>
+              <a:rPr lang="en-US" sz="2400"/>
               <a:t> a </a:t>
             </a:r>
             <a:r>
-              <a:rPr lang="en-US" sz="2400" dirty="0" err="1"/>
+              <a:rPr lang="en-US" sz="2400" err="1"/>
               <a:t>szimulációba</a:t>
             </a:r>
-            <a:endParaRPr lang="en-US" sz="2400" dirty="0"/>
+            <a:endParaRPr lang="en-US" sz="2400"/>
           </a:p>
           <a:p>
             <a:pPr marL="342900" indent="-342900"/>
@@ -5155,10 +5965,10 @@
           <p:cNvPr id="19" name="Straight Connector 18">
             <a:extLst>
               <a:ext uri="{FF2B5EF4-FFF2-40B4-BE49-F238E27FC236}">
-                <a16:creationId xmlns:a16="http://schemas.microsoft.com/office/drawing/2014/main" id="{6CF1BAF6-AD41-4082-B212-8A1F9A2E8779}"/>
+                <a16:creationId xmlns:a16="http://schemas.microsoft.com/office/drawing/2014/main" xmlns="" id="{6CF1BAF6-AD41-4082-B212-8A1F9A2E8779}"/>
               </a:ext>
               <a:ext uri="{C183D7F6-B498-43B3-948B-1728B52AA6E4}">
-                <adec:decorative xmlns:adec="http://schemas.microsoft.com/office/drawing/2017/decorative" val="1"/>
+                <adec:decorative xmlns:adec="http://schemas.microsoft.com/office/drawing/2017/decorative" xmlns="" val="1"/>
               </a:ext>
             </a:extLst>
           </p:cNvPr>
@@ -5168,7 +5978,7 @@
           <p:nvPr>
             <p:extLst>
               <p:ext uri="{386F3935-93C4-4BCD-93E2-E3B085C9AB24}">
-                <p16:designElem xmlns:p16="http://schemas.microsoft.com/office/powerpoint/2015/main" val="1"/>
+                <p16:designElem xmlns:p16="http://schemas.microsoft.com/office/powerpoint/2015/main" xmlns="" val="1"/>
               </p:ext>
             </p:extLst>
           </p:nvPr>
@@ -5202,52 +6012,6 @@
           </a:fontRef>
         </p:style>
       </p:cxnSp>
-      <p:sp>
-        <p:nvSpPr>
-          <p:cNvPr id="4" name="Date Placeholder 3">
-            <a:extLst>
-              <a:ext uri="{FF2B5EF4-FFF2-40B4-BE49-F238E27FC236}">
-                <a16:creationId xmlns:a16="http://schemas.microsoft.com/office/drawing/2014/main" id="{6034EC1F-E44D-E65E-3C36-0F6287B10634}"/>
-              </a:ext>
-            </a:extLst>
-          </p:cNvPr>
-          <p:cNvSpPr>
-            <a:spLocks noGrp="1"/>
-          </p:cNvSpPr>
-          <p:nvPr>
-            <p:ph type="dt" sz="half" idx="10"/>
-          </p:nvPr>
-        </p:nvSpPr>
-        <p:spPr>
-          <a:xfrm>
-            <a:off x="838200" y="6492240"/>
-            <a:ext cx="2743200" cy="365125"/>
-          </a:xfrm>
-        </p:spPr>
-        <p:txBody>
-          <a:bodyPr>
-            <a:normAutofit/>
-          </a:bodyPr>
-          <a:lstStyle/>
-          <a:p>
-            <a:pPr>
-              <a:spcAft>
-                <a:spcPts val="600"/>
-              </a:spcAft>
-            </a:pPr>
-            <a:fld id="{6231F44D-5BDE-42CC-A72B-05DB9DF41378}" type="datetime1">
-              <a:rPr lang="en-US"/>
-              <a:pPr>
-                <a:spcAft>
-                  <a:spcPts val="600"/>
-                </a:spcAft>
-              </a:pPr>
-              <a:t>7/2/2024</a:t>
-            </a:fld>
-            <a:endParaRPr lang="en-US"/>
-          </a:p>
-        </p:txBody>
-      </p:sp>
     </p:spTree>
     <p:extLst>
       <p:ext uri="{BB962C8B-B14F-4D97-AF65-F5344CB8AC3E}">
@@ -5273,7 +6037,7 @@
 </p:sld>
 </file>
 
-<file path=ppt/slides/slide13.xml><?xml version="1.0" encoding="utf-8"?>
+<file path=ppt/slides/slide15.xml><?xml version="1.0" encoding="utf-8"?>
 <p:sld xmlns:a="http://schemas.openxmlformats.org/drawingml/2006/main" xmlns:r="http://schemas.openxmlformats.org/officeDocument/2006/relationships" xmlns:p="http://schemas.openxmlformats.org/presentationml/2006/main">
   <p:cSld>
     <p:bg>
@@ -5303,10 +6067,10 @@
           <p:cNvPr id="9" name="Rectangle 8">
             <a:extLst>
               <a:ext uri="{FF2B5EF4-FFF2-40B4-BE49-F238E27FC236}">
-                <a16:creationId xmlns:a16="http://schemas.microsoft.com/office/drawing/2014/main" id="{4DA718D0-4865-4629-8134-44F68D41D574}"/>
+                <a16:creationId xmlns:a16="http://schemas.microsoft.com/office/drawing/2014/main" xmlns="" id="{4DA718D0-4865-4629-8134-44F68D41D574}"/>
               </a:ext>
               <a:ext uri="{C183D7F6-B498-43B3-948B-1728B52AA6E4}">
-                <adec:decorative xmlns:adec="http://schemas.microsoft.com/office/drawing/2017/decorative" val="1"/>
+                <adec:decorative xmlns:adec="http://schemas.microsoft.com/office/drawing/2017/decorative" xmlns="" val="1"/>
               </a:ext>
             </a:extLst>
           </p:cNvPr>
@@ -5316,7 +6080,7 @@
           <p:nvPr>
             <p:extLst>
               <p:ext uri="{386F3935-93C4-4BCD-93E2-E3B085C9AB24}">
-                <p16:designElem xmlns:p16="http://schemas.microsoft.com/office/powerpoint/2015/main" val="1"/>
+                <p16:designElem xmlns:p16="http://schemas.microsoft.com/office/powerpoint/2015/main" xmlns="" val="1"/>
               </p:ext>
             </p:extLst>
           </p:nvPr>
@@ -5363,10 +6127,10 @@
           <p:cNvPr id="11" name="Group 10">
             <a:extLst>
               <a:ext uri="{FF2B5EF4-FFF2-40B4-BE49-F238E27FC236}">
-                <a16:creationId xmlns:a16="http://schemas.microsoft.com/office/drawing/2014/main" id="{65167ED7-6315-43AB-B1B6-C326D5FD8F84}"/>
+                <a16:creationId xmlns:a16="http://schemas.microsoft.com/office/drawing/2014/main" xmlns="" id="{65167ED7-6315-43AB-B1B6-C326D5FD8F84}"/>
               </a:ext>
               <a:ext uri="{C183D7F6-B498-43B3-948B-1728B52AA6E4}">
-                <adec:decorative xmlns:adec="http://schemas.microsoft.com/office/drawing/2017/decorative" val="1"/>
+                <adec:decorative xmlns:adec="http://schemas.microsoft.com/office/drawing/2017/decorative" xmlns="" val="1"/>
               </a:ext>
             </a:extLst>
           </p:cNvPr>
@@ -5376,7 +6140,7 @@
           <p:nvPr>
             <p:extLst>
               <p:ext uri="{386F3935-93C4-4BCD-93E2-E3B085C9AB24}">
-                <p16:designElem xmlns:p16="http://schemas.microsoft.com/office/powerpoint/2015/main" val="1"/>
+                <p16:designElem xmlns:p16="http://schemas.microsoft.com/office/powerpoint/2015/main" xmlns="" val="1"/>
               </p:ext>
             </p:extLst>
           </p:nvPr>
@@ -5397,10 +6161,10 @@
             <p:cNvPr id="12" name="Rectangle 11">
               <a:extLst>
                 <a:ext uri="{FF2B5EF4-FFF2-40B4-BE49-F238E27FC236}">
-                  <a16:creationId xmlns:a16="http://schemas.microsoft.com/office/drawing/2014/main" id="{EF4D8839-FB03-487D-ACC8-8BFEDD4FEBAE}"/>
+                  <a16:creationId xmlns:a16="http://schemas.microsoft.com/office/drawing/2014/main" xmlns="" id="{EF4D8839-FB03-487D-ACC8-8BFEDD4FEBAE}"/>
                 </a:ext>
                 <a:ext uri="{C183D7F6-B498-43B3-948B-1728B52AA6E4}">
-                  <adec:decorative xmlns:adec="http://schemas.microsoft.com/office/drawing/2017/decorative" val="1"/>
+                  <adec:decorative xmlns:adec="http://schemas.microsoft.com/office/drawing/2017/decorative" xmlns="" val="1"/>
                 </a:ext>
               </a:extLst>
             </p:cNvPr>
@@ -5408,7 +6172,7 @@
             <p:nvPr>
               <p:extLst>
                 <p:ext uri="{386F3935-93C4-4BCD-93E2-E3B085C9AB24}">
-                  <p16:designElem xmlns:p16="http://schemas.microsoft.com/office/powerpoint/2015/main" val="1"/>
+                  <p16:designElem xmlns:p16="http://schemas.microsoft.com/office/powerpoint/2015/main" xmlns="" val="1"/>
                 </p:ext>
               </p:extLst>
             </p:nvPr>
@@ -5456,10 +6220,10 @@
             <p:cNvPr id="13" name="Rectangle 12">
               <a:extLst>
                 <a:ext uri="{FF2B5EF4-FFF2-40B4-BE49-F238E27FC236}">
-                  <a16:creationId xmlns:a16="http://schemas.microsoft.com/office/drawing/2014/main" id="{0EF75023-9A3B-42FC-B704-61A8F7BEF415}"/>
+                  <a16:creationId xmlns:a16="http://schemas.microsoft.com/office/drawing/2014/main" xmlns="" id="{0EF75023-9A3B-42FC-B704-61A8F7BEF415}"/>
                 </a:ext>
                 <a:ext uri="{C183D7F6-B498-43B3-948B-1728B52AA6E4}">
-                  <adec:decorative xmlns:adec="http://schemas.microsoft.com/office/drawing/2017/decorative" val="1"/>
+                  <adec:decorative xmlns:adec="http://schemas.microsoft.com/office/drawing/2017/decorative" xmlns="" val="1"/>
                 </a:ext>
               </a:extLst>
             </p:cNvPr>
@@ -5467,7 +6231,7 @@
             <p:nvPr>
               <p:extLst>
                 <p:ext uri="{386F3935-93C4-4BCD-93E2-E3B085C9AB24}">
-                  <p16:designElem xmlns:p16="http://schemas.microsoft.com/office/powerpoint/2015/main" val="1"/>
+                  <p16:designElem xmlns:p16="http://schemas.microsoft.com/office/powerpoint/2015/main" xmlns="" val="1"/>
                 </p:ext>
               </p:extLst>
             </p:nvPr>
@@ -5516,10 +6280,10 @@
           <p:cNvPr id="15" name="Rectangle 14">
             <a:extLst>
               <a:ext uri="{FF2B5EF4-FFF2-40B4-BE49-F238E27FC236}">
-                <a16:creationId xmlns:a16="http://schemas.microsoft.com/office/drawing/2014/main" id="{CBC4F608-B4B8-48C3-9572-C0F061B1CD99}"/>
+                <a16:creationId xmlns:a16="http://schemas.microsoft.com/office/drawing/2014/main" xmlns="" id="{CBC4F608-B4B8-48C3-9572-C0F061B1CD99}"/>
               </a:ext>
               <a:ext uri="{C183D7F6-B498-43B3-948B-1728B52AA6E4}">
-                <adec:decorative xmlns:adec="http://schemas.microsoft.com/office/drawing/2017/decorative" val="1"/>
+                <adec:decorative xmlns:adec="http://schemas.microsoft.com/office/drawing/2017/decorative" xmlns="" val="1"/>
               </a:ext>
             </a:extLst>
           </p:cNvPr>
@@ -5529,7 +6293,7 @@
           <p:nvPr>
             <p:extLst>
               <p:ext uri="{386F3935-93C4-4BCD-93E2-E3B085C9AB24}">
-                <p16:designElem xmlns:p16="http://schemas.microsoft.com/office/powerpoint/2015/main" val="1"/>
+                <p16:designElem xmlns:p16="http://schemas.microsoft.com/office/powerpoint/2015/main" xmlns="" val="1"/>
               </p:ext>
             </p:extLst>
           </p:nvPr>
@@ -5586,7 +6350,7 @@
           <p:cNvPr id="2" name="Title 1">
             <a:extLst>
               <a:ext uri="{FF2B5EF4-FFF2-40B4-BE49-F238E27FC236}">
-                <a16:creationId xmlns:a16="http://schemas.microsoft.com/office/drawing/2014/main" id="{643354DA-28E7-BA6F-D7B5-119006AA7C0F}"/>
+                <a16:creationId xmlns:a16="http://schemas.microsoft.com/office/drawing/2014/main" xmlns="" id="{643354DA-28E7-BA6F-D7B5-119006AA7C0F}"/>
               </a:ext>
             </a:extLst>
           </p:cNvPr>
@@ -5614,7 +6378,7 @@
               <a:t>Továbbfejlesztési</a:t>
             </a:r>
             <a:r>
-              <a:rPr lang="en-US" sz="4400" dirty="0"/>
+              <a:rPr lang="en-US" sz="4400"/>
               <a:t> </a:t>
             </a:r>
             <a:r>
@@ -5630,7 +6394,7 @@
           <p:cNvPr id="3" name="Content Placeholder 2">
             <a:extLst>
               <a:ext uri="{FF2B5EF4-FFF2-40B4-BE49-F238E27FC236}">
-                <a16:creationId xmlns:a16="http://schemas.microsoft.com/office/drawing/2014/main" id="{3A2A8F7A-F0CD-3E6E-4EA1-753B0E8A25EF}"/>
+                <a16:creationId xmlns:a16="http://schemas.microsoft.com/office/drawing/2014/main" xmlns="" id="{3A2A8F7A-F0CD-3E6E-4EA1-753B0E8A25EF}"/>
               </a:ext>
             </a:extLst>
           </p:cNvPr>
@@ -5655,75 +6419,33 @@
           <a:p>
             <a:r>
               <a:rPr lang="hu" sz="2400" dirty="0">
-                <a:latin typeface="Times New Roman"/>
+                <a:latin typeface="Neue Haas Grotesk Text Pro"/>
                 <a:cs typeface="Times New Roman"/>
               </a:rPr>
               <a:t>A város összes jelzőlámpával irányított kereszteződésének irányítása fuzzy szabályozással</a:t>
             </a:r>
+            <a:endParaRPr lang="en-US" sz="2400">
+              <a:latin typeface="Neue Haas Grotesk Text Pro"/>
+              <a:cs typeface="Times New Roman"/>
+            </a:endParaRPr>
           </a:p>
           <a:p>
             <a:r>
               <a:rPr lang="hu" sz="2400" dirty="0">
-                <a:latin typeface="Times New Roman"/>
+                <a:latin typeface="Neue Haas Grotesk Text Pro"/>
                 <a:cs typeface="Times New Roman"/>
               </a:rPr>
-              <a:t>Hosszabb területen zöldhullám kialakítása</a:t>
+              <a:t>FVDAM modell segítségével modell prediktív irányítással irányítani a jelzőlámpákat</a:t>
             </a:r>
           </a:p>
           <a:p>
             <a:r>
               <a:rPr lang="hu" sz="2400" dirty="0">
-                <a:latin typeface="Times New Roman"/>
+                <a:latin typeface="Neue Haas Grotesk Text Pro"/>
                 <a:cs typeface="Times New Roman"/>
               </a:rPr>
-              <a:t>Több zöldhullám effektus létrehozása, akár több irányba is</a:t>
-            </a:r>
-          </a:p>
-        </p:txBody>
-      </p:sp>
-      <p:sp>
-        <p:nvSpPr>
-          <p:cNvPr id="4" name="Date Placeholder 3">
-            <a:extLst>
-              <a:ext uri="{FF2B5EF4-FFF2-40B4-BE49-F238E27FC236}">
-                <a16:creationId xmlns:a16="http://schemas.microsoft.com/office/drawing/2014/main" id="{C44DFAFD-26D2-925F-63FD-929D5D5D56FD}"/>
-              </a:ext>
-            </a:extLst>
-          </p:cNvPr>
-          <p:cNvSpPr>
-            <a:spLocks noGrp="1"/>
-          </p:cNvSpPr>
-          <p:nvPr>
-            <p:ph type="dt" sz="half" idx="10"/>
-          </p:nvPr>
-        </p:nvSpPr>
-        <p:spPr>
-          <a:xfrm>
-            <a:off x="1282962" y="6492240"/>
-            <a:ext cx="2298437" cy="365125"/>
-          </a:xfrm>
-        </p:spPr>
-        <p:txBody>
-          <a:bodyPr>
-            <a:normAutofit/>
-          </a:bodyPr>
-          <a:lstStyle/>
-          <a:p>
-            <a:pPr>
-              <a:spcAft>
-                <a:spcPts val="600"/>
-              </a:spcAft>
-            </a:pPr>
-            <a:fld id="{2B3DC0BC-1244-45CC-9790-E1D0BF2A1F2D}" type="datetime1">
-              <a:rPr lang="en-US"/>
-              <a:pPr>
-                <a:spcAft>
-                  <a:spcPts val="600"/>
-                </a:spcAft>
-              </a:pPr>
-              <a:t>7/2/2024</a:t>
-            </a:fld>
-            <a:endParaRPr lang="en-US"/>
+              <a:t>Hosszabb útvonalon zöldhullám effektus létrehozása, akár több irányban egyidejűleg</a:t>
+            </a:r>
           </a:p>
         </p:txBody>
       </p:sp>
@@ -5752,7 +6474,7 @@
 </p:sld>
 </file>
 
-<file path=ppt/slides/slide14.xml><?xml version="1.0" encoding="utf-8"?>
+<file path=ppt/slides/slide16.xml><?xml version="1.0" encoding="utf-8"?>
 <p:sld xmlns:a="http://schemas.openxmlformats.org/drawingml/2006/main" xmlns:r="http://schemas.openxmlformats.org/officeDocument/2006/relationships" xmlns:p="http://schemas.openxmlformats.org/presentationml/2006/main">
   <p:cSld>
     <p:bg>
@@ -5782,10 +6504,10 @@
           <p:cNvPr id="30" name="Rectangle 29">
             <a:extLst>
               <a:ext uri="{FF2B5EF4-FFF2-40B4-BE49-F238E27FC236}">
-                <a16:creationId xmlns:a16="http://schemas.microsoft.com/office/drawing/2014/main" id="{ECC07320-C2CA-4E29-8481-9D9E143C7788}"/>
+                <a16:creationId xmlns:a16="http://schemas.microsoft.com/office/drawing/2014/main" xmlns="" id="{ECC07320-C2CA-4E29-8481-9D9E143C7788}"/>
               </a:ext>
               <a:ext uri="{C183D7F6-B498-43B3-948B-1728B52AA6E4}">
-                <adec:decorative xmlns:adec="http://schemas.microsoft.com/office/drawing/2017/decorative" val="1"/>
+                <adec:decorative xmlns:adec="http://schemas.microsoft.com/office/drawing/2017/decorative" xmlns="" val="1"/>
               </a:ext>
             </a:extLst>
           </p:cNvPr>
@@ -5795,7 +6517,7 @@
           <p:nvPr>
             <p:extLst>
               <p:ext uri="{386F3935-93C4-4BCD-93E2-E3B085C9AB24}">
-                <p16:designElem xmlns:p16="http://schemas.microsoft.com/office/powerpoint/2015/main" val="1"/>
+                <p16:designElem xmlns:p16="http://schemas.microsoft.com/office/powerpoint/2015/main" xmlns="" val="1"/>
               </p:ext>
             </p:extLst>
           </p:nvPr>
@@ -5842,7 +6564,7 @@
           <p:cNvPr id="21" name="Picture 20" descr="Cars on a road with trees and bushes&#10;&#10;Description automatically generated">
             <a:extLst>
               <a:ext uri="{FF2B5EF4-FFF2-40B4-BE49-F238E27FC236}">
-                <a16:creationId xmlns:a16="http://schemas.microsoft.com/office/drawing/2014/main" id="{AA5AECE1-BADA-163E-9FA4-D35D0F67092F}"/>
+                <a16:creationId xmlns:a16="http://schemas.microsoft.com/office/drawing/2014/main" xmlns="" id="{AA5AECE1-BADA-163E-9FA4-D35D0F67092F}"/>
               </a:ext>
             </a:extLst>
           </p:cNvPr>
@@ -5871,10 +6593,10 @@
           <p:cNvPr id="32" name="Rectangle 31">
             <a:extLst>
               <a:ext uri="{FF2B5EF4-FFF2-40B4-BE49-F238E27FC236}">
-                <a16:creationId xmlns:a16="http://schemas.microsoft.com/office/drawing/2014/main" id="{178FB36B-5BFE-42CA-BC60-1115E0D95EEC}"/>
+                <a16:creationId xmlns:a16="http://schemas.microsoft.com/office/drawing/2014/main" xmlns="" id="{178FB36B-5BFE-42CA-BC60-1115E0D95EEC}"/>
               </a:ext>
               <a:ext uri="{C183D7F6-B498-43B3-948B-1728B52AA6E4}">
-                <adec:decorative xmlns:adec="http://schemas.microsoft.com/office/drawing/2017/decorative" val="1"/>
+                <adec:decorative xmlns:adec="http://schemas.microsoft.com/office/drawing/2017/decorative" xmlns="" val="1"/>
               </a:ext>
             </a:extLst>
           </p:cNvPr>
@@ -5884,7 +6606,7 @@
           <p:nvPr>
             <p:extLst>
               <p:ext uri="{386F3935-93C4-4BCD-93E2-E3B085C9AB24}">
-                <p16:designElem xmlns:p16="http://schemas.microsoft.com/office/powerpoint/2015/main" val="1"/>
+                <p16:designElem xmlns:p16="http://schemas.microsoft.com/office/powerpoint/2015/main" xmlns="" val="1"/>
               </p:ext>
             </p:extLst>
           </p:nvPr>
@@ -5948,7 +6670,7 @@
           <a:lstStyle/>
           <a:p>
             <a:pPr algn="ctr"/>
-            <a:endParaRPr lang="en-US" dirty="0"/>
+            <a:endParaRPr lang="en-US"/>
           </a:p>
         </p:txBody>
       </p:sp>
@@ -5957,7 +6679,7 @@
           <p:cNvPr id="2" name="Title 1">
             <a:extLst>
               <a:ext uri="{FF2B5EF4-FFF2-40B4-BE49-F238E27FC236}">
-                <a16:creationId xmlns:a16="http://schemas.microsoft.com/office/drawing/2014/main" id="{355D5E05-2E3B-FA97-1DFD-201FA3F9470F}"/>
+                <a16:creationId xmlns:a16="http://schemas.microsoft.com/office/drawing/2014/main" xmlns="" id="{355D5E05-2E3B-FA97-1DFD-201FA3F9470F}"/>
               </a:ext>
             </a:extLst>
           </p:cNvPr>
@@ -5982,91 +6704,29 @@
           <a:lstStyle/>
           <a:p>
             <a:r>
-              <a:rPr lang="en-US" sz="5400" dirty="0" err="1"/>
+              <a:rPr lang="en-US" sz="5400" err="1"/>
               <a:t>Köszönöm</a:t>
             </a:r>
             <a:r>
-              <a:rPr lang="en-US" sz="5400" dirty="0"/>
+              <a:rPr lang="en-US" sz="5400"/>
               <a:t> a </a:t>
             </a:r>
             <a:r>
-              <a:rPr lang="en-US" sz="5400" dirty="0" err="1"/>
+              <a:rPr lang="en-US" sz="5400" err="1"/>
               <a:t>megtisztelő</a:t>
             </a:r>
             <a:r>
-              <a:rPr lang="en-US" sz="5400" dirty="0"/>
+              <a:rPr lang="en-US" sz="5400"/>
               <a:t> </a:t>
             </a:r>
             <a:r>
-              <a:rPr lang="en-US" sz="5400" dirty="0" err="1"/>
+              <a:rPr lang="en-US" sz="5400" err="1"/>
               <a:t>figyelmet</a:t>
             </a:r>
             <a:r>
-              <a:rPr lang="en-US" sz="5400" dirty="0"/>
+              <a:rPr lang="en-US" sz="5400"/>
               <a:t>!</a:t>
             </a:r>
-          </a:p>
-        </p:txBody>
-      </p:sp>
-      <p:sp>
-        <p:nvSpPr>
-          <p:cNvPr id="3" name="Date Placeholder 2">
-            <a:extLst>
-              <a:ext uri="{FF2B5EF4-FFF2-40B4-BE49-F238E27FC236}">
-                <a16:creationId xmlns:a16="http://schemas.microsoft.com/office/drawing/2014/main" id="{9B611C42-4DB9-843B-2B7D-6CC5127D8653}"/>
-              </a:ext>
-            </a:extLst>
-          </p:cNvPr>
-          <p:cNvSpPr>
-            <a:spLocks noGrp="1"/>
-          </p:cNvSpPr>
-          <p:nvPr>
-            <p:ph type="dt" sz="half" idx="10"/>
-          </p:nvPr>
-        </p:nvSpPr>
-        <p:spPr>
-          <a:xfrm>
-            <a:off x="838200" y="6356350"/>
-            <a:ext cx="2156946" cy="365125"/>
-          </a:xfrm>
-        </p:spPr>
-        <p:txBody>
-          <a:bodyPr vert="horz" lIns="91440" tIns="45720" rIns="91440" bIns="45720" rtlCol="0" anchor="ctr">
-            <a:normAutofit/>
-          </a:bodyPr>
-          <a:lstStyle/>
-          <a:p>
-            <a:pPr>
-              <a:spcAft>
-                <a:spcPts val="600"/>
-              </a:spcAft>
-              <a:defRPr/>
-            </a:pPr>
-            <a:fld id="{544E1AB8-E05F-44DF-A08A-110B45E11A3B}" type="datetime1">
-              <a:rPr lang="en-US" sz="1200">
-                <a:solidFill>
-                  <a:prstClr val="black">
-                    <a:tint val="75000"/>
-                  </a:prstClr>
-                </a:solidFill>
-                <a:latin typeface="Calibri" panose="020F0502020204030204"/>
-              </a:rPr>
-              <a:pPr>
-                <a:spcAft>
-                  <a:spcPts val="600"/>
-                </a:spcAft>
-                <a:defRPr/>
-              </a:pPr>
-              <a:t>7/2/2024</a:t>
-            </a:fld>
-            <a:endParaRPr lang="en-US" sz="1200">
-              <a:solidFill>
-                <a:prstClr val="black">
-                  <a:tint val="75000"/>
-                </a:prstClr>
-              </a:solidFill>
-              <a:latin typeface="Calibri" panose="020F0502020204030204"/>
-            </a:endParaRPr>
           </a:p>
         </p:txBody>
       </p:sp>
@@ -6080,18 +6740,9 @@
   <p:clrMapOvr>
     <a:masterClrMapping/>
   </p:clrMapOvr>
-  <mc:AlternateContent xmlns:mc="http://schemas.openxmlformats.org/markup-compatibility/2006" xmlns:p15="http://schemas.microsoft.com/office/powerpoint/2012/main">
-    <mc:Choice Requires="p15">
-      <p:transition xmlns:p14="http://schemas.microsoft.com/office/powerpoint/2010/main" spd="slow" p14:dur="1250">
-        <p15:prstTrans prst="airplane"/>
-      </p:transition>
-    </mc:Choice>
-    <mc:Fallback xmlns="">
-      <p:transition spd="slow">
-        <p:fade/>
-      </p:transition>
-    </mc:Fallback>
-  </mc:AlternateContent>
+  <p:transition spd="slow">
+    <p:fade/>
+  </p:transition>
 </p:sld>
 </file>
 
@@ -6125,10 +6776,10 @@
           <p:cNvPr id="24" name="Rectangle 23">
             <a:extLst>
               <a:ext uri="{FF2B5EF4-FFF2-40B4-BE49-F238E27FC236}">
-                <a16:creationId xmlns:a16="http://schemas.microsoft.com/office/drawing/2014/main" id="{100EDD19-6802-4EC3-95CE-CFFAB042CFD6}"/>
+                <a16:creationId xmlns:a16="http://schemas.microsoft.com/office/drawing/2014/main" xmlns="" id="{100EDD19-6802-4EC3-95CE-CFFAB042CFD6}"/>
               </a:ext>
               <a:ext uri="{C183D7F6-B498-43B3-948B-1728B52AA6E4}">
-                <adec:decorative xmlns:adec="http://schemas.microsoft.com/office/drawing/2017/decorative" val="1"/>
+                <adec:decorative xmlns:adec="http://schemas.microsoft.com/office/drawing/2017/decorative" xmlns="" val="1"/>
               </a:ext>
             </a:extLst>
           </p:cNvPr>
@@ -6138,7 +6789,7 @@
           <p:nvPr>
             <p:extLst>
               <p:ext uri="{386F3935-93C4-4BCD-93E2-E3B085C9AB24}">
-                <p16:designElem xmlns:p16="http://schemas.microsoft.com/office/powerpoint/2015/main" val="1"/>
+                <p16:designElem xmlns:p16="http://schemas.microsoft.com/office/powerpoint/2015/main" xmlns="" val="1"/>
               </p:ext>
             </p:extLst>
           </p:nvPr>
@@ -6185,7 +6836,7 @@
           <p:cNvPr id="2" name="Title 1">
             <a:extLst>
               <a:ext uri="{FF2B5EF4-FFF2-40B4-BE49-F238E27FC236}">
-                <a16:creationId xmlns:a16="http://schemas.microsoft.com/office/drawing/2014/main" id="{F0DFF847-BF0F-D083-D8D7-2EACE5765518}"/>
+                <a16:creationId xmlns:a16="http://schemas.microsoft.com/office/drawing/2014/main" xmlns="" id="{F0DFF847-BF0F-D083-D8D7-2EACE5765518}"/>
               </a:ext>
             </a:extLst>
           </p:cNvPr>
@@ -6221,10 +6872,10 @@
           <p:cNvPr id="25" name="sketch line">
             <a:extLst>
               <a:ext uri="{FF2B5EF4-FFF2-40B4-BE49-F238E27FC236}">
-                <a16:creationId xmlns:a16="http://schemas.microsoft.com/office/drawing/2014/main" id="{DB17E863-922E-4C26-BD64-E8FD41D28661}"/>
+                <a16:creationId xmlns:a16="http://schemas.microsoft.com/office/drawing/2014/main" xmlns="" id="{DB17E863-922E-4C26-BD64-E8FD41D28661}"/>
               </a:ext>
               <a:ext uri="{C183D7F6-B498-43B3-948B-1728B52AA6E4}">
-                <adec:decorative xmlns:adec="http://schemas.microsoft.com/office/drawing/2017/decorative" val="1"/>
+                <adec:decorative xmlns:adec="http://schemas.microsoft.com/office/drawing/2017/decorative" xmlns="" val="1"/>
               </a:ext>
             </a:extLst>
           </p:cNvPr>
@@ -6234,7 +6885,7 @@
           <p:nvPr>
             <p:extLst>
               <p:ext uri="{386F3935-93C4-4BCD-93E2-E3B085C9AB24}">
-                <p16:designElem xmlns:p16="http://schemas.microsoft.com/office/powerpoint/2015/main" val="1"/>
+                <p16:designElem xmlns:p16="http://schemas.microsoft.com/office/powerpoint/2015/main" xmlns="" val="1"/>
               </p:ext>
             </p:extLst>
           </p:nvPr>
@@ -6817,7 +7468,7 @@
             <a:round/>
             <a:extLst>
               <a:ext uri="{C807C97D-BFC1-408E-A445-0C87EB9F89A2}">
-                <ask:lineSketchStyleProps xmlns:ask="http://schemas.microsoft.com/office/drawing/2018/sketchyshapes" sd="1219033472">
+                <ask:lineSketchStyleProps xmlns:ask="http://schemas.microsoft.com/office/drawing/2018/sketchyshapes" xmlns="" sd="1219033472">
                   <a:prstGeom prst="rect">
                     <a:avLst/>
                   </a:prstGeom>
@@ -6859,7 +7510,7 @@
           <p:cNvPr id="3" name="Content Placeholder 2">
             <a:extLst>
               <a:ext uri="{FF2B5EF4-FFF2-40B4-BE49-F238E27FC236}">
-                <a16:creationId xmlns:a16="http://schemas.microsoft.com/office/drawing/2014/main" id="{B166EE36-3FA8-0C5F-A965-8EC67FD54CAD}"/>
+                <a16:creationId xmlns:a16="http://schemas.microsoft.com/office/drawing/2014/main" xmlns="" id="{B166EE36-3FA8-0C5F-A965-8EC67FD54CAD}"/>
               </a:ext>
             </a:extLst>
           </p:cNvPr>
@@ -6878,22 +7529,37 @@
         </p:spPr>
         <p:txBody>
           <a:bodyPr vert="horz" lIns="91440" tIns="45720" rIns="91440" bIns="45720" rtlCol="0" anchor="t">
-            <a:normAutofit/>
+            <a:normAutofit fontScale="92500" lnSpcReduction="10000"/>
           </a:bodyPr>
           <a:lstStyle/>
           <a:p>
             <a:r>
+              <a:rPr lang="en-US" sz="2400" err="1"/>
+              <a:t>Bevezető</a:t>
+            </a:r>
+            <a:endParaRPr lang="en-US" sz="2400"/>
+          </a:p>
+          <a:p>
+            <a:r>
+              <a:rPr lang="en-US" sz="2400" err="1"/>
+              <a:t>Célkitűzések</a:t>
+            </a:r>
+            <a:endParaRPr lang="en-US" sz="2400"/>
+          </a:p>
+          <a:p>
+            <a:r>
               <a:rPr lang="en-US" sz="2400" dirty="0" err="1"/>
-              <a:t>Bevezető</a:t>
-            </a:r>
-            <a:endParaRPr lang="en-US" sz="2400" dirty="0"/>
-          </a:p>
-          <a:p>
+              <a:t>Matematikai</a:t>
+            </a:r>
+            <a:r>
+              <a:rPr lang="en-US" sz="2400" dirty="0"/>
+              <a:t> </a:t>
+            </a:r>
             <a:r>
               <a:rPr lang="en-US" sz="2400" dirty="0" err="1"/>
-              <a:t>Célkitűzések</a:t>
-            </a:r>
-            <a:endParaRPr lang="en-US" sz="2400" dirty="0"/>
+              <a:t>modellezés</a:t>
+            </a:r>
+            <a:endParaRPr lang="en-US" sz="2400"/>
           </a:p>
           <a:p>
             <a:r>
@@ -6966,15 +7632,15 @@
           </a:p>
           <a:p>
             <a:r>
+              <a:rPr lang="en-US" sz="2400" err="1"/>
+              <a:t>Mérések</a:t>
+            </a:r>
+            <a:endParaRPr lang="en-US" sz="2400"/>
+          </a:p>
+          <a:p>
+            <a:r>
               <a:rPr lang="en-US" sz="2400" dirty="0" err="1"/>
-              <a:t>Mérések</a:t>
-            </a:r>
-            <a:endParaRPr lang="en-US" sz="2400" dirty="0"/>
-          </a:p>
-          <a:p>
-            <a:r>
-              <a:rPr lang="en-US" sz="2400" dirty="0" err="1"/>
-              <a:t>Következtetés</a:t>
+              <a:t>Következtetések</a:t>
             </a:r>
           </a:p>
         </p:txBody>
@@ -7025,10 +7691,10 @@
           <p:cNvPr id="11" name="Rectangle 10">
             <a:extLst>
               <a:ext uri="{FF2B5EF4-FFF2-40B4-BE49-F238E27FC236}">
-                <a16:creationId xmlns:a16="http://schemas.microsoft.com/office/drawing/2014/main" id="{B6CDA21F-E7AF-4C75-8395-33F58D5B0E45}"/>
+                <a16:creationId xmlns:a16="http://schemas.microsoft.com/office/drawing/2014/main" xmlns="" id="{B6CDA21F-E7AF-4C75-8395-33F58D5B0E45}"/>
               </a:ext>
               <a:ext uri="{C183D7F6-B498-43B3-948B-1728B52AA6E4}">
-                <adec:decorative xmlns:adec="http://schemas.microsoft.com/office/drawing/2017/decorative" val="1"/>
+                <adec:decorative xmlns:adec="http://schemas.microsoft.com/office/drawing/2017/decorative" xmlns="" val="1"/>
               </a:ext>
             </a:extLst>
           </p:cNvPr>
@@ -7038,7 +7704,7 @@
           <p:nvPr>
             <p:extLst>
               <p:ext uri="{386F3935-93C4-4BCD-93E2-E3B085C9AB24}">
-                <p16:designElem xmlns:p16="http://schemas.microsoft.com/office/powerpoint/2015/main" val="1"/>
+                <p16:designElem xmlns:p16="http://schemas.microsoft.com/office/powerpoint/2015/main" xmlns="" val="1"/>
               </p:ext>
             </p:extLst>
           </p:nvPr>
@@ -7085,10 +7751,10 @@
           <p:cNvPr id="13" name="Group 12">
             <a:extLst>
               <a:ext uri="{FF2B5EF4-FFF2-40B4-BE49-F238E27FC236}">
-                <a16:creationId xmlns:a16="http://schemas.microsoft.com/office/drawing/2014/main" id="{AE1C45F0-260A-458C-96ED-C1F6D2151219}"/>
+                <a16:creationId xmlns:a16="http://schemas.microsoft.com/office/drawing/2014/main" xmlns="" id="{AE1C45F0-260A-458C-96ED-C1F6D2151219}"/>
               </a:ext>
               <a:ext uri="{C183D7F6-B498-43B3-948B-1728B52AA6E4}">
-                <adec:decorative xmlns:adec="http://schemas.microsoft.com/office/drawing/2017/decorative" val="1"/>
+                <adec:decorative xmlns:adec="http://schemas.microsoft.com/office/drawing/2017/decorative" xmlns="" val="1"/>
               </a:ext>
             </a:extLst>
           </p:cNvPr>
@@ -7098,7 +7764,7 @@
           <p:nvPr>
             <p:extLst>
               <p:ext uri="{386F3935-93C4-4BCD-93E2-E3B085C9AB24}">
-                <p16:designElem xmlns:p16="http://schemas.microsoft.com/office/powerpoint/2015/main" val="1"/>
+                <p16:designElem xmlns:p16="http://schemas.microsoft.com/office/powerpoint/2015/main" xmlns="" val="1"/>
               </p:ext>
             </p:extLst>
           </p:nvPr>
@@ -7119,10 +7785,10 @@
             <p:cNvPr id="14" name="Rectangle 13">
               <a:extLst>
                 <a:ext uri="{FF2B5EF4-FFF2-40B4-BE49-F238E27FC236}">
-                  <a16:creationId xmlns:a16="http://schemas.microsoft.com/office/drawing/2014/main" id="{A6604B49-AD5C-4590-B051-06C8222ECD99}"/>
+                  <a16:creationId xmlns:a16="http://schemas.microsoft.com/office/drawing/2014/main" xmlns="" id="{A6604B49-AD5C-4590-B051-06C8222ECD99}"/>
                 </a:ext>
                 <a:ext uri="{C183D7F6-B498-43B3-948B-1728B52AA6E4}">
-                  <adec:decorative xmlns:adec="http://schemas.microsoft.com/office/drawing/2017/decorative" val="1"/>
+                  <adec:decorative xmlns:adec="http://schemas.microsoft.com/office/drawing/2017/decorative" xmlns="" val="1"/>
                 </a:ext>
               </a:extLst>
             </p:cNvPr>
@@ -7130,7 +7796,7 @@
             <p:nvPr>
               <p:extLst>
                 <p:ext uri="{386F3935-93C4-4BCD-93E2-E3B085C9AB24}">
-                  <p16:designElem xmlns:p16="http://schemas.microsoft.com/office/powerpoint/2015/main" val="1"/>
+                  <p16:designElem xmlns:p16="http://schemas.microsoft.com/office/powerpoint/2015/main" xmlns="" val="1"/>
                 </p:ext>
               </p:extLst>
             </p:nvPr>
@@ -7178,10 +7844,10 @@
             <p:cNvPr id="15" name="Rectangle 14">
               <a:extLst>
                 <a:ext uri="{FF2B5EF4-FFF2-40B4-BE49-F238E27FC236}">
-                  <a16:creationId xmlns:a16="http://schemas.microsoft.com/office/drawing/2014/main" id="{743ECCAF-29C5-4537-947C-7EA1292463DB}"/>
+                  <a16:creationId xmlns:a16="http://schemas.microsoft.com/office/drawing/2014/main" xmlns="" id="{743ECCAF-29C5-4537-947C-7EA1292463DB}"/>
                 </a:ext>
                 <a:ext uri="{C183D7F6-B498-43B3-948B-1728B52AA6E4}">
-                  <adec:decorative xmlns:adec="http://schemas.microsoft.com/office/drawing/2017/decorative" val="1"/>
+                  <adec:decorative xmlns:adec="http://schemas.microsoft.com/office/drawing/2017/decorative" xmlns="" val="1"/>
                 </a:ext>
               </a:extLst>
             </p:cNvPr>
@@ -7189,7 +7855,7 @@
             <p:nvPr>
               <p:extLst>
                 <p:ext uri="{386F3935-93C4-4BCD-93E2-E3B085C9AB24}">
-                  <p16:designElem xmlns:p16="http://schemas.microsoft.com/office/powerpoint/2015/main" val="1"/>
+                  <p16:designElem xmlns:p16="http://schemas.microsoft.com/office/powerpoint/2015/main" xmlns="" val="1"/>
                 </p:ext>
               </p:extLst>
             </p:nvPr>
@@ -7237,10 +7903,10 @@
             <p:cNvPr id="16" name="Rectangle 15">
               <a:extLst>
                 <a:ext uri="{FF2B5EF4-FFF2-40B4-BE49-F238E27FC236}">
-                  <a16:creationId xmlns:a16="http://schemas.microsoft.com/office/drawing/2014/main" id="{ED49787B-8DE6-4467-AD0A-8DECC6E0C2D6}"/>
+                  <a16:creationId xmlns:a16="http://schemas.microsoft.com/office/drawing/2014/main" xmlns="" id="{ED49787B-8DE6-4467-AD0A-8DECC6E0C2D6}"/>
                 </a:ext>
                 <a:ext uri="{C183D7F6-B498-43B3-948B-1728B52AA6E4}">
-                  <adec:decorative xmlns:adec="http://schemas.microsoft.com/office/drawing/2017/decorative" val="1"/>
+                  <adec:decorative xmlns:adec="http://schemas.microsoft.com/office/drawing/2017/decorative" xmlns="" val="1"/>
                 </a:ext>
               </a:extLst>
             </p:cNvPr>
@@ -7248,7 +7914,7 @@
             <p:nvPr>
               <p:extLst>
                 <p:ext uri="{386F3935-93C4-4BCD-93E2-E3B085C9AB24}">
-                  <p16:designElem xmlns:p16="http://schemas.microsoft.com/office/powerpoint/2015/main" val="1"/>
+                  <p16:designElem xmlns:p16="http://schemas.microsoft.com/office/powerpoint/2015/main" xmlns="" val="1"/>
                 </p:ext>
               </p:extLst>
             </p:nvPr>
@@ -7297,10 +7963,10 @@
           <p:cNvPr id="18" name="Rectangle 17">
             <a:extLst>
               <a:ext uri="{FF2B5EF4-FFF2-40B4-BE49-F238E27FC236}">
-                <a16:creationId xmlns:a16="http://schemas.microsoft.com/office/drawing/2014/main" id="{D5B0017B-2ECA-49AF-B397-DC140825DF8D}"/>
+                <a16:creationId xmlns:a16="http://schemas.microsoft.com/office/drawing/2014/main" xmlns="" id="{D5B0017B-2ECA-49AF-B397-DC140825DF8D}"/>
               </a:ext>
               <a:ext uri="{C183D7F6-B498-43B3-948B-1728B52AA6E4}">
-                <adec:decorative xmlns:adec="http://schemas.microsoft.com/office/drawing/2017/decorative" val="1"/>
+                <adec:decorative xmlns:adec="http://schemas.microsoft.com/office/drawing/2017/decorative" xmlns="" val="1"/>
               </a:ext>
             </a:extLst>
           </p:cNvPr>
@@ -7310,7 +7976,7 @@
           <p:nvPr>
             <p:extLst>
               <p:ext uri="{386F3935-93C4-4BCD-93E2-E3B085C9AB24}">
-                <p16:designElem xmlns:p16="http://schemas.microsoft.com/office/powerpoint/2015/main" val="1"/>
+                <p16:designElem xmlns:p16="http://schemas.microsoft.com/office/powerpoint/2015/main" xmlns="" val="1"/>
               </p:ext>
             </p:extLst>
           </p:nvPr>
@@ -7367,7 +8033,7 @@
           <p:cNvPr id="2" name="Title 1">
             <a:extLst>
               <a:ext uri="{FF2B5EF4-FFF2-40B4-BE49-F238E27FC236}">
-                <a16:creationId xmlns:a16="http://schemas.microsoft.com/office/drawing/2014/main" id="{C87E4D8C-F023-35A7-013A-8F375B6F7F11}"/>
+                <a16:creationId xmlns:a16="http://schemas.microsoft.com/office/drawing/2014/main" xmlns="" id="{C87E4D8C-F023-35A7-013A-8F375B6F7F11}"/>
               </a:ext>
             </a:extLst>
           </p:cNvPr>
@@ -7391,13 +8057,13 @@
           <a:lstStyle/>
           <a:p>
             <a:r>
-              <a:rPr lang="en-US" sz="4400" dirty="0" err="1">
+              <a:rPr lang="en-US" sz="4400" err="1">
                 <a:ea typeface="+mj-lt"/>
                 <a:cs typeface="+mj-lt"/>
               </a:rPr>
               <a:t>Bevezető</a:t>
             </a:r>
-            <a:endParaRPr lang="en-US" sz="4000" dirty="0" err="1"/>
+            <a:endParaRPr lang="en-US" sz="4000" err="1"/>
           </a:p>
         </p:txBody>
       </p:sp>
@@ -7406,7 +8072,7 @@
           <p:cNvPr id="3" name="Content Placeholder 2">
             <a:extLst>
               <a:ext uri="{FF2B5EF4-FFF2-40B4-BE49-F238E27FC236}">
-                <a16:creationId xmlns:a16="http://schemas.microsoft.com/office/drawing/2014/main" id="{F539E1A2-B915-A463-D018-E90266D0032A}"/>
+                <a16:creationId xmlns:a16="http://schemas.microsoft.com/office/drawing/2014/main" xmlns="" id="{F539E1A2-B915-A463-D018-E90266D0032A}"/>
               </a:ext>
             </a:extLst>
           </p:cNvPr>
@@ -7437,18 +8103,18 @@
               <a:buChar char="•"/>
             </a:pPr>
             <a:r>
-              <a:rPr lang="en-US" sz="2400" dirty="0" err="1"/>
+              <a:rPr lang="en-US" sz="2400" err="1"/>
               <a:t>Utak</a:t>
             </a:r>
             <a:r>
-              <a:rPr lang="en-US" sz="2400" dirty="0"/>
+              <a:rPr lang="en-US" sz="2400"/>
               <a:t> </a:t>
             </a:r>
             <a:r>
-              <a:rPr lang="en-US" sz="2400" dirty="0" err="1"/>
+              <a:rPr lang="en-US" sz="2400" err="1"/>
               <a:t>lényege</a:t>
             </a:r>
-            <a:endParaRPr lang="en-US" sz="2400" dirty="0"/>
+            <a:endParaRPr lang="en-US" sz="2400"/>
           </a:p>
           <a:p>
             <a:pPr>
@@ -7459,26 +8125,26 @@
               <a:buChar char="•"/>
             </a:pPr>
             <a:r>
-              <a:rPr lang="en-US" sz="2400" dirty="0" err="1"/>
+              <a:rPr lang="en-US" sz="2400" err="1"/>
               <a:t>Forgalmi</a:t>
             </a:r>
             <a:r>
-              <a:rPr lang="en-US" sz="2400" dirty="0"/>
+              <a:rPr lang="en-US" sz="2400"/>
               <a:t> </a:t>
             </a:r>
             <a:r>
-              <a:rPr lang="en-US" sz="2400" dirty="0" err="1"/>
+              <a:rPr lang="en-US" sz="2400" err="1"/>
               <a:t>dugók</a:t>
             </a:r>
             <a:r>
-              <a:rPr lang="en-US" sz="2400" dirty="0"/>
+              <a:rPr lang="en-US" sz="2400"/>
               <a:t> </a:t>
             </a:r>
             <a:r>
-              <a:rPr lang="en-US" sz="2400" dirty="0" err="1"/>
+              <a:rPr lang="en-US" sz="2400" err="1"/>
               <a:t>kialakulása</a:t>
             </a:r>
-            <a:endParaRPr lang="en-US" sz="2400" dirty="0"/>
+            <a:endParaRPr lang="en-US" sz="2400"/>
           </a:p>
           <a:p>
             <a:pPr>
@@ -7489,22 +8155,22 @@
               <a:buChar char="•"/>
             </a:pPr>
             <a:r>
-              <a:rPr lang="en-US" sz="2400" dirty="0"/>
+              <a:rPr lang="en-US" sz="2400"/>
               <a:t>Fix </a:t>
             </a:r>
             <a:r>
-              <a:rPr lang="en-US" sz="2400" dirty="0" err="1"/>
+              <a:rPr lang="en-US" sz="2400" err="1"/>
               <a:t>időzítésű</a:t>
             </a:r>
             <a:r>
-              <a:rPr lang="en-US" sz="2400" dirty="0"/>
+              <a:rPr lang="en-US" sz="2400"/>
               <a:t> </a:t>
             </a:r>
             <a:r>
-              <a:rPr lang="en-US" sz="2400" dirty="0" err="1"/>
+              <a:rPr lang="en-US" sz="2400" err="1"/>
               <a:t>jelzőlámpák</a:t>
             </a:r>
-            <a:endParaRPr lang="en-US" sz="2400" dirty="0"/>
+            <a:endParaRPr lang="en-US" sz="2400"/>
           </a:p>
           <a:p>
             <a:pPr>
@@ -7515,23 +8181,23 @@
               <a:buChar char="•"/>
             </a:pPr>
             <a:r>
-              <a:rPr lang="en-US" sz="2400" dirty="0" err="1"/>
+              <a:rPr lang="en-US" sz="2400" err="1"/>
               <a:t>Intelligens</a:t>
             </a:r>
             <a:r>
-              <a:rPr lang="en-US" sz="2400" dirty="0"/>
+              <a:rPr lang="en-US" sz="2400"/>
               <a:t> </a:t>
             </a:r>
             <a:r>
-              <a:rPr lang="en-US" sz="2400" dirty="0" err="1"/>
+              <a:rPr lang="en-US" sz="2400" err="1"/>
               <a:t>forgalomirányító</a:t>
             </a:r>
             <a:r>
-              <a:rPr lang="en-US" sz="2400" dirty="0"/>
+              <a:rPr lang="en-US" sz="2400"/>
               <a:t> </a:t>
             </a:r>
             <a:r>
-              <a:rPr lang="en-US" sz="2400" dirty="0" err="1"/>
+              <a:rPr lang="en-US" sz="2400" err="1"/>
               <a:t>rendszerek</a:t>
             </a:r>
             <a:endParaRPr lang="en-US" sz="2400"/>
@@ -7543,10 +8209,10 @@
           <p:cNvPr id="20" name="Straight Connector 19">
             <a:extLst>
               <a:ext uri="{FF2B5EF4-FFF2-40B4-BE49-F238E27FC236}">
-                <a16:creationId xmlns:a16="http://schemas.microsoft.com/office/drawing/2014/main" id="{6CF1BAF6-AD41-4082-B212-8A1F9A2E8779}"/>
+                <a16:creationId xmlns:a16="http://schemas.microsoft.com/office/drawing/2014/main" xmlns="" id="{6CF1BAF6-AD41-4082-B212-8A1F9A2E8779}"/>
               </a:ext>
               <a:ext uri="{C183D7F6-B498-43B3-948B-1728B52AA6E4}">
-                <adec:decorative xmlns:adec="http://schemas.microsoft.com/office/drawing/2017/decorative" val="1"/>
+                <adec:decorative xmlns:adec="http://schemas.microsoft.com/office/drawing/2017/decorative" xmlns="" val="1"/>
               </a:ext>
             </a:extLst>
           </p:cNvPr>
@@ -7556,7 +8222,7 @@
           <p:nvPr>
             <p:extLst>
               <p:ext uri="{386F3935-93C4-4BCD-93E2-E3B085C9AB24}">
-                <p16:designElem xmlns:p16="http://schemas.microsoft.com/office/powerpoint/2015/main" val="1"/>
+                <p16:designElem xmlns:p16="http://schemas.microsoft.com/office/powerpoint/2015/main" xmlns="" val="1"/>
               </p:ext>
             </p:extLst>
           </p:nvPr>
@@ -7590,51 +8256,6 @@
           </a:fontRef>
         </p:style>
       </p:cxnSp>
-      <p:sp>
-        <p:nvSpPr>
-          <p:cNvPr id="4" name="Date Placeholder 3">
-            <a:extLst>
-              <a:ext uri="{FF2B5EF4-FFF2-40B4-BE49-F238E27FC236}">
-                <a16:creationId xmlns:a16="http://schemas.microsoft.com/office/drawing/2014/main" id="{5491747A-3B14-BE61-68F3-A4DD8989B6FB}"/>
-              </a:ext>
-            </a:extLst>
-          </p:cNvPr>
-          <p:cNvSpPr>
-            <a:spLocks noGrp="1"/>
-          </p:cNvSpPr>
-          <p:nvPr>
-            <p:ph type="dt" sz="half" idx="10"/>
-          </p:nvPr>
-        </p:nvSpPr>
-        <p:spPr>
-          <a:xfrm>
-            <a:off x="838200" y="6492240"/>
-            <a:ext cx="2743200" cy="365125"/>
-          </a:xfrm>
-        </p:spPr>
-        <p:txBody>
-          <a:bodyPr>
-            <a:normAutofit/>
-          </a:bodyPr>
-          <a:lstStyle/>
-          <a:p>
-            <a:pPr>
-              <a:spcAft>
-                <a:spcPts val="600"/>
-              </a:spcAft>
-            </a:pPr>
-            <a:fld id="{531B412C-DAFE-43F0-BBCB-9908DFDABA1A}" type="datetime1">
-              <a:pPr>
-                <a:spcAft>
-                  <a:spcPts val="600"/>
-                </a:spcAft>
-              </a:pPr>
-              <a:t>7/2/2024</a:t>
-            </a:fld>
-            <a:endParaRPr lang="en-US"/>
-          </a:p>
-        </p:txBody>
-      </p:sp>
     </p:spTree>
     <p:extLst>
       <p:ext uri="{BB962C8B-B14F-4D97-AF65-F5344CB8AC3E}">
@@ -7681,10 +8302,10 @@
           <p:cNvPr id="11" name="Rectangle 10">
             <a:extLst>
               <a:ext uri="{FF2B5EF4-FFF2-40B4-BE49-F238E27FC236}">
-                <a16:creationId xmlns:a16="http://schemas.microsoft.com/office/drawing/2014/main" id="{B6CDA21F-E7AF-4C75-8395-33F58D5B0E45}"/>
+                <a16:creationId xmlns:a16="http://schemas.microsoft.com/office/drawing/2014/main" xmlns="" id="{B6CDA21F-E7AF-4C75-8395-33F58D5B0E45}"/>
               </a:ext>
               <a:ext uri="{C183D7F6-B498-43B3-948B-1728B52AA6E4}">
-                <adec:decorative xmlns:adec="http://schemas.microsoft.com/office/drawing/2017/decorative" val="1"/>
+                <adec:decorative xmlns:adec="http://schemas.microsoft.com/office/drawing/2017/decorative" xmlns="" val="1"/>
               </a:ext>
             </a:extLst>
           </p:cNvPr>
@@ -7694,7 +8315,7 @@
           <p:nvPr>
             <p:extLst>
               <p:ext uri="{386F3935-93C4-4BCD-93E2-E3B085C9AB24}">
-                <p16:designElem xmlns:p16="http://schemas.microsoft.com/office/powerpoint/2015/main" val="1"/>
+                <p16:designElem xmlns:p16="http://schemas.microsoft.com/office/powerpoint/2015/main" xmlns="" val="1"/>
               </p:ext>
             </p:extLst>
           </p:nvPr>
@@ -7741,10 +8362,10 @@
           <p:cNvPr id="13" name="Group 12">
             <a:extLst>
               <a:ext uri="{FF2B5EF4-FFF2-40B4-BE49-F238E27FC236}">
-                <a16:creationId xmlns:a16="http://schemas.microsoft.com/office/drawing/2014/main" id="{AE1C45F0-260A-458C-96ED-C1F6D2151219}"/>
+                <a16:creationId xmlns:a16="http://schemas.microsoft.com/office/drawing/2014/main" xmlns="" id="{AE1C45F0-260A-458C-96ED-C1F6D2151219}"/>
               </a:ext>
               <a:ext uri="{C183D7F6-B498-43B3-948B-1728B52AA6E4}">
-                <adec:decorative xmlns:adec="http://schemas.microsoft.com/office/drawing/2017/decorative" val="1"/>
+                <adec:decorative xmlns:adec="http://schemas.microsoft.com/office/drawing/2017/decorative" xmlns="" val="1"/>
               </a:ext>
             </a:extLst>
           </p:cNvPr>
@@ -7754,7 +8375,7 @@
           <p:nvPr>
             <p:extLst>
               <p:ext uri="{386F3935-93C4-4BCD-93E2-E3B085C9AB24}">
-                <p16:designElem xmlns:p16="http://schemas.microsoft.com/office/powerpoint/2015/main" val="1"/>
+                <p16:designElem xmlns:p16="http://schemas.microsoft.com/office/powerpoint/2015/main" xmlns="" val="1"/>
               </p:ext>
             </p:extLst>
           </p:nvPr>
@@ -7775,10 +8396,10 @@
             <p:cNvPr id="14" name="Rectangle 13">
               <a:extLst>
                 <a:ext uri="{FF2B5EF4-FFF2-40B4-BE49-F238E27FC236}">
-                  <a16:creationId xmlns:a16="http://schemas.microsoft.com/office/drawing/2014/main" id="{A6604B49-AD5C-4590-B051-06C8222ECD99}"/>
+                  <a16:creationId xmlns:a16="http://schemas.microsoft.com/office/drawing/2014/main" xmlns="" id="{A6604B49-AD5C-4590-B051-06C8222ECD99}"/>
                 </a:ext>
                 <a:ext uri="{C183D7F6-B498-43B3-948B-1728B52AA6E4}">
-                  <adec:decorative xmlns:adec="http://schemas.microsoft.com/office/drawing/2017/decorative" val="1"/>
+                  <adec:decorative xmlns:adec="http://schemas.microsoft.com/office/drawing/2017/decorative" xmlns="" val="1"/>
                 </a:ext>
               </a:extLst>
             </p:cNvPr>
@@ -7786,7 +8407,7 @@
             <p:nvPr>
               <p:extLst>
                 <p:ext uri="{386F3935-93C4-4BCD-93E2-E3B085C9AB24}">
-                  <p16:designElem xmlns:p16="http://schemas.microsoft.com/office/powerpoint/2015/main" val="1"/>
+                  <p16:designElem xmlns:p16="http://schemas.microsoft.com/office/powerpoint/2015/main" xmlns="" val="1"/>
                 </p:ext>
               </p:extLst>
             </p:nvPr>
@@ -7834,10 +8455,10 @@
             <p:cNvPr id="15" name="Rectangle 14">
               <a:extLst>
                 <a:ext uri="{FF2B5EF4-FFF2-40B4-BE49-F238E27FC236}">
-                  <a16:creationId xmlns:a16="http://schemas.microsoft.com/office/drawing/2014/main" id="{743ECCAF-29C5-4537-947C-7EA1292463DB}"/>
+                  <a16:creationId xmlns:a16="http://schemas.microsoft.com/office/drawing/2014/main" xmlns="" id="{743ECCAF-29C5-4537-947C-7EA1292463DB}"/>
                 </a:ext>
                 <a:ext uri="{C183D7F6-B498-43B3-948B-1728B52AA6E4}">
-                  <adec:decorative xmlns:adec="http://schemas.microsoft.com/office/drawing/2017/decorative" val="1"/>
+                  <adec:decorative xmlns:adec="http://schemas.microsoft.com/office/drawing/2017/decorative" xmlns="" val="1"/>
                 </a:ext>
               </a:extLst>
             </p:cNvPr>
@@ -7845,7 +8466,7 @@
             <p:nvPr>
               <p:extLst>
                 <p:ext uri="{386F3935-93C4-4BCD-93E2-E3B085C9AB24}">
-                  <p16:designElem xmlns:p16="http://schemas.microsoft.com/office/powerpoint/2015/main" val="1"/>
+                  <p16:designElem xmlns:p16="http://schemas.microsoft.com/office/powerpoint/2015/main" xmlns="" val="1"/>
                 </p:ext>
               </p:extLst>
             </p:nvPr>
@@ -7893,10 +8514,10 @@
             <p:cNvPr id="16" name="Rectangle 15">
               <a:extLst>
                 <a:ext uri="{FF2B5EF4-FFF2-40B4-BE49-F238E27FC236}">
-                  <a16:creationId xmlns:a16="http://schemas.microsoft.com/office/drawing/2014/main" id="{ED49787B-8DE6-4467-AD0A-8DECC6E0C2D6}"/>
+                  <a16:creationId xmlns:a16="http://schemas.microsoft.com/office/drawing/2014/main" xmlns="" id="{ED49787B-8DE6-4467-AD0A-8DECC6E0C2D6}"/>
                 </a:ext>
                 <a:ext uri="{C183D7F6-B498-43B3-948B-1728B52AA6E4}">
-                  <adec:decorative xmlns:adec="http://schemas.microsoft.com/office/drawing/2017/decorative" val="1"/>
+                  <adec:decorative xmlns:adec="http://schemas.microsoft.com/office/drawing/2017/decorative" xmlns="" val="1"/>
                 </a:ext>
               </a:extLst>
             </p:cNvPr>
@@ -7904,7 +8525,7 @@
             <p:nvPr>
               <p:extLst>
                 <p:ext uri="{386F3935-93C4-4BCD-93E2-E3B085C9AB24}">
-                  <p16:designElem xmlns:p16="http://schemas.microsoft.com/office/powerpoint/2015/main" val="1"/>
+                  <p16:designElem xmlns:p16="http://schemas.microsoft.com/office/powerpoint/2015/main" xmlns="" val="1"/>
                 </p:ext>
               </p:extLst>
             </p:nvPr>
@@ -7953,10 +8574,10 @@
           <p:cNvPr id="18" name="Rectangle 17">
             <a:extLst>
               <a:ext uri="{FF2B5EF4-FFF2-40B4-BE49-F238E27FC236}">
-                <a16:creationId xmlns:a16="http://schemas.microsoft.com/office/drawing/2014/main" id="{D5B0017B-2ECA-49AF-B397-DC140825DF8D}"/>
+                <a16:creationId xmlns:a16="http://schemas.microsoft.com/office/drawing/2014/main" xmlns="" id="{D5B0017B-2ECA-49AF-B397-DC140825DF8D}"/>
               </a:ext>
               <a:ext uri="{C183D7F6-B498-43B3-948B-1728B52AA6E4}">
-                <adec:decorative xmlns:adec="http://schemas.microsoft.com/office/drawing/2017/decorative" val="1"/>
+                <adec:decorative xmlns:adec="http://schemas.microsoft.com/office/drawing/2017/decorative" xmlns="" val="1"/>
               </a:ext>
             </a:extLst>
           </p:cNvPr>
@@ -7966,7 +8587,7 @@
           <p:nvPr>
             <p:extLst>
               <p:ext uri="{386F3935-93C4-4BCD-93E2-E3B085C9AB24}">
-                <p16:designElem xmlns:p16="http://schemas.microsoft.com/office/powerpoint/2015/main" val="1"/>
+                <p16:designElem xmlns:p16="http://schemas.microsoft.com/office/powerpoint/2015/main" xmlns="" val="1"/>
               </p:ext>
             </p:extLst>
           </p:nvPr>
@@ -8023,7 +8644,7 @@
           <p:cNvPr id="2" name="Title 1">
             <a:extLst>
               <a:ext uri="{FF2B5EF4-FFF2-40B4-BE49-F238E27FC236}">
-                <a16:creationId xmlns:a16="http://schemas.microsoft.com/office/drawing/2014/main" id="{178F7FCA-15F0-E146-DE11-0D0DFBBE067E}"/>
+                <a16:creationId xmlns:a16="http://schemas.microsoft.com/office/drawing/2014/main" xmlns="" id="{178F7FCA-15F0-E146-DE11-0D0DFBBE067E}"/>
               </a:ext>
             </a:extLst>
           </p:cNvPr>
@@ -8061,7 +8682,7 @@
           <p:cNvPr id="3" name="Content Placeholder 2">
             <a:extLst>
               <a:ext uri="{FF2B5EF4-FFF2-40B4-BE49-F238E27FC236}">
-                <a16:creationId xmlns:a16="http://schemas.microsoft.com/office/drawing/2014/main" id="{363A4FD9-FF3E-CB1A-FC26-756482F6EF42}"/>
+                <a16:creationId xmlns:a16="http://schemas.microsoft.com/office/drawing/2014/main" xmlns="" id="{363A4FD9-FF3E-CB1A-FC26-756482F6EF42}"/>
               </a:ext>
             </a:extLst>
           </p:cNvPr>
@@ -8089,7 +8710,7 @@
               <a:t>Torlódások</a:t>
             </a:r>
             <a:r>
-              <a:rPr lang="en-US" sz="2400" dirty="0"/>
+              <a:rPr lang="en-US" sz="2400"/>
               <a:t> </a:t>
             </a:r>
             <a:r>
@@ -8097,7 +8718,7 @@
               <a:t>elkerülése</a:t>
             </a:r>
             <a:r>
-              <a:rPr lang="en-US" sz="2400" dirty="0"/>
+              <a:rPr lang="en-US" sz="2400"/>
               <a:t> </a:t>
             </a:r>
             <a:r>
@@ -8105,7 +8726,7 @@
               <a:t>és</a:t>
             </a:r>
             <a:r>
-              <a:rPr lang="en-US" sz="2400" dirty="0"/>
+              <a:rPr lang="en-US" sz="2400"/>
               <a:t> </a:t>
             </a:r>
             <a:r>
@@ -8120,7 +8741,7 @@
               <a:t>Forgalom</a:t>
             </a:r>
             <a:r>
-              <a:rPr lang="en-US" sz="2400" dirty="0"/>
+              <a:rPr lang="en-US" sz="2400"/>
               <a:t> </a:t>
             </a:r>
             <a:r>
@@ -8128,7 +8749,7 @@
               <a:t>megfelelő</a:t>
             </a:r>
             <a:r>
-              <a:rPr lang="en-US" sz="2400" dirty="0"/>
+              <a:rPr lang="en-US" sz="2400"/>
               <a:t> </a:t>
             </a:r>
             <a:r>
@@ -8136,7 +8757,7 @@
               <a:t>irányítása</a:t>
             </a:r>
             <a:r>
-              <a:rPr lang="en-US" sz="2400" dirty="0"/>
+              <a:rPr lang="en-US" sz="2400"/>
               <a:t> </a:t>
             </a:r>
             <a:r>
@@ -8144,7 +8765,7 @@
               <a:t>nagy</a:t>
             </a:r>
             <a:r>
-              <a:rPr lang="en-US" sz="2400" dirty="0"/>
+              <a:rPr lang="en-US" sz="2400"/>
               <a:t> </a:t>
             </a:r>
             <a:r>
@@ -8152,7 +8773,7 @@
               <a:t>és</a:t>
             </a:r>
             <a:r>
-              <a:rPr lang="en-US" sz="2400" dirty="0"/>
+              <a:rPr lang="en-US" sz="2400"/>
               <a:t> </a:t>
             </a:r>
             <a:r>
@@ -8160,7 +8781,7 @@
               <a:t>kis</a:t>
             </a:r>
             <a:r>
-              <a:rPr lang="en-US" sz="2400" dirty="0"/>
+              <a:rPr lang="en-US" sz="2400"/>
               <a:t> </a:t>
             </a:r>
             <a:r>
@@ -8168,7 +8789,7 @@
               <a:t>forgalom</a:t>
             </a:r>
             <a:r>
-              <a:rPr lang="en-US" sz="2400" dirty="0"/>
+              <a:rPr lang="en-US" sz="2400"/>
               <a:t> </a:t>
             </a:r>
             <a:r>
@@ -8176,7 +8797,7 @@
               <a:t>esetén</a:t>
             </a:r>
             <a:r>
-              <a:rPr lang="en-US" sz="2400" dirty="0"/>
+              <a:rPr lang="en-US" sz="2400"/>
               <a:t> is</a:t>
             </a:r>
           </a:p>
@@ -8186,7 +8807,7 @@
               <a:t>Zöldhullám</a:t>
             </a:r>
             <a:r>
-              <a:rPr lang="en-US" sz="2400" dirty="0"/>
+              <a:rPr lang="en-US" sz="2400"/>
               <a:t> </a:t>
             </a:r>
             <a:r>
@@ -8201,7 +8822,7 @@
               <a:t>Elkerülő</a:t>
             </a:r>
             <a:r>
-              <a:rPr lang="en-US" sz="2400" dirty="0"/>
+              <a:rPr lang="en-US" sz="2400"/>
               <a:t> </a:t>
             </a:r>
             <a:r>
@@ -8209,7 +8830,7 @@
               <a:t>utak</a:t>
             </a:r>
             <a:r>
-              <a:rPr lang="en-US" sz="2400" dirty="0"/>
+              <a:rPr lang="en-US" sz="2400"/>
               <a:t> </a:t>
             </a:r>
             <a:r>
@@ -8237,10 +8858,10 @@
           <p:cNvPr id="20" name="Straight Connector 19">
             <a:extLst>
               <a:ext uri="{FF2B5EF4-FFF2-40B4-BE49-F238E27FC236}">
-                <a16:creationId xmlns:a16="http://schemas.microsoft.com/office/drawing/2014/main" id="{6CF1BAF6-AD41-4082-B212-8A1F9A2E8779}"/>
+                <a16:creationId xmlns:a16="http://schemas.microsoft.com/office/drawing/2014/main" xmlns="" id="{6CF1BAF6-AD41-4082-B212-8A1F9A2E8779}"/>
               </a:ext>
               <a:ext uri="{C183D7F6-B498-43B3-948B-1728B52AA6E4}">
-                <adec:decorative xmlns:adec="http://schemas.microsoft.com/office/drawing/2017/decorative" val="1"/>
+                <adec:decorative xmlns:adec="http://schemas.microsoft.com/office/drawing/2017/decorative" xmlns="" val="1"/>
               </a:ext>
             </a:extLst>
           </p:cNvPr>
@@ -8250,7 +8871,7 @@
           <p:nvPr>
             <p:extLst>
               <p:ext uri="{386F3935-93C4-4BCD-93E2-E3B085C9AB24}">
-                <p16:designElem xmlns:p16="http://schemas.microsoft.com/office/powerpoint/2015/main" val="1"/>
+                <p16:designElem xmlns:p16="http://schemas.microsoft.com/office/powerpoint/2015/main" xmlns="" val="1"/>
               </p:ext>
             </p:extLst>
           </p:nvPr>
@@ -8284,51 +8905,6 @@
           </a:fontRef>
         </p:style>
       </p:cxnSp>
-      <p:sp>
-        <p:nvSpPr>
-          <p:cNvPr id="4" name="Date Placeholder 3">
-            <a:extLst>
-              <a:ext uri="{FF2B5EF4-FFF2-40B4-BE49-F238E27FC236}">
-                <a16:creationId xmlns:a16="http://schemas.microsoft.com/office/drawing/2014/main" id="{9DDA77B0-0A18-A210-DF62-E3D3B1248BCD}"/>
-              </a:ext>
-            </a:extLst>
-          </p:cNvPr>
-          <p:cNvSpPr>
-            <a:spLocks noGrp="1"/>
-          </p:cNvSpPr>
-          <p:nvPr>
-            <p:ph type="dt" sz="half" idx="10"/>
-          </p:nvPr>
-        </p:nvSpPr>
-        <p:spPr>
-          <a:xfrm>
-            <a:off x="838200" y="6492240"/>
-            <a:ext cx="2743200" cy="365125"/>
-          </a:xfrm>
-        </p:spPr>
-        <p:txBody>
-          <a:bodyPr>
-            <a:normAutofit/>
-          </a:bodyPr>
-          <a:lstStyle/>
-          <a:p>
-            <a:pPr>
-              <a:spcAft>
-                <a:spcPts val="600"/>
-              </a:spcAft>
-            </a:pPr>
-            <a:fld id="{579146D4-AB65-4EC8-AD76-71F8B78BABB3}" type="datetime1">
-              <a:pPr>
-                <a:spcAft>
-                  <a:spcPts val="600"/>
-                </a:spcAft>
-              </a:pPr>
-              <a:t>7/2/2024</a:t>
-            </a:fld>
-            <a:endParaRPr lang="en-US"/>
-          </a:p>
-        </p:txBody>
-      </p:sp>
     </p:spTree>
     <p:extLst>
       <p:ext uri="{BB962C8B-B14F-4D97-AF65-F5344CB8AC3E}">
@@ -8357,6 +8933,1325 @@
 <file path=ppt/slides/slide5.xml><?xml version="1.0" encoding="utf-8"?>
 <p:sld xmlns:a="http://schemas.openxmlformats.org/drawingml/2006/main" xmlns:r="http://schemas.openxmlformats.org/officeDocument/2006/relationships" xmlns:p="http://schemas.openxmlformats.org/presentationml/2006/main">
   <p:cSld>
+    <p:spTree>
+      <p:nvGrpSpPr>
+        <p:cNvPr id="1" name=""/>
+        <p:cNvGrpSpPr/>
+        <p:nvPr/>
+      </p:nvGrpSpPr>
+      <p:grpSpPr>
+        <a:xfrm>
+          <a:off x="0" y="0"/>
+          <a:ext cx="0" cy="0"/>
+          <a:chOff x="0" y="0"/>
+          <a:chExt cx="0" cy="0"/>
+        </a:xfrm>
+      </p:grpSpPr>
+      <p:sp>
+        <p:nvSpPr>
+          <p:cNvPr id="2" name="Title 1">
+            <a:extLst>
+              <a:ext uri="{FF2B5EF4-FFF2-40B4-BE49-F238E27FC236}">
+                <a16:creationId xmlns:a16="http://schemas.microsoft.com/office/drawing/2014/main" xmlns="" id="{7F14C5C7-21F8-8EC8-B785-155FCFF134FE}"/>
+              </a:ext>
+            </a:extLst>
+          </p:cNvPr>
+          <p:cNvSpPr>
+            <a:spLocks noGrp="1"/>
+          </p:cNvSpPr>
+          <p:nvPr>
+            <p:ph type="title"/>
+          </p:nvPr>
+        </p:nvSpPr>
+        <p:spPr>
+          <a:xfrm>
+            <a:off x="612648" y="548640"/>
+            <a:ext cx="10653578" cy="672183"/>
+          </a:xfrm>
+        </p:spPr>
+        <p:txBody>
+          <a:bodyPr vert="horz" lIns="91440" tIns="45720" rIns="91440" bIns="45720" rtlCol="0" anchor="t">
+            <a:noAutofit/>
+          </a:bodyPr>
+          <a:lstStyle/>
+          <a:p>
+            <a:r>
+              <a:rPr lang="en-US" sz="4400" dirty="0" err="1">
+                <a:ea typeface="+mj-lt"/>
+                <a:cs typeface="+mj-lt"/>
+              </a:rPr>
+              <a:t>Matematikai</a:t>
+            </a:r>
+            <a:r>
+              <a:rPr lang="en-US" sz="4400" dirty="0">
+                <a:ea typeface="+mj-lt"/>
+                <a:cs typeface="+mj-lt"/>
+              </a:rPr>
+              <a:t> </a:t>
+            </a:r>
+            <a:r>
+              <a:rPr lang="en-US" sz="4400" dirty="0" err="1">
+                <a:ea typeface="+mj-lt"/>
+                <a:cs typeface="+mj-lt"/>
+              </a:rPr>
+              <a:t>modellezés</a:t>
+            </a:r>
+            <a:endParaRPr lang="en-US" sz="4900" dirty="0" err="1"/>
+          </a:p>
+        </p:txBody>
+      </p:sp>
+      <p:pic>
+        <p:nvPicPr>
+          <p:cNvPr id="5" name="Content Placeholder 4">
+            <a:extLst>
+              <a:ext uri="{FF2B5EF4-FFF2-40B4-BE49-F238E27FC236}">
+                <a16:creationId xmlns:a16="http://schemas.microsoft.com/office/drawing/2014/main" xmlns="" id="{2C2B66B2-B28E-2463-CE79-4E05D8EB5A90}"/>
+              </a:ext>
+            </a:extLst>
+          </p:cNvPr>
+          <p:cNvPicPr>
+            <a:picLocks noGrp="1" noChangeAspect="1"/>
+          </p:cNvPicPr>
+          <p:nvPr>
+            <p:ph idx="1"/>
+          </p:nvPr>
+        </p:nvPicPr>
+        <p:blipFill>
+          <a:blip r:embed="rId2"/>
+          <a:stretch>
+            <a:fillRect/>
+          </a:stretch>
+        </p:blipFill>
+        <p:spPr>
+          <a:xfrm>
+            <a:off x="2183351" y="1310940"/>
+            <a:ext cx="3342737" cy="529088"/>
+          </a:xfrm>
+        </p:spPr>
+      </p:pic>
+      <p:sp>
+        <p:nvSpPr>
+          <p:cNvPr id="8" name="TextBox 7">
+            <a:extLst>
+              <a:ext uri="{FF2B5EF4-FFF2-40B4-BE49-F238E27FC236}">
+                <a16:creationId xmlns:a16="http://schemas.microsoft.com/office/drawing/2014/main" xmlns="" id="{05CE481F-5352-14D2-5E6B-7819994BB9B5}"/>
+              </a:ext>
+            </a:extLst>
+          </p:cNvPr>
+          <p:cNvSpPr txBox="1"/>
+          <p:nvPr/>
+        </p:nvSpPr>
+        <p:spPr>
+          <a:xfrm>
+            <a:off x="606404" y="1393007"/>
+            <a:ext cx="1854359" cy="369332"/>
+          </a:xfrm>
+          <a:prstGeom prst="rect">
+            <a:avLst/>
+          </a:prstGeom>
+          <a:noFill/>
+        </p:spPr>
+        <p:txBody>
+          <a:bodyPr rot="0" spcFirstLastPara="0" vertOverflow="overflow" horzOverflow="overflow" vert="horz" wrap="square" lIns="91440" tIns="45720" rIns="91440" bIns="45720" numCol="1" spcCol="0" rtlCol="0" fromWordArt="0" anchor="t" anchorCtr="0" forceAA="0" compatLnSpc="1">
+            <a:prstTxWarp prst="textNoShape">
+              <a:avLst/>
+            </a:prstTxWarp>
+            <a:spAutoFit/>
+          </a:bodyPr>
+          <a:lstStyle/>
+          <a:p>
+            <a:r>
+              <a:rPr lang="en-US" dirty="0"/>
+              <a:t>FVDM </a:t>
+            </a:r>
+            <a:r>
+              <a:rPr lang="en-US" dirty="0" err="1"/>
+              <a:t>modell</a:t>
+            </a:r>
+            <a:r>
+              <a:rPr lang="en-US" dirty="0"/>
+              <a:t>:</a:t>
+            </a:r>
+          </a:p>
+        </p:txBody>
+      </p:sp>
+      <p:pic>
+        <p:nvPicPr>
+          <p:cNvPr id="10" name="Picture 9">
+            <a:extLst>
+              <a:ext uri="{FF2B5EF4-FFF2-40B4-BE49-F238E27FC236}">
+                <a16:creationId xmlns:a16="http://schemas.microsoft.com/office/drawing/2014/main" xmlns="" id="{EFDD63C9-93E0-7A9D-D1F0-32E2ECDC31CB}"/>
+              </a:ext>
+            </a:extLst>
+          </p:cNvPr>
+          <p:cNvPicPr>
+            <a:picLocks noChangeAspect="1"/>
+          </p:cNvPicPr>
+          <p:nvPr/>
+        </p:nvPicPr>
+        <p:blipFill>
+          <a:blip r:embed="rId3"/>
+          <a:stretch>
+            <a:fillRect/>
+          </a:stretch>
+        </p:blipFill>
+        <p:spPr>
+          <a:xfrm>
+            <a:off x="2467063" y="4259114"/>
+            <a:ext cx="4713078" cy="338227"/>
+          </a:xfrm>
+          <a:prstGeom prst="rect">
+            <a:avLst/>
+          </a:prstGeom>
+        </p:spPr>
+      </p:pic>
+      <p:sp>
+        <p:nvSpPr>
+          <p:cNvPr id="11" name="TextBox 10">
+            <a:extLst>
+              <a:ext uri="{FF2B5EF4-FFF2-40B4-BE49-F238E27FC236}">
+                <a16:creationId xmlns:a16="http://schemas.microsoft.com/office/drawing/2014/main" xmlns="" id="{78D9783B-E723-C031-A16C-98D15D087FEE}"/>
+              </a:ext>
+            </a:extLst>
+          </p:cNvPr>
+          <p:cNvSpPr txBox="1"/>
+          <p:nvPr/>
+        </p:nvSpPr>
+        <p:spPr>
+          <a:xfrm>
+            <a:off x="684361" y="4249947"/>
+            <a:ext cx="2743200" cy="369332"/>
+          </a:xfrm>
+          <a:prstGeom prst="rect">
+            <a:avLst/>
+          </a:prstGeom>
+          <a:noFill/>
+        </p:spPr>
+        <p:txBody>
+          <a:bodyPr rot="0" spcFirstLastPara="0" vertOverflow="overflow" horzOverflow="overflow" vert="horz" wrap="square" lIns="91440" tIns="45720" rIns="91440" bIns="45720" numCol="1" spcCol="0" rtlCol="0" fromWordArt="0" anchor="t" anchorCtr="0" forceAA="0" compatLnSpc="1">
+            <a:prstTxWarp prst="textNoShape">
+              <a:avLst/>
+            </a:prstTxWarp>
+            <a:spAutoFit/>
+          </a:bodyPr>
+          <a:lstStyle/>
+          <a:p>
+            <a:r>
+              <a:rPr lang="en-US" dirty="0"/>
+              <a:t>FVDAM </a:t>
+            </a:r>
+            <a:r>
+              <a:rPr lang="en-US" dirty="0" err="1"/>
+              <a:t>modell</a:t>
+            </a:r>
+            <a:r>
+              <a:rPr lang="en-US" dirty="0"/>
+              <a:t>:</a:t>
+            </a:r>
+          </a:p>
+        </p:txBody>
+      </p:sp>
+      <p:sp>
+        <p:nvSpPr>
+          <p:cNvPr id="12" name="TextBox 11">
+            <a:extLst>
+              <a:ext uri="{FF2B5EF4-FFF2-40B4-BE49-F238E27FC236}">
+                <a16:creationId xmlns:a16="http://schemas.microsoft.com/office/drawing/2014/main" xmlns="" id="{1848CA36-2100-9185-512C-F4CDB9FF8175}"/>
+              </a:ext>
+            </a:extLst>
+          </p:cNvPr>
+          <p:cNvSpPr txBox="1"/>
+          <p:nvPr/>
+        </p:nvSpPr>
+        <p:spPr>
+          <a:xfrm>
+            <a:off x="1475115" y="3257909"/>
+            <a:ext cx="3807124" cy="338554"/>
+          </a:xfrm>
+          <a:prstGeom prst="rect">
+            <a:avLst/>
+          </a:prstGeom>
+          <a:noFill/>
+        </p:spPr>
+        <p:txBody>
+          <a:bodyPr rot="0" spcFirstLastPara="0" vertOverflow="overflow" horzOverflow="overflow" vert="horz" wrap="square" lIns="91440" tIns="45720" rIns="91440" bIns="45720" numCol="1" spcCol="0" rtlCol="0" fromWordArt="0" anchor="t" anchorCtr="0" forceAA="0" compatLnSpc="1">
+            <a:prstTxWarp prst="textNoShape">
+              <a:avLst/>
+            </a:prstTxWarp>
+            <a:spAutoFit/>
+          </a:bodyPr>
+          <a:lstStyle/>
+          <a:p>
+            <a:r>
+              <a:rPr lang="hu" sz="1600" dirty="0">
+                <a:ea typeface="+mn-lt"/>
+                <a:cs typeface="+mn-lt"/>
+              </a:rPr>
+              <a:t>→</a:t>
+            </a:r>
+            <a:r>
+              <a:rPr lang="hu" sz="1600" dirty="0"/>
+              <a:t> o</a:t>
+            </a:r>
+            <a:r>
+              <a:rPr lang="en-US" sz="1600" err="1"/>
+              <a:t>ptimális</a:t>
+            </a:r>
+            <a:r>
+              <a:rPr lang="en-US" sz="1600" dirty="0"/>
+              <a:t> </a:t>
+            </a:r>
+            <a:r>
+              <a:rPr lang="en-US" sz="1600" err="1"/>
+              <a:t>sebességfüggvény</a:t>
+            </a:r>
+            <a:endParaRPr lang="en-US" sz="1600"/>
+          </a:p>
+        </p:txBody>
+      </p:sp>
+      <p:pic>
+        <p:nvPicPr>
+          <p:cNvPr id="14" name="Picture 13">
+            <a:extLst>
+              <a:ext uri="{FF2B5EF4-FFF2-40B4-BE49-F238E27FC236}">
+                <a16:creationId xmlns:a16="http://schemas.microsoft.com/office/drawing/2014/main" xmlns="" id="{0D766B60-B96C-91DB-0219-2E698E7FFBE8}"/>
+              </a:ext>
+            </a:extLst>
+          </p:cNvPr>
+          <p:cNvPicPr>
+            <a:picLocks noChangeAspect="1"/>
+          </p:cNvPicPr>
+          <p:nvPr/>
+        </p:nvPicPr>
+        <p:blipFill>
+          <a:blip r:embed="rId4"/>
+          <a:stretch>
+            <a:fillRect/>
+          </a:stretch>
+        </p:blipFill>
+        <p:spPr>
+          <a:xfrm>
+            <a:off x="4362809" y="3266897"/>
+            <a:ext cx="662796" cy="338587"/>
+          </a:xfrm>
+          <a:prstGeom prst="rect">
+            <a:avLst/>
+          </a:prstGeom>
+        </p:spPr>
+      </p:pic>
+      <p:sp>
+        <p:nvSpPr>
+          <p:cNvPr id="15" name="TextBox 14">
+            <a:extLst>
+              <a:ext uri="{FF2B5EF4-FFF2-40B4-BE49-F238E27FC236}">
+                <a16:creationId xmlns:a16="http://schemas.microsoft.com/office/drawing/2014/main" xmlns="" id="{7E4D4625-9EA9-6A1B-B2A6-E7EB0063C5DF}"/>
+              </a:ext>
+            </a:extLst>
+          </p:cNvPr>
+          <p:cNvSpPr txBox="1"/>
+          <p:nvPr/>
+        </p:nvSpPr>
+        <p:spPr>
+          <a:xfrm>
+            <a:off x="4897288" y="3268454"/>
+            <a:ext cx="2559168" cy="338554"/>
+          </a:xfrm>
+          <a:prstGeom prst="rect">
+            <a:avLst/>
+          </a:prstGeom>
+          <a:noFill/>
+        </p:spPr>
+        <p:txBody>
+          <a:bodyPr rot="0" spcFirstLastPara="0" vertOverflow="overflow" horzOverflow="overflow" vert="horz" wrap="square" lIns="91440" tIns="45720" rIns="91440" bIns="45720" numCol="1" spcCol="0" rtlCol="0" fromWordArt="0" anchor="t" anchorCtr="0" forceAA="0" compatLnSpc="1">
+            <a:prstTxWarp prst="textNoShape">
+              <a:avLst/>
+            </a:prstTxWarp>
+            <a:spAutoFit/>
+          </a:bodyPr>
+          <a:lstStyle/>
+          <a:p>
+            <a:r>
+              <a:rPr lang="hu" sz="1600" dirty="0">
+                <a:ea typeface="+mn-lt"/>
+                <a:cs typeface="+mn-lt"/>
+              </a:rPr>
+              <a:t>→</a:t>
+            </a:r>
+            <a:r>
+              <a:rPr lang="en-US" sz="1600" dirty="0"/>
+              <a:t> n-</a:t>
+            </a:r>
+            <a:r>
+              <a:rPr lang="en-US" sz="1600" err="1"/>
+              <a:t>dik</a:t>
+            </a:r>
+            <a:r>
+              <a:rPr lang="en-US" sz="1600" dirty="0"/>
+              <a:t> </a:t>
+            </a:r>
+            <a:r>
+              <a:rPr lang="en-US" sz="1600" err="1"/>
+              <a:t>autó</a:t>
+            </a:r>
+            <a:r>
+              <a:rPr lang="en-US" sz="1600" dirty="0"/>
+              <a:t> </a:t>
+            </a:r>
+            <a:r>
+              <a:rPr lang="en-US" sz="1600" err="1"/>
+              <a:t>gyorsulása</a:t>
+            </a:r>
+            <a:endParaRPr lang="en-US" sz="1600"/>
+          </a:p>
+        </p:txBody>
+      </p:sp>
+      <p:pic>
+        <p:nvPicPr>
+          <p:cNvPr id="20" name="Picture 19">
+            <a:extLst>
+              <a:ext uri="{FF2B5EF4-FFF2-40B4-BE49-F238E27FC236}">
+                <a16:creationId xmlns:a16="http://schemas.microsoft.com/office/drawing/2014/main" xmlns="" id="{C2D2327B-5B1C-8C28-276F-23751373B7A0}"/>
+              </a:ext>
+            </a:extLst>
+          </p:cNvPr>
+          <p:cNvPicPr>
+            <a:picLocks noChangeAspect="1"/>
+          </p:cNvPicPr>
+          <p:nvPr/>
+        </p:nvPicPr>
+        <p:blipFill>
+          <a:blip r:embed="rId5"/>
+          <a:stretch>
+            <a:fillRect/>
+          </a:stretch>
+        </p:blipFill>
+        <p:spPr>
+          <a:xfrm>
+            <a:off x="5929942" y="1393257"/>
+            <a:ext cx="2028645" cy="390884"/>
+          </a:xfrm>
+          <a:prstGeom prst="rect">
+            <a:avLst/>
+          </a:prstGeom>
+        </p:spPr>
+      </p:pic>
+      <p:sp>
+        <p:nvSpPr>
+          <p:cNvPr id="21" name="TextBox 20">
+            <a:extLst>
+              <a:ext uri="{FF2B5EF4-FFF2-40B4-BE49-F238E27FC236}">
+                <a16:creationId xmlns:a16="http://schemas.microsoft.com/office/drawing/2014/main" xmlns="" id="{16AC5E7F-2A6C-1600-81B4-9DDC4187E93B}"/>
+              </a:ext>
+            </a:extLst>
+          </p:cNvPr>
+          <p:cNvSpPr txBox="1"/>
+          <p:nvPr/>
+        </p:nvSpPr>
+        <p:spPr>
+          <a:xfrm>
+            <a:off x="7974040" y="1399396"/>
+            <a:ext cx="4212561" cy="338554"/>
+          </a:xfrm>
+          <a:prstGeom prst="rect">
+            <a:avLst/>
+          </a:prstGeom>
+          <a:noFill/>
+        </p:spPr>
+        <p:txBody>
+          <a:bodyPr rot="0" spcFirstLastPara="0" vertOverflow="overflow" horzOverflow="overflow" vert="horz" wrap="square" lIns="91440" tIns="45720" rIns="91440" bIns="45720" numCol="1" spcCol="0" rtlCol="0" fromWordArt="0" anchor="t" anchorCtr="0" forceAA="0" compatLnSpc="1">
+            <a:prstTxWarp prst="textNoShape">
+              <a:avLst/>
+            </a:prstTxWarp>
+            <a:spAutoFit/>
+          </a:bodyPr>
+          <a:lstStyle/>
+          <a:p>
+            <a:r>
+              <a:rPr lang="hu" sz="1600" dirty="0">
+                <a:ea typeface="+mn-lt"/>
+                <a:cs typeface="+mn-lt"/>
+              </a:rPr>
+              <a:t>→</a:t>
+            </a:r>
+            <a:r>
+              <a:rPr lang="en-US" sz="1600" dirty="0"/>
+              <a:t> (n+1)-</a:t>
+            </a:r>
+            <a:r>
+              <a:rPr lang="en-US" sz="1600" err="1"/>
+              <a:t>dik</a:t>
+            </a:r>
+            <a:r>
+              <a:rPr lang="en-US" sz="1600" dirty="0"/>
+              <a:t> </a:t>
+            </a:r>
+            <a:r>
+              <a:rPr lang="en-US" sz="1600" err="1"/>
+              <a:t>és</a:t>
+            </a:r>
+            <a:r>
+              <a:rPr lang="en-US" sz="1600" dirty="0"/>
+              <a:t> n-</a:t>
+            </a:r>
+            <a:r>
+              <a:rPr lang="en-US" sz="1600" err="1"/>
+              <a:t>dik</a:t>
+            </a:r>
+            <a:r>
+              <a:rPr lang="en-US" sz="1600" dirty="0"/>
+              <a:t> </a:t>
+            </a:r>
+            <a:r>
+              <a:rPr lang="en-US" sz="1600" err="1"/>
+              <a:t>autó</a:t>
+            </a:r>
+            <a:r>
+              <a:rPr lang="en-US" sz="1600" dirty="0"/>
+              <a:t> </a:t>
+            </a:r>
+            <a:r>
+              <a:rPr lang="en-US" sz="1600" err="1"/>
+              <a:t>közötti</a:t>
+            </a:r>
+            <a:r>
+              <a:rPr lang="en-US" sz="1600" dirty="0"/>
+              <a:t> </a:t>
+            </a:r>
+            <a:r>
+              <a:rPr lang="en-US" sz="1600" err="1"/>
+              <a:t>távolság</a:t>
+            </a:r>
+            <a:endParaRPr lang="en-US" sz="1600"/>
+          </a:p>
+        </p:txBody>
+      </p:sp>
+      <p:pic>
+        <p:nvPicPr>
+          <p:cNvPr id="22" name="Picture 21">
+            <a:extLst>
+              <a:ext uri="{FF2B5EF4-FFF2-40B4-BE49-F238E27FC236}">
+                <a16:creationId xmlns:a16="http://schemas.microsoft.com/office/drawing/2014/main" xmlns="" id="{FCB29142-AE8F-92FE-F109-5A1AC214AE49}"/>
+              </a:ext>
+            </a:extLst>
+          </p:cNvPr>
+          <p:cNvPicPr>
+            <a:picLocks noChangeAspect="1"/>
+          </p:cNvPicPr>
+          <p:nvPr/>
+        </p:nvPicPr>
+        <p:blipFill>
+          <a:blip r:embed="rId6"/>
+          <a:stretch>
+            <a:fillRect/>
+          </a:stretch>
+        </p:blipFill>
+        <p:spPr>
+          <a:xfrm>
+            <a:off x="980087" y="2092716"/>
+            <a:ext cx="685261" cy="357816"/>
+          </a:xfrm>
+          <a:prstGeom prst="rect">
+            <a:avLst/>
+          </a:prstGeom>
+        </p:spPr>
+      </p:pic>
+      <p:sp>
+        <p:nvSpPr>
+          <p:cNvPr id="23" name="TextBox 22">
+            <a:extLst>
+              <a:ext uri="{FF2B5EF4-FFF2-40B4-BE49-F238E27FC236}">
+                <a16:creationId xmlns:a16="http://schemas.microsoft.com/office/drawing/2014/main" xmlns="" id="{5980679A-5F75-0BC8-A39E-32D48E42E47C}"/>
+              </a:ext>
+            </a:extLst>
+          </p:cNvPr>
+          <p:cNvSpPr txBox="1"/>
+          <p:nvPr/>
+        </p:nvSpPr>
+        <p:spPr>
+          <a:xfrm>
+            <a:off x="1676759" y="2089510"/>
+            <a:ext cx="2516036" cy="338554"/>
+          </a:xfrm>
+          <a:prstGeom prst="rect">
+            <a:avLst/>
+          </a:prstGeom>
+          <a:noFill/>
+        </p:spPr>
+        <p:txBody>
+          <a:bodyPr rot="0" spcFirstLastPara="0" vertOverflow="overflow" horzOverflow="overflow" vert="horz" wrap="square" lIns="91440" tIns="45720" rIns="91440" bIns="45720" numCol="1" spcCol="0" rtlCol="0" fromWordArt="0" anchor="t" anchorCtr="0" forceAA="0" compatLnSpc="1">
+            <a:prstTxWarp prst="textNoShape">
+              <a:avLst/>
+            </a:prstTxWarp>
+            <a:spAutoFit/>
+          </a:bodyPr>
+          <a:lstStyle/>
+          <a:p>
+            <a:r>
+              <a:rPr lang="hu" sz="1600" dirty="0">
+                <a:ea typeface="+mn-lt"/>
+                <a:cs typeface="+mn-lt"/>
+              </a:rPr>
+              <a:t>→</a:t>
+            </a:r>
+            <a:r>
+              <a:rPr lang="en-US" sz="1600" dirty="0"/>
+              <a:t> </a:t>
+            </a:r>
+            <a:r>
+              <a:rPr lang="en-US" sz="1600" err="1"/>
+              <a:t>vezető</a:t>
+            </a:r>
+            <a:r>
+              <a:rPr lang="en-US" sz="1600" dirty="0"/>
+              <a:t> </a:t>
+            </a:r>
+            <a:r>
+              <a:rPr lang="en-US" sz="1600" err="1"/>
+              <a:t>érzékenysége</a:t>
+            </a:r>
+            <a:endParaRPr lang="en-US" sz="1600"/>
+          </a:p>
+        </p:txBody>
+      </p:sp>
+      <p:sp>
+        <p:nvSpPr>
+          <p:cNvPr id="27" name="TextBox 26">
+            <a:extLst>
+              <a:ext uri="{FF2B5EF4-FFF2-40B4-BE49-F238E27FC236}">
+                <a16:creationId xmlns:a16="http://schemas.microsoft.com/office/drawing/2014/main" xmlns="" id="{2FCDCDA6-75F4-B476-661E-1CEA3B2B6C70}"/>
+              </a:ext>
+            </a:extLst>
+          </p:cNvPr>
+          <p:cNvSpPr txBox="1"/>
+          <p:nvPr/>
+        </p:nvSpPr>
+        <p:spPr>
+          <a:xfrm>
+            <a:off x="4624117" y="2089510"/>
+            <a:ext cx="2501658" cy="338554"/>
+          </a:xfrm>
+          <a:prstGeom prst="rect">
+            <a:avLst/>
+          </a:prstGeom>
+          <a:noFill/>
+        </p:spPr>
+        <p:txBody>
+          <a:bodyPr rot="0" spcFirstLastPara="0" vertOverflow="overflow" horzOverflow="overflow" vert="horz" wrap="square" lIns="91440" tIns="45720" rIns="91440" bIns="45720" numCol="1" spcCol="0" rtlCol="0" fromWordArt="0" anchor="t" anchorCtr="0" forceAA="0" compatLnSpc="1">
+            <a:prstTxWarp prst="textNoShape">
+              <a:avLst/>
+            </a:prstTxWarp>
+            <a:spAutoFit/>
+          </a:bodyPr>
+          <a:lstStyle/>
+          <a:p>
+            <a:r>
+              <a:rPr lang="hu" sz="1600" dirty="0">
+                <a:ea typeface="+mn-lt"/>
+                <a:cs typeface="+mn-lt"/>
+              </a:rPr>
+              <a:t>→</a:t>
+            </a:r>
+            <a:r>
+              <a:rPr lang="en-US" sz="1600" dirty="0"/>
+              <a:t> n-</a:t>
+            </a:r>
+            <a:r>
+              <a:rPr lang="en-US" sz="1600" err="1"/>
+              <a:t>dik</a:t>
+            </a:r>
+            <a:r>
+              <a:rPr lang="en-US" sz="1600" dirty="0"/>
+              <a:t> </a:t>
+            </a:r>
+            <a:r>
+              <a:rPr lang="en-US" sz="1600" err="1"/>
+              <a:t>autó</a:t>
+            </a:r>
+            <a:r>
+              <a:rPr lang="en-US" sz="1600" dirty="0"/>
+              <a:t> </a:t>
+            </a:r>
+            <a:r>
+              <a:rPr lang="en-US" sz="1600" err="1"/>
+              <a:t>sebessége</a:t>
+            </a:r>
+            <a:endParaRPr lang="en-US" sz="1600"/>
+          </a:p>
+        </p:txBody>
+      </p:sp>
+      <p:pic>
+        <p:nvPicPr>
+          <p:cNvPr id="28" name="Picture 27">
+            <a:extLst>
+              <a:ext uri="{FF2B5EF4-FFF2-40B4-BE49-F238E27FC236}">
+                <a16:creationId xmlns:a16="http://schemas.microsoft.com/office/drawing/2014/main" xmlns="" id="{C5903169-B219-257F-1661-22B41DFFB5AF}"/>
+              </a:ext>
+            </a:extLst>
+          </p:cNvPr>
+          <p:cNvPicPr>
+            <a:picLocks noChangeAspect="1"/>
+          </p:cNvPicPr>
+          <p:nvPr/>
+        </p:nvPicPr>
+        <p:blipFill>
+          <a:blip r:embed="rId7"/>
+          <a:stretch>
+            <a:fillRect/>
+          </a:stretch>
+        </p:blipFill>
+        <p:spPr>
+          <a:xfrm>
+            <a:off x="7156689" y="2054523"/>
+            <a:ext cx="2048054" cy="376686"/>
+          </a:xfrm>
+          <a:prstGeom prst="rect">
+            <a:avLst/>
+          </a:prstGeom>
+        </p:spPr>
+      </p:pic>
+      <p:sp>
+        <p:nvSpPr>
+          <p:cNvPr id="29" name="TextBox 28">
+            <a:extLst>
+              <a:ext uri="{FF2B5EF4-FFF2-40B4-BE49-F238E27FC236}">
+                <a16:creationId xmlns:a16="http://schemas.microsoft.com/office/drawing/2014/main" xmlns="" id="{7CBA2C5E-CF3B-A56D-C853-1533B00FCD6B}"/>
+              </a:ext>
+            </a:extLst>
+          </p:cNvPr>
+          <p:cNvSpPr txBox="1"/>
+          <p:nvPr/>
+        </p:nvSpPr>
+        <p:spPr>
+          <a:xfrm>
+            <a:off x="9196116" y="2003245"/>
+            <a:ext cx="2961732" cy="584775"/>
+          </a:xfrm>
+          <a:prstGeom prst="rect">
+            <a:avLst/>
+          </a:prstGeom>
+          <a:noFill/>
+        </p:spPr>
+        <p:txBody>
+          <a:bodyPr rot="0" spcFirstLastPara="0" vertOverflow="overflow" horzOverflow="overflow" vert="horz" wrap="square" lIns="91440" tIns="45720" rIns="91440" bIns="45720" numCol="1" spcCol="0" rtlCol="0" fromWordArt="0" anchor="t" anchorCtr="0" forceAA="0" compatLnSpc="1">
+            <a:prstTxWarp prst="textNoShape">
+              <a:avLst/>
+            </a:prstTxWarp>
+            <a:spAutoFit/>
+          </a:bodyPr>
+          <a:lstStyle/>
+          <a:p>
+            <a:r>
+              <a:rPr lang="hu" sz="1600" dirty="0">
+                <a:ea typeface="+mn-lt"/>
+                <a:cs typeface="+mn-lt"/>
+              </a:rPr>
+              <a:t>→</a:t>
+            </a:r>
+            <a:r>
+              <a:rPr lang="en-US" sz="1600" dirty="0"/>
+              <a:t> (n+1)-</a:t>
+            </a:r>
+            <a:r>
+              <a:rPr lang="en-US" sz="1600" dirty="0" err="1"/>
+              <a:t>dik</a:t>
+            </a:r>
+            <a:r>
+              <a:rPr lang="en-US" sz="1600" dirty="0"/>
+              <a:t> </a:t>
+            </a:r>
+            <a:r>
+              <a:rPr lang="en-US" sz="1600" dirty="0" err="1"/>
+              <a:t>és</a:t>
+            </a:r>
+            <a:r>
+              <a:rPr lang="en-US" sz="1600" dirty="0"/>
+              <a:t> n-</a:t>
+            </a:r>
+            <a:r>
+              <a:rPr lang="en-US" sz="1600" dirty="0" err="1"/>
+              <a:t>dik</a:t>
+            </a:r>
+            <a:r>
+              <a:rPr lang="en-US" sz="1600" dirty="0"/>
+              <a:t> </a:t>
+            </a:r>
+          </a:p>
+          <a:p>
+            <a:r>
+              <a:rPr lang="en-US" sz="1600" dirty="0" err="1"/>
+              <a:t>autó</a:t>
+            </a:r>
+            <a:r>
+              <a:rPr lang="en-US" sz="1600" dirty="0"/>
+              <a:t> </a:t>
+            </a:r>
+            <a:r>
+              <a:rPr lang="en-US" sz="1600" dirty="0" err="1"/>
+              <a:t>sebességkülönbsége</a:t>
+            </a:r>
+          </a:p>
+        </p:txBody>
+      </p:sp>
+      <p:pic>
+        <p:nvPicPr>
+          <p:cNvPr id="30" name="Picture 29">
+            <a:extLst>
+              <a:ext uri="{FF2B5EF4-FFF2-40B4-BE49-F238E27FC236}">
+                <a16:creationId xmlns:a16="http://schemas.microsoft.com/office/drawing/2014/main" xmlns="" id="{1ECD8F86-708D-6A9C-CFF2-4170C50A83F1}"/>
+              </a:ext>
+            </a:extLst>
+          </p:cNvPr>
+          <p:cNvPicPr>
+            <a:picLocks noChangeAspect="1"/>
+          </p:cNvPicPr>
+          <p:nvPr/>
+        </p:nvPicPr>
+        <p:blipFill>
+          <a:blip r:embed="rId8"/>
+          <a:stretch>
+            <a:fillRect/>
+          </a:stretch>
+        </p:blipFill>
+        <p:spPr>
+          <a:xfrm>
+            <a:off x="1008661" y="2663045"/>
+            <a:ext cx="685621" cy="338587"/>
+          </a:xfrm>
+          <a:prstGeom prst="rect">
+            <a:avLst/>
+          </a:prstGeom>
+        </p:spPr>
+      </p:pic>
+      <p:sp>
+        <p:nvSpPr>
+          <p:cNvPr id="31" name="TextBox 30">
+            <a:extLst>
+              <a:ext uri="{FF2B5EF4-FFF2-40B4-BE49-F238E27FC236}">
+                <a16:creationId xmlns:a16="http://schemas.microsoft.com/office/drawing/2014/main" xmlns="" id="{5D44440D-2372-3FC1-2D2A-E4A99FC7AE81}"/>
+              </a:ext>
+            </a:extLst>
+          </p:cNvPr>
+          <p:cNvSpPr txBox="1"/>
+          <p:nvPr/>
+        </p:nvSpPr>
+        <p:spPr>
+          <a:xfrm>
+            <a:off x="1705154" y="2668438"/>
+            <a:ext cx="4899803" cy="338554"/>
+          </a:xfrm>
+          <a:prstGeom prst="rect">
+            <a:avLst/>
+          </a:prstGeom>
+          <a:noFill/>
+        </p:spPr>
+        <p:txBody>
+          <a:bodyPr rot="0" spcFirstLastPara="0" vertOverflow="overflow" horzOverflow="overflow" vert="horz" wrap="square" lIns="91440" tIns="45720" rIns="91440" bIns="45720" numCol="1" spcCol="0" rtlCol="0" fromWordArt="0" anchor="t" anchorCtr="0" forceAA="0" compatLnSpc="1">
+            <a:prstTxWarp prst="textNoShape">
+              <a:avLst/>
+            </a:prstTxWarp>
+            <a:spAutoFit/>
+          </a:bodyPr>
+          <a:lstStyle/>
+          <a:p>
+            <a:r>
+              <a:rPr lang="hu" sz="1600" dirty="0">
+                <a:ea typeface="+mn-lt"/>
+                <a:cs typeface="+mn-lt"/>
+              </a:rPr>
+              <a:t>→</a:t>
+            </a:r>
+            <a:r>
+              <a:rPr lang="hu" sz="1600" dirty="0">
+                <a:latin typeface="Neue Haas Grotesk Text Pro"/>
+                <a:cs typeface="Calibri"/>
+              </a:rPr>
+              <a:t> </a:t>
+            </a:r>
+            <a:r>
+              <a:rPr lang="hu-HU" sz="1600" dirty="0">
+                <a:latin typeface="Neue Haas Grotesk Text Pro"/>
+                <a:cs typeface="Calibri"/>
+              </a:rPr>
+              <a:t>vezető érzékenysége a sebességkülönbséghez</a:t>
+            </a:r>
+            <a:endParaRPr lang="en-US" sz="1600" dirty="0">
+              <a:latin typeface="Neue Haas Grotesk Text Pro"/>
+            </a:endParaRPr>
+          </a:p>
+        </p:txBody>
+      </p:sp>
+      <p:pic>
+        <p:nvPicPr>
+          <p:cNvPr id="32" name="Picture 31">
+            <a:extLst>
+              <a:ext uri="{FF2B5EF4-FFF2-40B4-BE49-F238E27FC236}">
+                <a16:creationId xmlns:a16="http://schemas.microsoft.com/office/drawing/2014/main" xmlns="" id="{755B913B-BF1F-951D-3040-6A2F76DC2D9E}"/>
+              </a:ext>
+            </a:extLst>
+          </p:cNvPr>
+          <p:cNvPicPr>
+            <a:picLocks noChangeAspect="1"/>
+          </p:cNvPicPr>
+          <p:nvPr/>
+        </p:nvPicPr>
+        <p:blipFill>
+          <a:blip r:embed="rId9"/>
+          <a:stretch>
+            <a:fillRect/>
+          </a:stretch>
+        </p:blipFill>
+        <p:spPr>
+          <a:xfrm>
+            <a:off x="4180398" y="2087863"/>
+            <a:ext cx="452527" cy="338766"/>
+          </a:xfrm>
+          <a:prstGeom prst="rect">
+            <a:avLst/>
+          </a:prstGeom>
+        </p:spPr>
+      </p:pic>
+      <p:pic>
+        <p:nvPicPr>
+          <p:cNvPr id="33" name="Picture 32">
+            <a:extLst>
+              <a:ext uri="{FF2B5EF4-FFF2-40B4-BE49-F238E27FC236}">
+                <a16:creationId xmlns:a16="http://schemas.microsoft.com/office/drawing/2014/main" xmlns="" id="{A7160856-4663-4794-4310-95F451462282}"/>
+              </a:ext>
+            </a:extLst>
+          </p:cNvPr>
+          <p:cNvPicPr>
+            <a:picLocks noChangeAspect="1"/>
+          </p:cNvPicPr>
+          <p:nvPr/>
+        </p:nvPicPr>
+        <p:blipFill>
+          <a:blip r:embed="rId10"/>
+          <a:stretch>
+            <a:fillRect/>
+          </a:stretch>
+        </p:blipFill>
+        <p:spPr>
+          <a:xfrm>
+            <a:off x="1002821" y="3262134"/>
+            <a:ext cx="481641" cy="333734"/>
+          </a:xfrm>
+          <a:prstGeom prst="rect">
+            <a:avLst/>
+          </a:prstGeom>
+        </p:spPr>
+      </p:pic>
+      <p:pic>
+        <p:nvPicPr>
+          <p:cNvPr id="34" name="Picture 33" descr="A blue line graph with a white background&#10;&#10;Description automatically generated">
+            <a:extLst>
+              <a:ext uri="{FF2B5EF4-FFF2-40B4-BE49-F238E27FC236}">
+                <a16:creationId xmlns:a16="http://schemas.microsoft.com/office/drawing/2014/main" xmlns="" id="{D7476EB4-D554-8479-6620-43DA20F50BF1}"/>
+              </a:ext>
+            </a:extLst>
+          </p:cNvPr>
+          <p:cNvPicPr>
+            <a:picLocks noChangeAspect="1"/>
+          </p:cNvPicPr>
+          <p:nvPr/>
+        </p:nvPicPr>
+        <p:blipFill>
+          <a:blip r:embed="rId11"/>
+          <a:stretch>
+            <a:fillRect/>
+          </a:stretch>
+        </p:blipFill>
+        <p:spPr>
+          <a:xfrm>
+            <a:off x="7331976" y="2966649"/>
+            <a:ext cx="4155055" cy="3109102"/>
+          </a:xfrm>
+          <a:prstGeom prst="rect">
+            <a:avLst/>
+          </a:prstGeom>
+        </p:spPr>
+      </p:pic>
+      <p:pic>
+        <p:nvPicPr>
+          <p:cNvPr id="35" name="Picture 34">
+            <a:extLst>
+              <a:ext uri="{FF2B5EF4-FFF2-40B4-BE49-F238E27FC236}">
+                <a16:creationId xmlns:a16="http://schemas.microsoft.com/office/drawing/2014/main" xmlns="" id="{3909E9FA-9ECA-A0B9-DD8A-FB5B4773D639}"/>
+              </a:ext>
+            </a:extLst>
+          </p:cNvPr>
+          <p:cNvPicPr>
+            <a:picLocks noChangeAspect="1"/>
+          </p:cNvPicPr>
+          <p:nvPr/>
+        </p:nvPicPr>
+        <p:blipFill>
+          <a:blip r:embed="rId12"/>
+          <a:stretch>
+            <a:fillRect/>
+          </a:stretch>
+        </p:blipFill>
+        <p:spPr>
+          <a:xfrm>
+            <a:off x="1008391" y="5399507"/>
+            <a:ext cx="700537" cy="343439"/>
+          </a:xfrm>
+          <a:prstGeom prst="rect">
+            <a:avLst/>
+          </a:prstGeom>
+        </p:spPr>
+      </p:pic>
+      <p:sp>
+        <p:nvSpPr>
+          <p:cNvPr id="36" name="TextBox 35">
+            <a:extLst>
+              <a:ext uri="{FF2B5EF4-FFF2-40B4-BE49-F238E27FC236}">
+                <a16:creationId xmlns:a16="http://schemas.microsoft.com/office/drawing/2014/main" xmlns="" id="{05570AC9-1B8B-A9D5-D33B-21B4995B4920}"/>
+              </a:ext>
+            </a:extLst>
+          </p:cNvPr>
+          <p:cNvSpPr txBox="1"/>
+          <p:nvPr/>
+        </p:nvSpPr>
+        <p:spPr>
+          <a:xfrm>
+            <a:off x="986288" y="4911306"/>
+            <a:ext cx="4468481" cy="338554"/>
+          </a:xfrm>
+          <a:prstGeom prst="rect">
+            <a:avLst/>
+          </a:prstGeom>
+          <a:noFill/>
+        </p:spPr>
+        <p:txBody>
+          <a:bodyPr rot="0" spcFirstLastPara="0" vertOverflow="overflow" horzOverflow="overflow" vert="horz" wrap="square" lIns="91440" tIns="45720" rIns="91440" bIns="45720" numCol="1" spcCol="0" rtlCol="0" fromWordArt="0" anchor="t" anchorCtr="0" forceAA="0" compatLnSpc="1">
+            <a:prstTxWarp prst="textNoShape">
+              <a:avLst/>
+            </a:prstTxWarp>
+            <a:spAutoFit/>
+          </a:bodyPr>
+          <a:lstStyle/>
+          <a:p>
+            <a:r>
+              <a:rPr lang="hu-HU" sz="1600" dirty="0"/>
+              <a:t>k → </a:t>
+            </a:r>
+            <a:r>
+              <a:rPr lang="hu" sz="1600" dirty="0">
+                <a:latin typeface="Neue Haas Grotesk Text Pro"/>
+                <a:cs typeface="Times New Roman"/>
+              </a:rPr>
+              <a:t>követő autó érzékenységi együtthatója</a:t>
+            </a:r>
+            <a:endParaRPr lang="en-US" sz="1600" dirty="0">
+              <a:latin typeface="Neue Haas Grotesk Text Pro"/>
+            </a:endParaRPr>
+          </a:p>
+        </p:txBody>
+      </p:sp>
+      <p:sp>
+        <p:nvSpPr>
+          <p:cNvPr id="37" name="TextBox 36">
+            <a:extLst>
+              <a:ext uri="{FF2B5EF4-FFF2-40B4-BE49-F238E27FC236}">
+                <a16:creationId xmlns:a16="http://schemas.microsoft.com/office/drawing/2014/main" xmlns="" id="{86BA66EE-C0CE-3B25-FA63-9F2143CEC91E}"/>
+              </a:ext>
+            </a:extLst>
+          </p:cNvPr>
+          <p:cNvSpPr txBox="1"/>
+          <p:nvPr/>
+        </p:nvSpPr>
+        <p:spPr>
+          <a:xfrm>
+            <a:off x="1705154" y="5400136"/>
+            <a:ext cx="2915726" cy="338554"/>
+          </a:xfrm>
+          <a:prstGeom prst="rect">
+            <a:avLst/>
+          </a:prstGeom>
+          <a:noFill/>
+        </p:spPr>
+        <p:txBody>
+          <a:bodyPr rot="0" spcFirstLastPara="0" vertOverflow="overflow" horzOverflow="overflow" vert="horz" wrap="square" lIns="91440" tIns="45720" rIns="91440" bIns="45720" numCol="1" spcCol="0" rtlCol="0" fromWordArt="0" anchor="t" anchorCtr="0" forceAA="0" compatLnSpc="1">
+            <a:prstTxWarp prst="textNoShape">
+              <a:avLst/>
+            </a:prstTxWarp>
+            <a:spAutoFit/>
+          </a:bodyPr>
+          <a:lstStyle/>
+          <a:p>
+            <a:r>
+              <a:rPr lang="hu-HU" sz="1600" dirty="0"/>
+              <a:t>→</a:t>
+            </a:r>
+            <a:r>
+              <a:rPr lang="hu-HU" sz="1600" dirty="0">
+                <a:latin typeface="Neue Haas Grotesk Text Pro"/>
+                <a:cs typeface="Segoe UI"/>
+              </a:rPr>
+              <a:t> </a:t>
+            </a:r>
+            <a:r>
+              <a:rPr lang="en-US" sz="1600" dirty="0">
+                <a:latin typeface="Segoe UI"/>
+                <a:cs typeface="Segoe UI"/>
+              </a:rPr>
+              <a:t>(n+1)-</a:t>
+            </a:r>
+            <a:r>
+              <a:rPr lang="en-US" sz="1600" dirty="0" err="1">
+                <a:latin typeface="Segoe UI"/>
+                <a:cs typeface="Segoe UI"/>
+              </a:rPr>
+              <a:t>dik</a:t>
+            </a:r>
+            <a:r>
+              <a:rPr lang="en-US" sz="1600" dirty="0">
+                <a:latin typeface="Segoe UI"/>
+                <a:cs typeface="Segoe UI"/>
+              </a:rPr>
+              <a:t> </a:t>
+            </a:r>
+            <a:r>
+              <a:rPr lang="en-US" sz="1600" dirty="0" err="1">
+                <a:latin typeface="Segoe UI"/>
+                <a:cs typeface="Segoe UI"/>
+              </a:rPr>
+              <a:t>autó</a:t>
+            </a:r>
+            <a:r>
+              <a:rPr lang="en-US" sz="1600" dirty="0">
+                <a:latin typeface="Segoe UI"/>
+                <a:cs typeface="Segoe UI"/>
+              </a:rPr>
+              <a:t> </a:t>
+            </a:r>
+            <a:r>
+              <a:rPr lang="en-US" sz="1600" dirty="0" err="1">
+                <a:latin typeface="Segoe UI"/>
+                <a:cs typeface="Segoe UI"/>
+              </a:rPr>
+              <a:t>gyorsulása</a:t>
+            </a:r>
+          </a:p>
+        </p:txBody>
+      </p:sp>
+    </p:spTree>
+    <p:extLst>
+      <p:ext uri="{BB962C8B-B14F-4D97-AF65-F5344CB8AC3E}">
+        <p14:creationId xmlns:p14="http://schemas.microsoft.com/office/powerpoint/2010/main" val="2958887757"/>
+      </p:ext>
+    </p:extLst>
+  </p:cSld>
+  <p:clrMapOvr>
+    <a:masterClrMapping/>
+  </p:clrMapOvr>
+  <p:transition spd="slow">
+    <p:push dir="u"/>
+  </p:transition>
+</p:sld>
+</file>
+
+<file path=ppt/slides/slide6.xml><?xml version="1.0" encoding="utf-8"?>
+<p:sld xmlns:a="http://schemas.openxmlformats.org/drawingml/2006/main" xmlns:r="http://schemas.openxmlformats.org/officeDocument/2006/relationships" xmlns:p="http://schemas.openxmlformats.org/presentationml/2006/main">
+  <p:cSld>
+    <p:spTree>
+      <p:nvGrpSpPr>
+        <p:cNvPr id="1" name=""/>
+        <p:cNvGrpSpPr/>
+        <p:nvPr/>
+      </p:nvGrpSpPr>
+      <p:grpSpPr>
+        <a:xfrm>
+          <a:off x="0" y="0"/>
+          <a:ext cx="0" cy="0"/>
+          <a:chOff x="0" y="0"/>
+          <a:chExt cx="0" cy="0"/>
+        </a:xfrm>
+      </p:grpSpPr>
+      <p:sp>
+        <p:nvSpPr>
+          <p:cNvPr id="2" name="Title 1">
+            <a:extLst>
+              <a:ext uri="{FF2B5EF4-FFF2-40B4-BE49-F238E27FC236}">
+                <a16:creationId xmlns:a16="http://schemas.microsoft.com/office/drawing/2014/main" xmlns="" id="{B0CFCBE0-482A-6EE4-4336-9E7EB69FC644}"/>
+              </a:ext>
+            </a:extLst>
+          </p:cNvPr>
+          <p:cNvSpPr>
+            <a:spLocks noGrp="1"/>
+          </p:cNvSpPr>
+          <p:nvPr>
+            <p:ph type="title"/>
+          </p:nvPr>
+        </p:nvSpPr>
+        <p:spPr>
+          <a:xfrm>
+            <a:off x="598271" y="289847"/>
+            <a:ext cx="10653578" cy="801579"/>
+          </a:xfrm>
+        </p:spPr>
+        <p:txBody>
+          <a:bodyPr/>
+          <a:lstStyle/>
+          <a:p>
+            <a:r>
+              <a:rPr lang="en-US" sz="4400" dirty="0" err="1">
+                <a:latin typeface="Neue Haas Grotesk Text Pro"/>
+              </a:rPr>
+              <a:t>Modellek</a:t>
+            </a:r>
+            <a:r>
+              <a:rPr lang="en-US" sz="4400" dirty="0">
+                <a:latin typeface="Neue Haas Grotesk Text Pro"/>
+              </a:rPr>
+              <a:t> </a:t>
+            </a:r>
+            <a:r>
+              <a:rPr lang="en-US" sz="4400" dirty="0" err="1">
+                <a:latin typeface="Neue Haas Grotesk Text Pro"/>
+              </a:rPr>
+              <a:t>szimulációja</a:t>
+            </a:r>
+            <a:endParaRPr lang="en-US" sz="4400" dirty="0" err="1"/>
+          </a:p>
+        </p:txBody>
+      </p:sp>
+      <p:pic>
+        <p:nvPicPr>
+          <p:cNvPr id="5" name="Content Placeholder 4" descr="A graph of different colored lines&#10;&#10;Description automatically generated">
+            <a:extLst>
+              <a:ext uri="{FF2B5EF4-FFF2-40B4-BE49-F238E27FC236}">
+                <a16:creationId xmlns:a16="http://schemas.microsoft.com/office/drawing/2014/main" xmlns="" id="{35C94779-91C4-4C8C-21C7-3297A29CD978}"/>
+              </a:ext>
+            </a:extLst>
+          </p:cNvPr>
+          <p:cNvPicPr>
+            <a:picLocks noGrp="1" noChangeAspect="1"/>
+          </p:cNvPicPr>
+          <p:nvPr>
+            <p:ph idx="1"/>
+          </p:nvPr>
+        </p:nvPicPr>
+        <p:blipFill>
+          <a:blip r:embed="rId2"/>
+          <a:stretch>
+            <a:fillRect/>
+          </a:stretch>
+        </p:blipFill>
+        <p:spPr>
+          <a:xfrm>
+            <a:off x="3754077" y="913161"/>
+            <a:ext cx="7720641" cy="2834269"/>
+          </a:xfrm>
+        </p:spPr>
+      </p:pic>
+      <p:pic>
+        <p:nvPicPr>
+          <p:cNvPr id="6" name="Picture 5" descr="A graph of different colored lines&#10;&#10;Description automatically generated">
+            <a:extLst>
+              <a:ext uri="{FF2B5EF4-FFF2-40B4-BE49-F238E27FC236}">
+                <a16:creationId xmlns:a16="http://schemas.microsoft.com/office/drawing/2014/main" xmlns="" id="{7B549927-DB15-A1D4-AB31-D3856E9FEB66}"/>
+              </a:ext>
+            </a:extLst>
+          </p:cNvPr>
+          <p:cNvPicPr>
+            <a:picLocks noChangeAspect="1"/>
+          </p:cNvPicPr>
+          <p:nvPr/>
+        </p:nvPicPr>
+        <p:blipFill>
+          <a:blip r:embed="rId3"/>
+          <a:stretch>
+            <a:fillRect/>
+          </a:stretch>
+        </p:blipFill>
+        <p:spPr>
+          <a:xfrm>
+            <a:off x="3719263" y="3628730"/>
+            <a:ext cx="7850036" cy="3179224"/>
+          </a:xfrm>
+          <a:prstGeom prst="rect">
+            <a:avLst/>
+          </a:prstGeom>
+        </p:spPr>
+      </p:pic>
+      <p:sp>
+        <p:nvSpPr>
+          <p:cNvPr id="7" name="TextBox 6">
+            <a:extLst>
+              <a:ext uri="{FF2B5EF4-FFF2-40B4-BE49-F238E27FC236}">
+                <a16:creationId xmlns:a16="http://schemas.microsoft.com/office/drawing/2014/main" xmlns="" id="{3D1F825B-7A5F-BA31-29C4-FCA14E9B21D9}"/>
+              </a:ext>
+            </a:extLst>
+          </p:cNvPr>
+          <p:cNvSpPr txBox="1"/>
+          <p:nvPr/>
+        </p:nvSpPr>
+        <p:spPr>
+          <a:xfrm>
+            <a:off x="909727" y="2131802"/>
+            <a:ext cx="2531851" cy="2585323"/>
+          </a:xfrm>
+          <a:prstGeom prst="rect">
+            <a:avLst/>
+          </a:prstGeom>
+          <a:noFill/>
+        </p:spPr>
+        <p:txBody>
+          <a:bodyPr rot="0" spcFirstLastPara="0" vertOverflow="overflow" horzOverflow="overflow" vert="horz" wrap="square" lIns="91440" tIns="45720" rIns="91440" bIns="45720" numCol="1" spcCol="0" rtlCol="0" fromWordArt="0" anchor="t" anchorCtr="0" forceAA="0" compatLnSpc="1">
+            <a:prstTxWarp prst="textNoShape">
+              <a:avLst/>
+            </a:prstTxWarp>
+            <a:spAutoFit/>
+          </a:bodyPr>
+          <a:lstStyle/>
+          <a:p>
+            <a:r>
+              <a:rPr lang="hu" dirty="0">
+                <a:latin typeface="Neue Haas Grotesk Text Pro"/>
+                <a:cs typeface="Times New Roman"/>
+              </a:rPr>
+              <a:t>A  közlekedési jelzőlámpa piros és 10 autó várakozik a piros lámpánál 7.4 m követési távolsággal egymástól. A lámpa t=0–</a:t>
+            </a:r>
+            <a:r>
+              <a:rPr lang="hu" dirty="0" err="1">
+                <a:latin typeface="Neue Haas Grotesk Text Pro"/>
+                <a:cs typeface="Times New Roman"/>
+              </a:rPr>
+              <a:t>ban</a:t>
+            </a:r>
+            <a:r>
+              <a:rPr lang="hu" dirty="0">
+                <a:latin typeface="Neue Haas Grotesk Text Pro"/>
+                <a:cs typeface="Times New Roman"/>
+              </a:rPr>
+              <a:t> zöldre vált és az autók elindulnak.</a:t>
+            </a:r>
+            <a:endParaRPr lang="en-US" dirty="0">
+              <a:latin typeface="Neue Haas Grotesk Text Pro"/>
+            </a:endParaRPr>
+          </a:p>
+        </p:txBody>
+      </p:sp>
+    </p:spTree>
+    <p:extLst>
+      <p:ext uri="{BB962C8B-B14F-4D97-AF65-F5344CB8AC3E}">
+        <p14:creationId xmlns:p14="http://schemas.microsoft.com/office/powerpoint/2010/main" val="1248225083"/>
+      </p:ext>
+    </p:extLst>
+  </p:cSld>
+  <p:clrMapOvr>
+    <a:masterClrMapping/>
+  </p:clrMapOvr>
+  <p:transition spd="med">
+    <p:pull/>
+  </p:transition>
+</p:sld>
+</file>
+
+<file path=ppt/slides/slide7.xml><?xml version="1.0" encoding="utf-8"?>
+<p:sld xmlns:a="http://schemas.openxmlformats.org/drawingml/2006/main" xmlns:r="http://schemas.openxmlformats.org/officeDocument/2006/relationships" xmlns:p="http://schemas.openxmlformats.org/presentationml/2006/main">
+  <p:cSld>
     <p:bg>
       <p:bgPr>
         <a:solidFill>
@@ -8384,7 +10279,7 @@
           <p:cNvPr id="2" name="Title 1">
             <a:extLst>
               <a:ext uri="{FF2B5EF4-FFF2-40B4-BE49-F238E27FC236}">
-                <a16:creationId xmlns:a16="http://schemas.microsoft.com/office/drawing/2014/main" id="{25D9E776-6D32-90C7-CCFB-14FE69F3E892}"/>
+                <a16:creationId xmlns:a16="http://schemas.microsoft.com/office/drawing/2014/main" xmlns="" id="{25D9E776-6D32-90C7-CCFB-14FE69F3E892}"/>
               </a:ext>
             </a:extLst>
           </p:cNvPr>
@@ -8408,7 +10303,7 @@
           <a:lstStyle/>
           <a:p>
             <a:r>
-              <a:rPr lang="en-US" sz="4400" dirty="0">
+              <a:rPr lang="en-US" sz="4400">
                 <a:ea typeface="+mj-lt"/>
                 <a:cs typeface="+mj-lt"/>
               </a:rPr>
@@ -8422,7 +10317,7 @@
               <a:t>szimulációs</a:t>
             </a:r>
             <a:r>
-              <a:rPr lang="en-US" sz="4400" dirty="0">
+              <a:rPr lang="en-US" sz="4400">
                 <a:ea typeface="+mj-lt"/>
                 <a:cs typeface="+mj-lt"/>
               </a:rPr>
@@ -8444,7 +10339,7 @@
           <p:cNvPr id="3" name="Content Placeholder 2">
             <a:extLst>
               <a:ext uri="{FF2B5EF4-FFF2-40B4-BE49-F238E27FC236}">
-                <a16:creationId xmlns:a16="http://schemas.microsoft.com/office/drawing/2014/main" id="{33891DCF-7479-E6D0-0AD6-A385CE485E5C}"/>
+                <a16:creationId xmlns:a16="http://schemas.microsoft.com/office/drawing/2014/main" xmlns="" id="{33891DCF-7479-E6D0-0AD6-A385CE485E5C}"/>
               </a:ext>
             </a:extLst>
           </p:cNvPr>
@@ -8475,7 +10370,7 @@
               <a:t>Nyílt</a:t>
             </a:r>
             <a:r>
-              <a:rPr lang="en-US" sz="2400" dirty="0">
+              <a:rPr lang="en-US" sz="2400">
                 <a:ea typeface="+mn-lt"/>
                 <a:cs typeface="+mn-lt"/>
               </a:rPr>
@@ -8495,68 +10390,68 @@
           </a:p>
           <a:p>
             <a:r>
-              <a:rPr lang="en-US" sz="2400" dirty="0" err="1"/>
+              <a:rPr lang="en-US" sz="2400" err="1"/>
               <a:t>Saját</a:t>
             </a:r>
             <a:r>
-              <a:rPr lang="en-US" sz="2400" dirty="0"/>
+              <a:rPr lang="en-US" sz="2400"/>
               <a:t> </a:t>
             </a:r>
             <a:r>
-              <a:rPr lang="en-US" sz="2400" dirty="0" err="1"/>
+              <a:rPr lang="en-US" sz="2400" err="1"/>
               <a:t>irányítási</a:t>
             </a:r>
             <a:r>
-              <a:rPr lang="en-US" sz="2400" dirty="0"/>
+              <a:rPr lang="en-US" sz="2400"/>
               <a:t> </a:t>
             </a:r>
             <a:r>
-              <a:rPr lang="en-US" sz="2400" dirty="0" err="1"/>
+              <a:rPr lang="en-US" sz="2400" err="1"/>
               <a:t>algoritmusok</a:t>
             </a:r>
             <a:r>
-              <a:rPr lang="en-US" sz="2400" dirty="0"/>
+              <a:rPr lang="en-US" sz="2400"/>
               <a:t> </a:t>
             </a:r>
             <a:r>
-              <a:rPr lang="en-US" sz="2400" dirty="0" err="1"/>
+              <a:rPr lang="en-US" sz="2400" err="1"/>
               <a:t>beépítése</a:t>
             </a:r>
-            <a:endParaRPr lang="en-US" sz="2400" dirty="0"/>
-          </a:p>
-          <a:p>
-            <a:r>
-              <a:rPr lang="en-US" sz="2400" dirty="0" err="1"/>
+            <a:endParaRPr lang="en-US" sz="2400"/>
+          </a:p>
+          <a:p>
+            <a:r>
+              <a:rPr lang="en-US" sz="2400" err="1"/>
               <a:t>Beépített</a:t>
             </a:r>
             <a:r>
-              <a:rPr lang="en-US" sz="2400" dirty="0"/>
+              <a:rPr lang="en-US" sz="2400"/>
               <a:t> </a:t>
             </a:r>
             <a:r>
-              <a:rPr lang="en-US" sz="2400" dirty="0" err="1"/>
+              <a:rPr lang="en-US" sz="2400" err="1"/>
               <a:t>függvények</a:t>
             </a:r>
-            <a:endParaRPr lang="en-US" sz="2400" dirty="0"/>
-          </a:p>
-          <a:p>
-            <a:r>
-              <a:rPr lang="en-US" sz="2400" dirty="0" err="1"/>
+            <a:endParaRPr lang="en-US" sz="2400"/>
+          </a:p>
+          <a:p>
+            <a:r>
+              <a:rPr lang="en-US" sz="2400" err="1"/>
               <a:t>TraCI</a:t>
             </a:r>
             <a:r>
-              <a:rPr lang="en-US" sz="2400" dirty="0"/>
+              <a:rPr lang="en-US" sz="2400"/>
               <a:t> </a:t>
             </a:r>
             <a:r>
-              <a:rPr lang="en-US" sz="2400" dirty="0" err="1"/>
+              <a:rPr lang="en-US" sz="2400" err="1"/>
               <a:t>interfész</a:t>
             </a:r>
-            <a:endParaRPr lang="en-US" sz="2400" dirty="0"/>
-          </a:p>
-          <a:p>
-            <a:r>
-              <a:rPr lang="en-US" sz="2400" dirty="0"/>
+            <a:endParaRPr lang="en-US" sz="2400"/>
+          </a:p>
+          <a:p>
+            <a:r>
+              <a:rPr lang="en-US" sz="2400"/>
               <a:t>Python-</a:t>
             </a:r>
             <a:r>
@@ -8564,7 +10459,7 @@
               <a:t>ból</a:t>
             </a:r>
             <a:r>
-              <a:rPr lang="en-US" sz="2400" dirty="0"/>
+              <a:rPr lang="en-US" sz="2400"/>
               <a:t> </a:t>
             </a:r>
             <a:r>
@@ -8572,7 +10467,7 @@
               <a:t>való</a:t>
             </a:r>
             <a:r>
-              <a:rPr lang="en-US" sz="2400" dirty="0"/>
+              <a:rPr lang="en-US" sz="2400"/>
               <a:t> </a:t>
             </a:r>
             <a:r>
@@ -8594,7 +10489,7 @@
           <p:cNvPr id="8" name="Picture 7" descr="A screenshot of a map&#10;&#10;Description automatically generated">
             <a:extLst>
               <a:ext uri="{FF2B5EF4-FFF2-40B4-BE49-F238E27FC236}">
-                <a16:creationId xmlns:a16="http://schemas.microsoft.com/office/drawing/2014/main" id="{55AE6A18-951E-0723-97AA-ECB3B34E9462}"/>
+                <a16:creationId xmlns:a16="http://schemas.microsoft.com/office/drawing/2014/main" xmlns="" id="{55AE6A18-951E-0723-97AA-ECB3B34E9462}"/>
               </a:ext>
             </a:extLst>
           </p:cNvPr>
@@ -8619,56 +10514,15 @@
           </a:prstGeom>
         </p:spPr>
       </p:pic>
-      <p:sp>
-        <p:nvSpPr>
-          <p:cNvPr id="4" name="Date Placeholder 3">
-            <a:extLst>
-              <a:ext uri="{FF2B5EF4-FFF2-40B4-BE49-F238E27FC236}">
-                <a16:creationId xmlns:a16="http://schemas.microsoft.com/office/drawing/2014/main" id="{B749A908-D5E2-6CF8-9ECF-02E05C7FCC87}"/>
-              </a:ext>
-            </a:extLst>
-          </p:cNvPr>
-          <p:cNvSpPr>
-            <a:spLocks noGrp="1"/>
-          </p:cNvSpPr>
-          <p:nvPr>
-            <p:ph type="dt" sz="half" idx="10"/>
-          </p:nvPr>
-        </p:nvSpPr>
-        <p:spPr/>
-        <p:txBody>
-          <a:bodyPr>
-            <a:normAutofit/>
-          </a:bodyPr>
-          <a:lstStyle/>
-          <a:p>
-            <a:pPr>
-              <a:spcAft>
-                <a:spcPts val="600"/>
-              </a:spcAft>
-            </a:pPr>
-            <a:fld id="{BC1CA64A-4E1C-4A06-A761-023AA384FE91}" type="datetime1">
-              <a:rPr lang="en-US"/>
-              <a:pPr>
-                <a:spcAft>
-                  <a:spcPts val="600"/>
-                </a:spcAft>
-              </a:pPr>
-              <a:t>7/2/2024</a:t>
-            </a:fld>
-            <a:endParaRPr lang="en-US"/>
-          </a:p>
-        </p:txBody>
-      </p:sp>
       <p:grpSp>
         <p:nvGrpSpPr>
           <p:cNvPr id="51" name="Group 50">
             <a:extLst>
               <a:ext uri="{FF2B5EF4-FFF2-40B4-BE49-F238E27FC236}">
-                <a16:creationId xmlns:a16="http://schemas.microsoft.com/office/drawing/2014/main" id="{1FD67D68-9B83-C338-8342-3348D8F22347}"/>
+                <a16:creationId xmlns:a16="http://schemas.microsoft.com/office/drawing/2014/main" xmlns="" id="{1FD67D68-9B83-C338-8342-3348D8F22347}"/>
               </a:ext>
               <a:ext uri="{C183D7F6-B498-43B3-948B-1728B52AA6E4}">
-                <adec:decorative xmlns:adec="http://schemas.microsoft.com/office/drawing/2017/decorative" val="1"/>
+                <adec:decorative xmlns:adec="http://schemas.microsoft.com/office/drawing/2017/decorative" xmlns="" val="1"/>
               </a:ext>
             </a:extLst>
           </p:cNvPr>
@@ -8678,7 +10532,7 @@
           <p:nvPr>
             <p:extLst>
               <p:ext uri="{386F3935-93C4-4BCD-93E2-E3B085C9AB24}">
-                <p16:designElem xmlns:p16="http://schemas.microsoft.com/office/powerpoint/2015/main" val="1"/>
+                <p16:designElem xmlns:p16="http://schemas.microsoft.com/office/powerpoint/2015/main" xmlns="" val="1"/>
               </p:ext>
             </p:extLst>
           </p:nvPr>
@@ -8696,10 +10550,10 @@
             <p:cNvPr id="52" name="Rectangle 51">
               <a:extLst>
                 <a:ext uri="{FF2B5EF4-FFF2-40B4-BE49-F238E27FC236}">
-                  <a16:creationId xmlns:a16="http://schemas.microsoft.com/office/drawing/2014/main" id="{1E397F34-6B84-0D3B-0F29-B1D134B3B885}"/>
+                  <a16:creationId xmlns:a16="http://schemas.microsoft.com/office/drawing/2014/main" xmlns="" id="{1E397F34-6B84-0D3B-0F29-B1D134B3B885}"/>
                 </a:ext>
                 <a:ext uri="{C183D7F6-B498-43B3-948B-1728B52AA6E4}">
-                  <adec:decorative xmlns:adec="http://schemas.microsoft.com/office/drawing/2017/decorative" val="1"/>
+                  <adec:decorative xmlns:adec="http://schemas.microsoft.com/office/drawing/2017/decorative" xmlns="" val="1"/>
                 </a:ext>
               </a:extLst>
             </p:cNvPr>
@@ -8707,7 +10561,7 @@
             <p:nvPr>
               <p:extLst>
                 <p:ext uri="{386F3935-93C4-4BCD-93E2-E3B085C9AB24}">
-                  <p16:designElem xmlns:p16="http://schemas.microsoft.com/office/powerpoint/2015/main" val="1"/>
+                  <p16:designElem xmlns:p16="http://schemas.microsoft.com/office/powerpoint/2015/main" xmlns="" val="1"/>
                 </p:ext>
               </p:extLst>
             </p:nvPr>
@@ -8765,10 +10619,10 @@
             <p:cNvPr id="53" name="Rectangle 52">
               <a:extLst>
                 <a:ext uri="{FF2B5EF4-FFF2-40B4-BE49-F238E27FC236}">
-                  <a16:creationId xmlns:a16="http://schemas.microsoft.com/office/drawing/2014/main" id="{9BD98075-BFC1-BE9C-7FB7-23FE55E43393}"/>
+                  <a16:creationId xmlns:a16="http://schemas.microsoft.com/office/drawing/2014/main" xmlns="" id="{9BD98075-BFC1-BE9C-7FB7-23FE55E43393}"/>
                 </a:ext>
                 <a:ext uri="{C183D7F6-B498-43B3-948B-1728B52AA6E4}">
-                  <adec:decorative xmlns:adec="http://schemas.microsoft.com/office/drawing/2017/decorative" val="1"/>
+                  <adec:decorative xmlns:adec="http://schemas.microsoft.com/office/drawing/2017/decorative" xmlns="" val="1"/>
                 </a:ext>
               </a:extLst>
             </p:cNvPr>
@@ -8776,7 +10630,7 @@
             <p:nvPr>
               <p:extLst>
                 <p:ext uri="{386F3935-93C4-4BCD-93E2-E3B085C9AB24}">
-                  <p16:designElem xmlns:p16="http://schemas.microsoft.com/office/powerpoint/2015/main" val="1"/>
+                  <p16:designElem xmlns:p16="http://schemas.microsoft.com/office/powerpoint/2015/main" xmlns="" val="1"/>
                 </p:ext>
               </p:extLst>
             </p:nvPr>
@@ -8860,415 +10714,6 @@
 </p:sld>
 </file>
 
-<file path=ppt/slides/slide6.xml><?xml version="1.0" encoding="utf-8"?>
-<p:sld xmlns:a="http://schemas.openxmlformats.org/drawingml/2006/main" xmlns:r="http://schemas.openxmlformats.org/officeDocument/2006/relationships" xmlns:p="http://schemas.openxmlformats.org/presentationml/2006/main">
-  <p:cSld>
-    <p:spTree>
-      <p:nvGrpSpPr>
-        <p:cNvPr id="1" name=""/>
-        <p:cNvGrpSpPr/>
-        <p:nvPr/>
-      </p:nvGrpSpPr>
-      <p:grpSpPr>
-        <a:xfrm>
-          <a:off x="0" y="0"/>
-          <a:ext cx="0" cy="0"/>
-          <a:chOff x="0" y="0"/>
-          <a:chExt cx="0" cy="0"/>
-        </a:xfrm>
-      </p:grpSpPr>
-      <p:sp>
-        <p:nvSpPr>
-          <p:cNvPr id="2" name="Title 1">
-            <a:extLst>
-              <a:ext uri="{FF2B5EF4-FFF2-40B4-BE49-F238E27FC236}">
-                <a16:creationId xmlns:a16="http://schemas.microsoft.com/office/drawing/2014/main" id="{5260B7F9-620C-B625-D9F9-5A0DE10A033E}"/>
-              </a:ext>
-            </a:extLst>
-          </p:cNvPr>
-          <p:cNvSpPr>
-            <a:spLocks noGrp="1"/>
-          </p:cNvSpPr>
-          <p:nvPr>
-            <p:ph type="title"/>
-          </p:nvPr>
-        </p:nvSpPr>
-        <p:spPr>
-          <a:xfrm>
-            <a:off x="612648" y="548640"/>
-            <a:ext cx="9172710" cy="815957"/>
-          </a:xfrm>
-        </p:spPr>
-        <p:txBody>
-          <a:bodyPr vert="horz" lIns="91440" tIns="45720" rIns="91440" bIns="45720" rtlCol="0" anchor="t">
-            <a:noAutofit/>
-          </a:bodyPr>
-          <a:lstStyle/>
-          <a:p>
-            <a:r>
-              <a:rPr lang="en-US" sz="4400" dirty="0">
-                <a:ea typeface="+mj-lt"/>
-                <a:cs typeface="+mj-lt"/>
-              </a:rPr>
-              <a:t>Fuzzy </a:t>
-            </a:r>
-            <a:r>
-              <a:rPr lang="en-US" sz="4400" err="1">
-                <a:ea typeface="+mj-lt"/>
-                <a:cs typeface="+mj-lt"/>
-              </a:rPr>
-              <a:t>szabályozás</a:t>
-            </a:r>
-            <a:r>
-              <a:rPr lang="en-US" sz="4400" dirty="0">
-                <a:ea typeface="+mj-lt"/>
-                <a:cs typeface="+mj-lt"/>
-              </a:rPr>
-              <a:t> </a:t>
-            </a:r>
-            <a:r>
-              <a:rPr lang="en-US" sz="4400" err="1">
-                <a:ea typeface="+mj-lt"/>
-                <a:cs typeface="+mj-lt"/>
-              </a:rPr>
-              <a:t>tömbvázlata</a:t>
-            </a:r>
-            <a:endParaRPr lang="en-US" sz="3200" err="1"/>
-          </a:p>
-        </p:txBody>
-      </p:sp>
-      <p:pic>
-        <p:nvPicPr>
-          <p:cNvPr id="7" name="Content Placeholder 6" descr="A diagram of a computer&#10;&#10;Description automatically generated">
-            <a:extLst>
-              <a:ext uri="{FF2B5EF4-FFF2-40B4-BE49-F238E27FC236}">
-                <a16:creationId xmlns:a16="http://schemas.microsoft.com/office/drawing/2014/main" id="{7E79523E-B79C-5773-7FD1-FF599BB4CA4C}"/>
-              </a:ext>
-            </a:extLst>
-          </p:cNvPr>
-          <p:cNvPicPr>
-            <a:picLocks noGrp="1" noChangeAspect="1"/>
-          </p:cNvPicPr>
-          <p:nvPr>
-            <p:ph idx="1"/>
-          </p:nvPr>
-        </p:nvPicPr>
-        <p:blipFill>
-          <a:blip r:embed="rId2"/>
-          <a:stretch>
-            <a:fillRect/>
-          </a:stretch>
-        </p:blipFill>
-        <p:spPr>
-          <a:xfrm>
-            <a:off x="605436" y="1384089"/>
-            <a:ext cx="10653622" cy="5055431"/>
-          </a:xfrm>
-        </p:spPr>
-      </p:pic>
-      <p:sp>
-        <p:nvSpPr>
-          <p:cNvPr id="4" name="Date Placeholder 3">
-            <a:extLst>
-              <a:ext uri="{FF2B5EF4-FFF2-40B4-BE49-F238E27FC236}">
-                <a16:creationId xmlns:a16="http://schemas.microsoft.com/office/drawing/2014/main" id="{A9E95237-0860-2036-4E89-953B06AEC78A}"/>
-              </a:ext>
-            </a:extLst>
-          </p:cNvPr>
-          <p:cNvSpPr>
-            <a:spLocks noGrp="1"/>
-          </p:cNvSpPr>
-          <p:nvPr>
-            <p:ph type="dt" sz="half" idx="10"/>
-          </p:nvPr>
-        </p:nvSpPr>
-        <p:spPr/>
-        <p:txBody>
-          <a:bodyPr/>
-          <a:lstStyle/>
-          <a:p>
-            <a:fld id="{59C09996-9B60-4CA2-9C4A-C932FAAED07C}" type="datetime1">
-              <a:t>7/2/2024</a:t>
-            </a:fld>
-            <a:endParaRPr lang="en-US" dirty="0"/>
-          </a:p>
-        </p:txBody>
-      </p:sp>
-    </p:spTree>
-    <p:extLst>
-      <p:ext uri="{BB962C8B-B14F-4D97-AF65-F5344CB8AC3E}">
-        <p14:creationId xmlns:p14="http://schemas.microsoft.com/office/powerpoint/2010/main" val="4262212579"/>
-      </p:ext>
-    </p:extLst>
-  </p:cSld>
-  <p:clrMapOvr>
-    <a:masterClrMapping/>
-  </p:clrMapOvr>
-  <mc:AlternateContent xmlns:mc="http://schemas.openxmlformats.org/markup-compatibility/2006" xmlns:p159="http://schemas.microsoft.com/office/powerpoint/2015/09/main">
-    <mc:Choice Requires="p159">
-      <p:transition xmlns:p14="http://schemas.microsoft.com/office/powerpoint/2010/main" spd="slow" p14:dur="2000">
-        <p159:morph option="byObject"/>
-      </p:transition>
-    </mc:Choice>
-    <mc:Fallback xmlns="">
-      <p:transition spd="slow">
-        <p:fade/>
-      </p:transition>
-    </mc:Fallback>
-  </mc:AlternateContent>
-</p:sld>
-</file>
-
-<file path=ppt/slides/slide7.xml><?xml version="1.0" encoding="utf-8"?>
-<p:sld xmlns:a="http://schemas.openxmlformats.org/drawingml/2006/main" xmlns:r="http://schemas.openxmlformats.org/officeDocument/2006/relationships" xmlns:p="http://schemas.openxmlformats.org/presentationml/2006/main">
-  <p:cSld>
-    <p:spTree>
-      <p:nvGrpSpPr>
-        <p:cNvPr id="1" name=""/>
-        <p:cNvGrpSpPr/>
-        <p:nvPr/>
-      </p:nvGrpSpPr>
-      <p:grpSpPr>
-        <a:xfrm>
-          <a:off x="0" y="0"/>
-          <a:ext cx="0" cy="0"/>
-          <a:chOff x="0" y="0"/>
-          <a:chExt cx="0" cy="0"/>
-        </a:xfrm>
-      </p:grpSpPr>
-      <p:sp>
-        <p:nvSpPr>
-          <p:cNvPr id="2" name="Title 1">
-            <a:extLst>
-              <a:ext uri="{FF2B5EF4-FFF2-40B4-BE49-F238E27FC236}">
-                <a16:creationId xmlns:a16="http://schemas.microsoft.com/office/drawing/2014/main" id="{888598FE-5D5E-3467-A3A9-F7282CB17994}"/>
-              </a:ext>
-            </a:extLst>
-          </p:cNvPr>
-          <p:cNvSpPr>
-            <a:spLocks noGrp="1"/>
-          </p:cNvSpPr>
-          <p:nvPr>
-            <p:ph type="title"/>
-          </p:nvPr>
-        </p:nvSpPr>
-        <p:spPr>
-          <a:xfrm>
-            <a:off x="396989" y="419244"/>
-            <a:ext cx="11401198" cy="830333"/>
-          </a:xfrm>
-        </p:spPr>
-        <p:txBody>
-          <a:bodyPr vert="horz" lIns="91440" tIns="45720" rIns="91440" bIns="45720" rtlCol="0" anchor="t">
-            <a:noAutofit/>
-          </a:bodyPr>
-          <a:lstStyle/>
-          <a:p>
-            <a:r>
-              <a:rPr lang="en-US" sz="4400" dirty="0" err="1"/>
-              <a:t>Kereszteződés</a:t>
-            </a:r>
-            <a:r>
-              <a:rPr lang="en-US" sz="4400" dirty="0"/>
-              <a:t> </a:t>
-            </a:r>
-            <a:r>
-              <a:rPr lang="en-US" sz="4400" dirty="0" err="1">
-                <a:ea typeface="+mj-lt"/>
-                <a:cs typeface="+mj-lt"/>
-              </a:rPr>
-              <a:t>felosztása</a:t>
-            </a:r>
-            <a:r>
-              <a:rPr lang="en-US" sz="4400" dirty="0">
-                <a:ea typeface="+mj-lt"/>
-                <a:cs typeface="+mj-lt"/>
-              </a:rPr>
-              <a:t> </a:t>
-            </a:r>
-            <a:r>
-              <a:rPr lang="en-US" sz="4400" dirty="0" err="1"/>
-              <a:t>szekvenciákra</a:t>
-            </a:r>
-            <a:endParaRPr lang="en-US" dirty="0" err="1"/>
-          </a:p>
-        </p:txBody>
-      </p:sp>
-      <p:pic>
-        <p:nvPicPr>
-          <p:cNvPr id="7" name="Content Placeholder 6" descr="A map of a city&#10;&#10;Description automatically generated">
-            <a:extLst>
-              <a:ext uri="{FF2B5EF4-FFF2-40B4-BE49-F238E27FC236}">
-                <a16:creationId xmlns:a16="http://schemas.microsoft.com/office/drawing/2014/main" id="{6B32BBF0-4CCB-86E8-35D8-8359805ED4F6}"/>
-              </a:ext>
-            </a:extLst>
-          </p:cNvPr>
-          <p:cNvPicPr>
-            <a:picLocks noGrp="1" noChangeAspect="1"/>
-          </p:cNvPicPr>
-          <p:nvPr>
-            <p:ph idx="1"/>
-          </p:nvPr>
-        </p:nvPicPr>
-        <p:blipFill>
-          <a:blip r:embed="rId2"/>
-          <a:stretch>
-            <a:fillRect/>
-          </a:stretch>
-        </p:blipFill>
-        <p:spPr>
-          <a:xfrm>
-            <a:off x="4972470" y="1458309"/>
-            <a:ext cx="6836612" cy="4676953"/>
-          </a:xfrm>
-        </p:spPr>
-      </p:pic>
-      <p:sp>
-        <p:nvSpPr>
-          <p:cNvPr id="4" name="Date Placeholder 3">
-            <a:extLst>
-              <a:ext uri="{FF2B5EF4-FFF2-40B4-BE49-F238E27FC236}">
-                <a16:creationId xmlns:a16="http://schemas.microsoft.com/office/drawing/2014/main" id="{C58A9550-44E2-E2E3-23C7-E8CD823C7E3B}"/>
-              </a:ext>
-            </a:extLst>
-          </p:cNvPr>
-          <p:cNvSpPr>
-            <a:spLocks noGrp="1"/>
-          </p:cNvSpPr>
-          <p:nvPr>
-            <p:ph type="dt" sz="half" idx="10"/>
-          </p:nvPr>
-        </p:nvSpPr>
-        <p:spPr/>
-        <p:txBody>
-          <a:bodyPr/>
-          <a:lstStyle/>
-          <a:p>
-            <a:fld id="{5D95C10B-1969-4E01-93B3-425F5399AF7D}" type="datetime1">
-              <a:rPr lang="en-US"/>
-              <a:t>7/2/2024</a:t>
-            </a:fld>
-            <a:endParaRPr lang="en-US" dirty="0"/>
-          </a:p>
-        </p:txBody>
-      </p:sp>
-      <p:sp>
-        <p:nvSpPr>
-          <p:cNvPr id="8" name="TextBox 7">
-            <a:extLst>
-              <a:ext uri="{FF2B5EF4-FFF2-40B4-BE49-F238E27FC236}">
-                <a16:creationId xmlns:a16="http://schemas.microsoft.com/office/drawing/2014/main" id="{5A1E3359-DD7C-FA5F-FC24-F2F86F2B85D0}"/>
-              </a:ext>
-            </a:extLst>
-          </p:cNvPr>
-          <p:cNvSpPr txBox="1"/>
-          <p:nvPr/>
-        </p:nvSpPr>
-        <p:spPr>
-          <a:xfrm>
-            <a:off x="400010" y="2461403"/>
-            <a:ext cx="4578389" cy="1938992"/>
-          </a:xfrm>
-          <a:prstGeom prst="rect">
-            <a:avLst/>
-          </a:prstGeom>
-          <a:noFill/>
-        </p:spPr>
-        <p:txBody>
-          <a:bodyPr rot="0" spcFirstLastPara="0" vertOverflow="overflow" horzOverflow="overflow" vert="horz" wrap="square" lIns="91440" tIns="45720" rIns="91440" bIns="45720" numCol="1" spcCol="0" rtlCol="0" fromWordArt="0" anchor="t" anchorCtr="0" forceAA="0" compatLnSpc="1">
-            <a:prstTxWarp prst="textNoShape">
-              <a:avLst/>
-            </a:prstTxWarp>
-            <a:spAutoFit/>
-          </a:bodyPr>
-          <a:lstStyle/>
-          <a:p>
-            <a:r>
-              <a:rPr lang="hu" sz="2400" b="1" dirty="0">
-                <a:ea typeface="+mn-lt"/>
-                <a:cs typeface="+mn-lt"/>
-              </a:rPr>
-              <a:t>Szekvenciák:</a:t>
-            </a:r>
-          </a:p>
-          <a:p>
-            <a:pPr marL="914400" lvl="1" indent="-457200">
-              <a:buAutoNum type="arabicPeriod"/>
-            </a:pPr>
-            <a:r>
-              <a:rPr lang="hu" sz="2400" dirty="0"/>
-              <a:t>NY, K </a:t>
-            </a:r>
-            <a:r>
-              <a:rPr lang="hu" sz="2400" dirty="0">
-                <a:ea typeface="+mn-lt"/>
-                <a:cs typeface="+mn-lt"/>
-              </a:rPr>
-              <a:t>→ előre és jobbra</a:t>
-            </a:r>
-          </a:p>
-          <a:p>
-            <a:pPr marL="914400" lvl="1" indent="-457200">
-              <a:buAutoNum type="arabicPeriod"/>
-            </a:pPr>
-            <a:r>
-              <a:rPr lang="hu" sz="2400" dirty="0"/>
-              <a:t>NY, K </a:t>
-            </a:r>
-            <a:r>
-              <a:rPr lang="hu" sz="2400" dirty="0">
-                <a:ea typeface="+mn-lt"/>
-                <a:cs typeface="+mn-lt"/>
-              </a:rPr>
-              <a:t>→ balra</a:t>
-            </a:r>
-          </a:p>
-          <a:p>
-            <a:pPr marL="914400" lvl="1" indent="-457200">
-              <a:buAutoNum type="arabicPeriod"/>
-            </a:pPr>
-            <a:r>
-              <a:rPr lang="hu" sz="2400" dirty="0"/>
-              <a:t>É, D </a:t>
-            </a:r>
-            <a:r>
-              <a:rPr lang="hu" sz="2400" dirty="0">
-                <a:ea typeface="+mn-lt"/>
-                <a:cs typeface="+mn-lt"/>
-              </a:rPr>
-              <a:t>→ előre és jobbra</a:t>
-            </a:r>
-          </a:p>
-          <a:p>
-            <a:pPr marL="914400" lvl="1" indent="-457200">
-              <a:buAutoNum type="arabicPeriod"/>
-            </a:pPr>
-            <a:r>
-              <a:rPr lang="hu" sz="2400" dirty="0">
-                <a:ea typeface="+mn-lt"/>
-                <a:cs typeface="+mn-lt"/>
-              </a:rPr>
-              <a:t>É, D → balra</a:t>
-            </a:r>
-          </a:p>
-        </p:txBody>
-      </p:sp>
-    </p:spTree>
-    <p:extLst>
-      <p:ext uri="{BB962C8B-B14F-4D97-AF65-F5344CB8AC3E}">
-        <p14:creationId xmlns:p14="http://schemas.microsoft.com/office/powerpoint/2010/main" val="2746530421"/>
-      </p:ext>
-    </p:extLst>
-  </p:cSld>
-  <p:clrMapOvr>
-    <a:masterClrMapping/>
-  </p:clrMapOvr>
-  <p:transition spd="slow">
-    <p:push dir="u"/>
-  </p:transition>
-</p:sld>
-</file>
-
 <file path=ppt/slides/slide8.xml><?xml version="1.0" encoding="utf-8"?>
 <p:sld xmlns:a="http://schemas.openxmlformats.org/drawingml/2006/main" xmlns:r="http://schemas.openxmlformats.org/officeDocument/2006/relationships" xmlns:p="http://schemas.openxmlformats.org/presentationml/2006/main">
   <p:cSld>
@@ -9291,7 +10736,7 @@
           <p:cNvPr id="2" name="Title 1">
             <a:extLst>
               <a:ext uri="{FF2B5EF4-FFF2-40B4-BE49-F238E27FC236}">
-                <a16:creationId xmlns:a16="http://schemas.microsoft.com/office/drawing/2014/main" id="{9BA11BB9-36CE-1187-B8FE-0C5D908AA1CF}"/>
+                <a16:creationId xmlns:a16="http://schemas.microsoft.com/office/drawing/2014/main" xmlns="" id="{5260B7F9-620C-B625-D9F9-5A0DE10A033E}"/>
               </a:ext>
             </a:extLst>
           </p:cNvPr>
@@ -9304,8 +10749,8 @@
         </p:nvSpPr>
         <p:spPr>
           <a:xfrm>
-            <a:off x="382611" y="778678"/>
-            <a:ext cx="6397878" cy="959729"/>
+            <a:off x="612648" y="548640"/>
+            <a:ext cx="9172710" cy="815957"/>
           </a:xfrm>
         </p:spPr>
         <p:txBody>
@@ -9315,63 +10760,52 @@
           <a:lstStyle/>
           <a:p>
             <a:r>
-              <a:rPr lang="en-US" sz="4400" err="1"/>
-              <a:t>Szimulációs</a:t>
-            </a:r>
-            <a:r>
-              <a:rPr lang="en-US" sz="4400" dirty="0"/>
-              <a:t> </a:t>
-            </a:r>
-            <a:r>
-              <a:rPr lang="en-US" sz="4400" err="1"/>
-              <a:t>környezet</a:t>
-            </a:r>
-            <a:endParaRPr lang="en-US" sz="4400"/>
-          </a:p>
-        </p:txBody>
-      </p:sp>
-      <p:sp>
-        <p:nvSpPr>
-          <p:cNvPr id="4" name="Date Placeholder 3">
-            <a:extLst>
-              <a:ext uri="{FF2B5EF4-FFF2-40B4-BE49-F238E27FC236}">
-                <a16:creationId xmlns:a16="http://schemas.microsoft.com/office/drawing/2014/main" id="{C44B5C84-EE05-291C-0F87-297DEF5101E2}"/>
-              </a:ext>
-            </a:extLst>
-          </p:cNvPr>
-          <p:cNvSpPr>
-            <a:spLocks noGrp="1"/>
-          </p:cNvSpPr>
-          <p:nvPr>
-            <p:ph type="dt" sz="half" idx="10"/>
-          </p:nvPr>
-        </p:nvSpPr>
-        <p:spPr/>
-        <p:txBody>
-          <a:bodyPr/>
-          <a:lstStyle/>
-          <a:p>
-            <a:fld id="{2E900C21-3268-4800-9EBC-4C042BA27B78}" type="datetime1">
-              <a:rPr lang="en-US"/>
-              <a:t>7/2/2024</a:t>
-            </a:fld>
-            <a:endParaRPr lang="en-US" dirty="0"/>
+              <a:rPr lang="en-US" sz="4400">
+                <a:ea typeface="+mj-lt"/>
+                <a:cs typeface="+mj-lt"/>
+              </a:rPr>
+              <a:t>Fuzzy </a:t>
+            </a:r>
+            <a:r>
+              <a:rPr lang="en-US" sz="4400" err="1">
+                <a:ea typeface="+mj-lt"/>
+                <a:cs typeface="+mj-lt"/>
+              </a:rPr>
+              <a:t>szabályozás</a:t>
+            </a:r>
+            <a:r>
+              <a:rPr lang="en-US" sz="4400">
+                <a:ea typeface="+mj-lt"/>
+                <a:cs typeface="+mj-lt"/>
+              </a:rPr>
+              <a:t> </a:t>
+            </a:r>
+            <a:r>
+              <a:rPr lang="en-US" sz="4400" err="1">
+                <a:ea typeface="+mj-lt"/>
+                <a:cs typeface="+mj-lt"/>
+              </a:rPr>
+              <a:t>tömbvázlata</a:t>
+            </a:r>
+            <a:endParaRPr lang="en-US" sz="3200" err="1"/>
           </a:p>
         </p:txBody>
       </p:sp>
       <p:pic>
         <p:nvPicPr>
-          <p:cNvPr id="7" name="Picture 6" descr="A video game of cars on a road&#10;&#10;Description automatically generated">
-            <a:extLst>
-              <a:ext uri="{FF2B5EF4-FFF2-40B4-BE49-F238E27FC236}">
-                <a16:creationId xmlns:a16="http://schemas.microsoft.com/office/drawing/2014/main" id="{0943F09B-3EA1-451C-3320-515BB4E7B4C1}"/>
+          <p:cNvPr id="7" name="Content Placeholder 6" descr="A diagram of a computer&#10;&#10;Description automatically generated">
+            <a:extLst>
+              <a:ext uri="{FF2B5EF4-FFF2-40B4-BE49-F238E27FC236}">
+                <a16:creationId xmlns:a16="http://schemas.microsoft.com/office/drawing/2014/main" xmlns="" id="{7E79523E-B79C-5773-7FD1-FF599BB4CA4C}"/>
               </a:ext>
             </a:extLst>
           </p:cNvPr>
           <p:cNvPicPr>
-            <a:picLocks noChangeAspect="1"/>
+            <a:picLocks noGrp="1" noChangeAspect="1"/>
           </p:cNvPicPr>
-          <p:nvPr/>
+          <p:nvPr>
+            <p:ph idx="1"/>
+          </p:nvPr>
         </p:nvPicPr>
         <p:blipFill>
           <a:blip r:embed="rId2"/>
@@ -9381,225 +10815,15 @@
         </p:blipFill>
         <p:spPr>
           <a:xfrm>
-            <a:off x="6784197" y="785407"/>
-            <a:ext cx="4845170" cy="2328327"/>
-          </a:xfrm>
-          <a:prstGeom prst="rect">
-            <a:avLst/>
-          </a:prstGeom>
+            <a:off x="605436" y="1384089"/>
+            <a:ext cx="10653622" cy="5055431"/>
+          </a:xfrm>
         </p:spPr>
       </p:pic>
-      <p:pic>
-        <p:nvPicPr>
-          <p:cNvPr id="10" name="Content Placeholder 9" descr="A map of a city&#10;&#10;Description automatically generated">
-            <a:extLst>
-              <a:ext uri="{FF2B5EF4-FFF2-40B4-BE49-F238E27FC236}">
-                <a16:creationId xmlns:a16="http://schemas.microsoft.com/office/drawing/2014/main" id="{027B9BEF-6DC4-9AD6-35BF-D86C8D279952}"/>
-              </a:ext>
-            </a:extLst>
-          </p:cNvPr>
-          <p:cNvPicPr>
-            <a:picLocks noGrp="1" noChangeAspect="1"/>
-          </p:cNvPicPr>
-          <p:nvPr>
-            <p:ph idx="1"/>
-          </p:nvPr>
-        </p:nvPicPr>
-        <p:blipFill>
-          <a:blip r:embed="rId3"/>
-          <a:stretch>
-            <a:fillRect/>
-          </a:stretch>
-        </p:blipFill>
-        <p:spPr>
-          <a:xfrm>
-            <a:off x="217248" y="2605925"/>
-            <a:ext cx="6225396" cy="2439231"/>
-          </a:xfrm>
-        </p:spPr>
-      </p:pic>
-      <p:pic>
-        <p:nvPicPr>
-          <p:cNvPr id="11" name="Picture 10" descr="A black car with green and blue lights&#10;&#10;Description automatically generated">
-            <a:extLst>
-              <a:ext uri="{FF2B5EF4-FFF2-40B4-BE49-F238E27FC236}">
-                <a16:creationId xmlns:a16="http://schemas.microsoft.com/office/drawing/2014/main" id="{191BB9E4-6CD8-CD49-CD72-6FFA14B9A396}"/>
-              </a:ext>
-            </a:extLst>
-          </p:cNvPr>
-          <p:cNvPicPr>
-            <a:picLocks noChangeAspect="1"/>
-          </p:cNvPicPr>
-          <p:nvPr/>
-        </p:nvPicPr>
-        <p:blipFill>
-          <a:blip r:embed="rId4"/>
-          <a:stretch>
-            <a:fillRect/>
-          </a:stretch>
-        </p:blipFill>
-        <p:spPr>
-          <a:xfrm>
-            <a:off x="6783878" y="3628321"/>
-            <a:ext cx="4730150" cy="2584820"/>
-          </a:xfrm>
-          <a:prstGeom prst="rect">
-            <a:avLst/>
-          </a:prstGeom>
-        </p:spPr>
-      </p:pic>
-      <p:sp>
-        <p:nvSpPr>
-          <p:cNvPr id="14" name="TextBox 13">
-            <a:extLst>
-              <a:ext uri="{FF2B5EF4-FFF2-40B4-BE49-F238E27FC236}">
-                <a16:creationId xmlns:a16="http://schemas.microsoft.com/office/drawing/2014/main" id="{6B262BEE-E91D-D03F-01D3-7A871D172BC4}"/>
-              </a:ext>
-            </a:extLst>
-          </p:cNvPr>
-          <p:cNvSpPr txBox="1"/>
-          <p:nvPr/>
-        </p:nvSpPr>
-        <p:spPr>
-          <a:xfrm>
-            <a:off x="1648304" y="5044955"/>
-            <a:ext cx="3048000" cy="369332"/>
-          </a:xfrm>
-          <a:prstGeom prst="rect">
-            <a:avLst/>
-          </a:prstGeom>
-          <a:noFill/>
-        </p:spPr>
-        <p:txBody>
-          <a:bodyPr rot="0" spcFirstLastPara="0" vertOverflow="overflow" horzOverflow="overflow" vert="horz" wrap="square" lIns="91440" tIns="45720" rIns="91440" bIns="45720" numCol="1" spcCol="0" rtlCol="0" fromWordArt="0" anchor="t" anchorCtr="0" forceAA="0" compatLnSpc="1">
-            <a:prstTxWarp prst="textNoShape">
-              <a:avLst/>
-            </a:prstTxWarp>
-            <a:spAutoFit/>
-          </a:bodyPr>
-          <a:lstStyle/>
-          <a:p>
-            <a:r>
-              <a:rPr lang="en-US" b="1" err="1"/>
-              <a:t>Sávterület</a:t>
-            </a:r>
-            <a:r>
-              <a:rPr lang="en-US" b="1" dirty="0"/>
-              <a:t> </a:t>
-            </a:r>
-            <a:r>
-              <a:rPr lang="en-US" b="1" err="1"/>
-              <a:t>detektorok</a:t>
-            </a:r>
-            <a:endParaRPr lang="en-US" b="1"/>
-          </a:p>
-        </p:txBody>
-      </p:sp>
-      <p:sp>
-        <p:nvSpPr>
-          <p:cNvPr id="17" name="TextBox 16">
-            <a:extLst>
-              <a:ext uri="{FF2B5EF4-FFF2-40B4-BE49-F238E27FC236}">
-                <a16:creationId xmlns:a16="http://schemas.microsoft.com/office/drawing/2014/main" id="{CE0A61E4-5699-8C0B-0811-A9DB326DB23F}"/>
-              </a:ext>
-            </a:extLst>
-          </p:cNvPr>
-          <p:cNvSpPr txBox="1"/>
-          <p:nvPr/>
-        </p:nvSpPr>
-        <p:spPr>
-          <a:xfrm>
-            <a:off x="7756884" y="3107605"/>
-            <a:ext cx="3365500" cy="369332"/>
-          </a:xfrm>
-          <a:prstGeom prst="rect">
-            <a:avLst/>
-          </a:prstGeom>
-          <a:noFill/>
-        </p:spPr>
-        <p:txBody>
-          <a:bodyPr rot="0" spcFirstLastPara="0" vertOverflow="overflow" horzOverflow="overflow" vert="horz" wrap="square" lIns="91440" tIns="45720" rIns="91440" bIns="45720" numCol="1" spcCol="0" rtlCol="0" fromWordArt="0" anchor="t" anchorCtr="0" forceAA="0" compatLnSpc="1">
-            <a:prstTxWarp prst="textNoShape">
-              <a:avLst/>
-            </a:prstTxWarp>
-            <a:spAutoFit/>
-          </a:bodyPr>
-          <a:lstStyle/>
-          <a:p>
-            <a:r>
-              <a:rPr lang="en-US" b="1" dirty="0" err="1"/>
-              <a:t>Autók</a:t>
-            </a:r>
-            <a:r>
-              <a:rPr lang="en-US" b="1" dirty="0"/>
-              <a:t> a </a:t>
-            </a:r>
-            <a:r>
-              <a:rPr lang="en-US" b="1" dirty="0" err="1"/>
-              <a:t>szimulációban</a:t>
-            </a:r>
-            <a:endParaRPr lang="en-US" b="1" dirty="0"/>
-          </a:p>
-        </p:txBody>
-      </p:sp>
-      <p:sp>
-        <p:nvSpPr>
-          <p:cNvPr id="23" name="TextBox 22">
-            <a:extLst>
-              <a:ext uri="{FF2B5EF4-FFF2-40B4-BE49-F238E27FC236}">
-                <a16:creationId xmlns:a16="http://schemas.microsoft.com/office/drawing/2014/main" id="{E49055AB-C6AB-3053-2A9B-6D5ACDC3D6DC}"/>
-              </a:ext>
-            </a:extLst>
-          </p:cNvPr>
-          <p:cNvSpPr txBox="1"/>
-          <p:nvPr/>
-        </p:nvSpPr>
-        <p:spPr>
-          <a:xfrm>
-            <a:off x="7326703" y="6219645"/>
-            <a:ext cx="3807123" cy="369332"/>
-          </a:xfrm>
-          <a:prstGeom prst="rect">
-            <a:avLst/>
-          </a:prstGeom>
-          <a:noFill/>
-        </p:spPr>
-        <p:txBody>
-          <a:bodyPr rot="0" spcFirstLastPara="0" vertOverflow="overflow" horzOverflow="overflow" vert="horz" wrap="square" lIns="91440" tIns="45720" rIns="91440" bIns="45720" numCol="1" spcCol="0" rtlCol="0" fromWordArt="0" anchor="t" anchorCtr="0" forceAA="0" compatLnSpc="1">
-            <a:prstTxWarp prst="textNoShape">
-              <a:avLst/>
-            </a:prstTxWarp>
-            <a:spAutoFit/>
-          </a:bodyPr>
-          <a:lstStyle/>
-          <a:p>
-            <a:r>
-              <a:rPr lang="en-US" b="1" dirty="0" err="1"/>
-              <a:t>Kereszteződésben</a:t>
-            </a:r>
-            <a:r>
-              <a:rPr lang="en-US" b="1" dirty="0"/>
-              <a:t> </a:t>
-            </a:r>
-            <a:r>
-              <a:rPr lang="en-US" b="1" dirty="0" err="1"/>
-              <a:t>lévő</a:t>
-            </a:r>
-            <a:r>
-              <a:rPr lang="en-US" b="1" dirty="0"/>
-              <a:t> </a:t>
-            </a:r>
-            <a:r>
-              <a:rPr lang="en-US" b="1" dirty="0" err="1"/>
-              <a:t>irányok</a:t>
-            </a:r>
-          </a:p>
-        </p:txBody>
-      </p:sp>
     </p:spTree>
     <p:extLst>
       <p:ext uri="{BB962C8B-B14F-4D97-AF65-F5344CB8AC3E}">
-        <p14:creationId xmlns:p14="http://schemas.microsoft.com/office/powerpoint/2010/main" val="2816345284"/>
+        <p14:creationId xmlns:p14="http://schemas.microsoft.com/office/powerpoint/2010/main" val="4262212579"/>
       </p:ext>
     </p:extLst>
   </p:cSld>
@@ -9607,7 +10831,7 @@
     <a:masterClrMapping/>
   </p:clrMapOvr>
   <p:transition spd="slow">
-    <p:push dir="u"/>
+    <p:fade/>
   </p:transition>
 </p:sld>
 </file>
@@ -9634,7 +10858,7 @@
           <p:cNvPr id="2" name="Title 1">
             <a:extLst>
               <a:ext uri="{FF2B5EF4-FFF2-40B4-BE49-F238E27FC236}">
-                <a16:creationId xmlns:a16="http://schemas.microsoft.com/office/drawing/2014/main" id="{B5C73FAC-64ED-EBD6-6ABD-C6466512192A}"/>
+                <a16:creationId xmlns:a16="http://schemas.microsoft.com/office/drawing/2014/main" xmlns="" id="{888598FE-5D5E-3467-A3A9-F7282CB17994}"/>
               </a:ext>
             </a:extLst>
           </p:cNvPr>
@@ -9647,8 +10871,8 @@
         </p:nvSpPr>
         <p:spPr>
           <a:xfrm>
-            <a:off x="468874" y="131697"/>
-            <a:ext cx="11171164" cy="1333539"/>
+            <a:off x="396989" y="419244"/>
+            <a:ext cx="11401198" cy="830333"/>
           </a:xfrm>
         </p:spPr>
         <p:txBody>
@@ -9658,55 +10882,41 @@
           <a:lstStyle/>
           <a:p>
             <a:r>
-              <a:rPr lang="en-US" sz="4400" dirty="0"/>
-              <a:t>Fuzzy </a:t>
-            </a:r>
-            <a:r>
               <a:rPr lang="en-US" sz="4400" err="1"/>
-              <a:t>bemeneti</a:t>
-            </a:r>
-            <a:r>
-              <a:rPr lang="en-US" sz="4400" dirty="0"/>
-              <a:t> </a:t>
+              <a:t>Kereszteződés</a:t>
+            </a:r>
+            <a:r>
+              <a:rPr lang="en-US" sz="4400"/>
+              <a:t> </a:t>
+            </a:r>
+            <a:r>
+              <a:rPr lang="en-US" sz="4400" err="1">
+                <a:ea typeface="+mj-lt"/>
+                <a:cs typeface="+mj-lt"/>
+              </a:rPr>
+              <a:t>felosztása</a:t>
+            </a:r>
+            <a:r>
+              <a:rPr lang="en-US" sz="4400">
+                <a:ea typeface="+mj-lt"/>
+                <a:cs typeface="+mj-lt"/>
+              </a:rPr>
+              <a:t> </a:t>
             </a:r>
             <a:r>
               <a:rPr lang="en-US" sz="4400" err="1"/>
-              <a:t>és</a:t>
-            </a:r>
-            <a:r>
-              <a:rPr lang="en-US" sz="4400" dirty="0"/>
-              <a:t> </a:t>
-            </a:r>
-            <a:r>
-              <a:rPr lang="en-US" sz="4400" err="1"/>
-              <a:t>kimeneti</a:t>
-            </a:r>
-            <a:r>
-              <a:rPr lang="en-US" sz="4400" dirty="0"/>
-              <a:t> </a:t>
-            </a:r>
-            <a:r>
-              <a:rPr lang="en-US" sz="4400" err="1"/>
-              <a:t>tagsági</a:t>
-            </a:r>
-            <a:r>
-              <a:rPr lang="en-US" sz="4400" dirty="0"/>
-              <a:t> </a:t>
-            </a:r>
-            <a:r>
-              <a:rPr lang="en-US" sz="4400" err="1"/>
-              <a:t>függvények</a:t>
-            </a:r>
-            <a:endParaRPr lang="en-US" sz="4400"/>
+              <a:t>szekvenciákra</a:t>
+            </a:r>
+            <a:endParaRPr lang="en-US" err="1"/>
           </a:p>
         </p:txBody>
       </p:sp>
       <p:pic>
         <p:nvPicPr>
-          <p:cNvPr id="7" name="Content Placeholder 6" descr="A graph of different colored lines&#10;&#10;Description automatically generated">
-            <a:extLst>
-              <a:ext uri="{FF2B5EF4-FFF2-40B4-BE49-F238E27FC236}">
-                <a16:creationId xmlns:a16="http://schemas.microsoft.com/office/drawing/2014/main" id="{4421DC88-5D6D-008B-596D-84B153185E8A}"/>
+          <p:cNvPr id="7" name="Content Placeholder 6" descr="A map of a city&#10;&#10;Description automatically generated">
+            <a:extLst>
+              <a:ext uri="{FF2B5EF4-FFF2-40B4-BE49-F238E27FC236}">
+                <a16:creationId xmlns:a16="http://schemas.microsoft.com/office/drawing/2014/main" xmlns="" id="{6B32BBF0-4CCB-86E8-35D8-8359805ED4F6}"/>
               </a:ext>
             </a:extLst>
           </p:cNvPr>
@@ -9725,91 +10935,125 @@
         </p:blipFill>
         <p:spPr>
           <a:xfrm>
-            <a:off x="202871" y="1592496"/>
-            <a:ext cx="6167886" cy="4868653"/>
+            <a:off x="4972470" y="1458309"/>
+            <a:ext cx="6836612" cy="4676953"/>
           </a:xfrm>
         </p:spPr>
       </p:pic>
       <p:sp>
         <p:nvSpPr>
-          <p:cNvPr id="4" name="Date Placeholder 3">
-            <a:extLst>
-              <a:ext uri="{FF2B5EF4-FFF2-40B4-BE49-F238E27FC236}">
-                <a16:creationId xmlns:a16="http://schemas.microsoft.com/office/drawing/2014/main" id="{8E2FDE0F-C156-11B4-5046-2E297C184724}"/>
-              </a:ext>
-            </a:extLst>
-          </p:cNvPr>
-          <p:cNvSpPr>
-            <a:spLocks noGrp="1"/>
-          </p:cNvSpPr>
-          <p:nvPr>
-            <p:ph type="dt" sz="half" idx="10"/>
-          </p:nvPr>
-        </p:nvSpPr>
-        <p:spPr/>
-        <p:txBody>
-          <a:bodyPr/>
-          <a:lstStyle/>
-          <a:p>
-            <a:fld id="{FC45F27B-54E3-4703-A55A-9F15016CEE7C}" type="datetime1">
-              <a:t>7/2/2024</a:t>
-            </a:fld>
-            <a:endParaRPr lang="en-US" dirty="0"/>
-          </a:p>
-        </p:txBody>
-      </p:sp>
-      <p:pic>
-        <p:nvPicPr>
-          <p:cNvPr id="8" name="Picture 7" descr="A graph with colored lines&#10;&#10;Description automatically generated">
-            <a:extLst>
-              <a:ext uri="{FF2B5EF4-FFF2-40B4-BE49-F238E27FC236}">
-                <a16:creationId xmlns:a16="http://schemas.microsoft.com/office/drawing/2014/main" id="{194925C4-5D95-8B20-A108-7C4D70958E12}"/>
-              </a:ext>
-            </a:extLst>
-          </p:cNvPr>
-          <p:cNvPicPr>
-            <a:picLocks noChangeAspect="1"/>
-          </p:cNvPicPr>
+          <p:cNvPr id="8" name="TextBox 7">
+            <a:extLst>
+              <a:ext uri="{FF2B5EF4-FFF2-40B4-BE49-F238E27FC236}">
+                <a16:creationId xmlns:a16="http://schemas.microsoft.com/office/drawing/2014/main" xmlns="" id="{5A1E3359-DD7C-FA5F-FC24-F2F86F2B85D0}"/>
+              </a:ext>
+            </a:extLst>
+          </p:cNvPr>
+          <p:cNvSpPr txBox="1"/>
           <p:nvPr/>
-        </p:nvPicPr>
-        <p:blipFill>
-          <a:blip r:embed="rId3"/>
-          <a:stretch>
-            <a:fillRect/>
-          </a:stretch>
-        </p:blipFill>
-        <p:spPr>
-          <a:xfrm>
-            <a:off x="6371407" y="2101970"/>
-            <a:ext cx="5822831" cy="3436188"/>
+        </p:nvSpPr>
+        <p:spPr>
+          <a:xfrm>
+            <a:off x="400010" y="2461403"/>
+            <a:ext cx="4578389" cy="1938992"/>
           </a:xfrm>
           <a:prstGeom prst="rect">
             <a:avLst/>
           </a:prstGeom>
-        </p:spPr>
-      </p:pic>
+          <a:noFill/>
+        </p:spPr>
+        <p:txBody>
+          <a:bodyPr rot="0" spcFirstLastPara="0" vertOverflow="overflow" horzOverflow="overflow" vert="horz" wrap="square" lIns="91440" tIns="45720" rIns="91440" bIns="45720" numCol="1" spcCol="0" rtlCol="0" fromWordArt="0" anchor="t" anchorCtr="0" forceAA="0" compatLnSpc="1">
+            <a:prstTxWarp prst="textNoShape">
+              <a:avLst/>
+            </a:prstTxWarp>
+            <a:spAutoFit/>
+          </a:bodyPr>
+          <a:lstStyle/>
+          <a:p>
+            <a:r>
+              <a:rPr lang="hu" sz="2400" b="1">
+                <a:ea typeface="+mn-lt"/>
+                <a:cs typeface="+mn-lt"/>
+              </a:rPr>
+              <a:t>Szekvenciák:</a:t>
+            </a:r>
+          </a:p>
+          <a:p>
+            <a:pPr marL="914400" lvl="1" indent="-457200">
+              <a:buAutoNum type="arabicPeriod"/>
+            </a:pPr>
+            <a:r>
+              <a:rPr lang="hu" sz="2400"/>
+              <a:t>NY, K </a:t>
+            </a:r>
+            <a:r>
+              <a:rPr lang="hu" sz="2400">
+                <a:ea typeface="+mn-lt"/>
+                <a:cs typeface="+mn-lt"/>
+              </a:rPr>
+              <a:t>→ előre és jobbra</a:t>
+            </a:r>
+          </a:p>
+          <a:p>
+            <a:pPr marL="914400" lvl="1" indent="-457200">
+              <a:buAutoNum type="arabicPeriod"/>
+            </a:pPr>
+            <a:r>
+              <a:rPr lang="hu" sz="2400"/>
+              <a:t>NY, K </a:t>
+            </a:r>
+            <a:r>
+              <a:rPr lang="hu" sz="2400">
+                <a:ea typeface="+mn-lt"/>
+                <a:cs typeface="+mn-lt"/>
+              </a:rPr>
+              <a:t>→ balra</a:t>
+            </a:r>
+          </a:p>
+          <a:p>
+            <a:pPr marL="914400" lvl="1" indent="-457200">
+              <a:buAutoNum type="arabicPeriod"/>
+            </a:pPr>
+            <a:r>
+              <a:rPr lang="hu" sz="2400"/>
+              <a:t>É, D </a:t>
+            </a:r>
+            <a:r>
+              <a:rPr lang="hu" sz="2400">
+                <a:ea typeface="+mn-lt"/>
+                <a:cs typeface="+mn-lt"/>
+              </a:rPr>
+              <a:t>→ előre és jobbra</a:t>
+            </a:r>
+          </a:p>
+          <a:p>
+            <a:pPr marL="914400" lvl="1" indent="-457200">
+              <a:buAutoNum type="arabicPeriod"/>
+            </a:pPr>
+            <a:r>
+              <a:rPr lang="hu" sz="2400">
+                <a:ea typeface="+mn-lt"/>
+                <a:cs typeface="+mn-lt"/>
+              </a:rPr>
+              <a:t>É, D → balra</a:t>
+            </a:r>
+          </a:p>
+        </p:txBody>
+      </p:sp>
     </p:spTree>
     <p:extLst>
       <p:ext uri="{BB962C8B-B14F-4D97-AF65-F5344CB8AC3E}">
-        <p14:creationId xmlns:p14="http://schemas.microsoft.com/office/powerpoint/2010/main" val="4086649170"/>
+        <p14:creationId xmlns:p14="http://schemas.microsoft.com/office/powerpoint/2010/main" val="2746530421"/>
       </p:ext>
     </p:extLst>
   </p:cSld>
   <p:clrMapOvr>
     <a:masterClrMapping/>
   </p:clrMapOvr>
-  <mc:AlternateContent xmlns:mc="http://schemas.openxmlformats.org/markup-compatibility/2006" xmlns:p14="http://schemas.microsoft.com/office/powerpoint/2010/main">
-    <mc:Choice Requires="p14">
-      <p:transition spd="slow" p14:dur="1500">
-        <p:split orient="vert"/>
-      </p:transition>
-    </mc:Choice>
-    <mc:Fallback xmlns="">
-      <p:transition spd="slow">
-        <p:split orient="vert"/>
-      </p:transition>
-    </mc:Fallback>
-  </mc:AlternateContent>
+  <p:transition spd="slow">
+    <p:push dir="u"/>
+  </p:transition>
 </p:sld>
 </file>
 
@@ -10008,8 +11252,293 @@
   <a:extraClrSchemeLst/>
   <a:extLst>
     <a:ext uri="{05A4C25C-085E-4340-85A3-A5531E510DB2}">
-      <thm15:themeFamily xmlns:thm15="http://schemas.microsoft.com/office/thememl/2012/main" name="VanillaVTI" id="{AACC6CF0-9F86-48CC-9C4E-CA578EE0A0A0}" vid="{3BDE51FE-56D6-4100-AFB5-5B4AEDCE2EF6}"/>
+      <thm15:themeFamily xmlns:thm15="http://schemas.microsoft.com/office/thememl/2012/main" xmlns="" name="VanillaVTI" id="{AACC6CF0-9F86-48CC-9C4E-CA578EE0A0A0}" vid="{3BDE51FE-56D6-4100-AFB5-5B4AEDCE2EF6}"/>
     </a:ext>
   </a:extLst>
 </a:theme>
+</file>
+
+<file path=ppt/theme/theme2.xml><?xml version="1.0" encoding="utf-8"?>
+<a:theme xmlns:a="http://schemas.openxmlformats.org/drawingml/2006/main" name="Office Theme">
+  <a:themeElements>
+    <a:clrScheme name="Office">
+      <a:dk1>
+        <a:sysClr val="windowText" lastClr="000000"/>
+      </a:dk1>
+      <a:lt1>
+        <a:sysClr val="window" lastClr="FFFFFF"/>
+      </a:lt1>
+      <a:dk2>
+        <a:srgbClr val="1F497D"/>
+      </a:dk2>
+      <a:lt2>
+        <a:srgbClr val="EEECE1"/>
+      </a:lt2>
+      <a:accent1>
+        <a:srgbClr val="4F81BD"/>
+      </a:accent1>
+      <a:accent2>
+        <a:srgbClr val="C0504D"/>
+      </a:accent2>
+      <a:accent3>
+        <a:srgbClr val="9BBB59"/>
+      </a:accent3>
+      <a:accent4>
+        <a:srgbClr val="8064A2"/>
+      </a:accent4>
+      <a:accent5>
+        <a:srgbClr val="4BACC6"/>
+      </a:accent5>
+      <a:accent6>
+        <a:srgbClr val="F79646"/>
+      </a:accent6>
+      <a:hlink>
+        <a:srgbClr val="0000FF"/>
+      </a:hlink>
+      <a:folHlink>
+        <a:srgbClr val="800080"/>
+      </a:folHlink>
+    </a:clrScheme>
+    <a:fontScheme name="Office">
+      <a:majorFont>
+        <a:latin typeface="Calibri"/>
+        <a:ea typeface=""/>
+        <a:cs typeface=""/>
+        <a:font script="Jpan" typeface="ＭＳ Ｐゴシック"/>
+        <a:font script="Hang" typeface="맑은 고딕"/>
+        <a:font script="Hans" typeface="宋体"/>
+        <a:font script="Hant" typeface="新細明體"/>
+        <a:font script="Arab" typeface="Times New Roman"/>
+        <a:font script="Hebr" typeface="Times New Roman"/>
+        <a:font script="Thai" typeface="Angsana New"/>
+        <a:font script="Ethi" typeface="Nyala"/>
+        <a:font script="Beng" typeface="Vrinda"/>
+        <a:font script="Gujr" typeface="Shruti"/>
+        <a:font script="Khmr" typeface="MoolBoran"/>
+        <a:font script="Knda" typeface="Tunga"/>
+        <a:font script="Guru" typeface="Raavi"/>
+        <a:font script="Cans" typeface="Euphemia"/>
+        <a:font script="Cher" typeface="Plantagenet Cherokee"/>
+        <a:font script="Yiii" typeface="Microsoft Yi Baiti"/>
+        <a:font script="Tibt" typeface="Microsoft Himalaya"/>
+        <a:font script="Thaa" typeface="MV Boli"/>
+        <a:font script="Deva" typeface="Mangal"/>
+        <a:font script="Telu" typeface="Gautami"/>
+        <a:font script="Taml" typeface="Latha"/>
+        <a:font script="Syrc" typeface="Estrangelo Edessa"/>
+        <a:font script="Orya" typeface="Kalinga"/>
+        <a:font script="Mlym" typeface="Kartika"/>
+        <a:font script="Laoo" typeface="DokChampa"/>
+        <a:font script="Sinh" typeface="Iskoola Pota"/>
+        <a:font script="Mong" typeface="Mongolian Baiti"/>
+        <a:font script="Viet" typeface="Times New Roman"/>
+        <a:font script="Uigh" typeface="Microsoft Uighur"/>
+        <a:font script="Geor" typeface="Sylfaen"/>
+      </a:majorFont>
+      <a:minorFont>
+        <a:latin typeface="Calibri"/>
+        <a:ea typeface=""/>
+        <a:cs typeface=""/>
+        <a:font script="Jpan" typeface="ＭＳ Ｐゴシック"/>
+        <a:font script="Hang" typeface="맑은 고딕"/>
+        <a:font script="Hans" typeface="宋体"/>
+        <a:font script="Hant" typeface="新細明體"/>
+        <a:font script="Arab" typeface="Arial"/>
+        <a:font script="Hebr" typeface="Arial"/>
+        <a:font script="Thai" typeface="Cordia New"/>
+        <a:font script="Ethi" typeface="Nyala"/>
+        <a:font script="Beng" typeface="Vrinda"/>
+        <a:font script="Gujr" typeface="Shruti"/>
+        <a:font script="Khmr" typeface="DaunPenh"/>
+        <a:font script="Knda" typeface="Tunga"/>
+        <a:font script="Guru" typeface="Raavi"/>
+        <a:font script="Cans" typeface="Euphemia"/>
+        <a:font script="Cher" typeface="Plantagenet Cherokee"/>
+        <a:font script="Yiii" typeface="Microsoft Yi Baiti"/>
+        <a:font script="Tibt" typeface="Microsoft Himalaya"/>
+        <a:font script="Thaa" typeface="MV Boli"/>
+        <a:font script="Deva" typeface="Mangal"/>
+        <a:font script="Telu" typeface="Gautami"/>
+        <a:font script="Taml" typeface="Latha"/>
+        <a:font script="Syrc" typeface="Estrangelo Edessa"/>
+        <a:font script="Orya" typeface="Kalinga"/>
+        <a:font script="Mlym" typeface="Kartika"/>
+        <a:font script="Laoo" typeface="DokChampa"/>
+        <a:font script="Sinh" typeface="Iskoola Pota"/>
+        <a:font script="Mong" typeface="Mongolian Baiti"/>
+        <a:font script="Viet" typeface="Arial"/>
+        <a:font script="Uigh" typeface="Microsoft Uighur"/>
+        <a:font script="Geor" typeface="Sylfaen"/>
+      </a:minorFont>
+    </a:fontScheme>
+    <a:fmtScheme name="Office">
+      <a:fillStyleLst>
+        <a:solidFill>
+          <a:schemeClr val="phClr"/>
+        </a:solidFill>
+        <a:gradFill rotWithShape="1">
+          <a:gsLst>
+            <a:gs pos="0">
+              <a:schemeClr val="phClr">
+                <a:tint val="50000"/>
+                <a:satMod val="300000"/>
+              </a:schemeClr>
+            </a:gs>
+            <a:gs pos="35000">
+              <a:schemeClr val="phClr">
+                <a:tint val="37000"/>
+                <a:satMod val="300000"/>
+              </a:schemeClr>
+            </a:gs>
+            <a:gs pos="100000">
+              <a:schemeClr val="phClr">
+                <a:tint val="15000"/>
+                <a:satMod val="350000"/>
+              </a:schemeClr>
+            </a:gs>
+          </a:gsLst>
+          <a:lin ang="16200000" scaled="1"/>
+        </a:gradFill>
+        <a:gradFill rotWithShape="1">
+          <a:gsLst>
+            <a:gs pos="0">
+              <a:schemeClr val="phClr">
+                <a:shade val="51000"/>
+                <a:satMod val="130000"/>
+              </a:schemeClr>
+            </a:gs>
+            <a:gs pos="80000">
+              <a:schemeClr val="phClr">
+                <a:shade val="93000"/>
+                <a:satMod val="130000"/>
+              </a:schemeClr>
+            </a:gs>
+            <a:gs pos="100000">
+              <a:schemeClr val="phClr">
+                <a:shade val="94000"/>
+                <a:satMod val="135000"/>
+              </a:schemeClr>
+            </a:gs>
+          </a:gsLst>
+          <a:lin ang="16200000" scaled="0"/>
+        </a:gradFill>
+      </a:fillStyleLst>
+      <a:lnStyleLst>
+        <a:ln w="9525" cap="flat" cmpd="sng" algn="ctr">
+          <a:solidFill>
+            <a:schemeClr val="phClr">
+              <a:shade val="95000"/>
+              <a:satMod val="105000"/>
+            </a:schemeClr>
+          </a:solidFill>
+          <a:prstDash val="solid"/>
+        </a:ln>
+        <a:ln w="25400" cap="flat" cmpd="sng" algn="ctr">
+          <a:solidFill>
+            <a:schemeClr val="phClr"/>
+          </a:solidFill>
+          <a:prstDash val="solid"/>
+        </a:ln>
+        <a:ln w="38100" cap="flat" cmpd="sng" algn="ctr">
+          <a:solidFill>
+            <a:schemeClr val="phClr"/>
+          </a:solidFill>
+          <a:prstDash val="solid"/>
+        </a:ln>
+      </a:lnStyleLst>
+      <a:effectStyleLst>
+        <a:effectStyle>
+          <a:effectLst>
+            <a:outerShdw blurRad="40000" dist="20000" dir="5400000" rotWithShape="0">
+              <a:srgbClr val="000000">
+                <a:alpha val="38000"/>
+              </a:srgbClr>
+            </a:outerShdw>
+          </a:effectLst>
+        </a:effectStyle>
+        <a:effectStyle>
+          <a:effectLst>
+            <a:outerShdw blurRad="40000" dist="23000" dir="5400000" rotWithShape="0">
+              <a:srgbClr val="000000">
+                <a:alpha val="35000"/>
+              </a:srgbClr>
+            </a:outerShdw>
+          </a:effectLst>
+        </a:effectStyle>
+        <a:effectStyle>
+          <a:effectLst>
+            <a:outerShdw blurRad="40000" dist="23000" dir="5400000" rotWithShape="0">
+              <a:srgbClr val="000000">
+                <a:alpha val="35000"/>
+              </a:srgbClr>
+            </a:outerShdw>
+          </a:effectLst>
+          <a:scene3d>
+            <a:camera prst="orthographicFront">
+              <a:rot lat="0" lon="0" rev="0"/>
+            </a:camera>
+            <a:lightRig rig="threePt" dir="t">
+              <a:rot lat="0" lon="0" rev="1200000"/>
+            </a:lightRig>
+          </a:scene3d>
+          <a:sp3d>
+            <a:bevelT w="63500" h="25400"/>
+          </a:sp3d>
+        </a:effectStyle>
+      </a:effectStyleLst>
+      <a:bgFillStyleLst>
+        <a:solidFill>
+          <a:schemeClr val="phClr"/>
+        </a:solidFill>
+        <a:gradFill rotWithShape="1">
+          <a:gsLst>
+            <a:gs pos="0">
+              <a:schemeClr val="phClr">
+                <a:tint val="40000"/>
+                <a:satMod val="350000"/>
+              </a:schemeClr>
+            </a:gs>
+            <a:gs pos="40000">
+              <a:schemeClr val="phClr">
+                <a:tint val="45000"/>
+                <a:shade val="99000"/>
+                <a:satMod val="350000"/>
+              </a:schemeClr>
+            </a:gs>
+            <a:gs pos="100000">
+              <a:schemeClr val="phClr">
+                <a:shade val="20000"/>
+                <a:satMod val="255000"/>
+              </a:schemeClr>
+            </a:gs>
+          </a:gsLst>
+          <a:path path="circle">
+            <a:fillToRect l="50000" t="-80000" r="50000" b="180000"/>
+          </a:path>
+        </a:gradFill>
+        <a:gradFill rotWithShape="1">
+          <a:gsLst>
+            <a:gs pos="0">
+              <a:schemeClr val="phClr">
+                <a:tint val="80000"/>
+                <a:satMod val="300000"/>
+              </a:schemeClr>
+            </a:gs>
+            <a:gs pos="100000">
+              <a:schemeClr val="phClr">
+                <a:shade val="30000"/>
+                <a:satMod val="200000"/>
+              </a:schemeClr>
+            </a:gs>
+          </a:gsLst>
+          <a:path path="circle">
+            <a:fillToRect l="50000" t="50000" r="50000" b="50000"/>
+          </a:path>
+        </a:gradFill>
+      </a:bgFillStyleLst>
+    </a:fmtScheme>
+  </a:themeElements>
+  <a:objectDefaults/>
+  <a:extraClrSchemeLst/>
+</a:theme>
 </file>